--- a/2019/NIST 양자내성암호 공모전 Round2 코드기반암호 성능 비교 분석_발표자료.pptx
+++ b/2019/NIST 양자내성암호 공모전 Round2 코드기반암호 성능 비교 분석_발표자료.pptx
@@ -6,45 +6,43 @@
     <p:sldMasterId id="2147483664" r:id="rId2"/>
   </p:sldMasterIdLst>
   <p:notesMasterIdLst>
-    <p:notesMasterId r:id="rId36"/>
+    <p:notesMasterId r:id="rId34"/>
   </p:notesMasterIdLst>
   <p:handoutMasterIdLst>
-    <p:handoutMasterId r:id="rId37"/>
+    <p:handoutMasterId r:id="rId35"/>
   </p:handoutMasterIdLst>
   <p:sldIdLst>
     <p:sldId id="269" r:id="rId3"/>
     <p:sldId id="275" r:id="rId4"/>
     <p:sldId id="280" r:id="rId5"/>
-    <p:sldId id="282" r:id="rId6"/>
-    <p:sldId id="283" r:id="rId7"/>
-    <p:sldId id="284" r:id="rId8"/>
-    <p:sldId id="285" r:id="rId9"/>
-    <p:sldId id="287" r:id="rId10"/>
-    <p:sldId id="288" r:id="rId11"/>
-    <p:sldId id="289" r:id="rId12"/>
-    <p:sldId id="290" r:id="rId13"/>
-    <p:sldId id="291" r:id="rId14"/>
-    <p:sldId id="281" r:id="rId15"/>
-    <p:sldId id="302" r:id="rId16"/>
-    <p:sldId id="295" r:id="rId17"/>
-    <p:sldId id="293" r:id="rId18"/>
-    <p:sldId id="297" r:id="rId19"/>
-    <p:sldId id="298" r:id="rId20"/>
-    <p:sldId id="303" r:id="rId21"/>
-    <p:sldId id="304" r:id="rId22"/>
-    <p:sldId id="294" r:id="rId23"/>
-    <p:sldId id="305" r:id="rId24"/>
-    <p:sldId id="306" r:id="rId25"/>
-    <p:sldId id="307" r:id="rId26"/>
-    <p:sldId id="310" r:id="rId27"/>
-    <p:sldId id="299" r:id="rId28"/>
-    <p:sldId id="300" r:id="rId29"/>
-    <p:sldId id="301" r:id="rId30"/>
-    <p:sldId id="309" r:id="rId31"/>
-    <p:sldId id="382" r:id="rId32"/>
-    <p:sldId id="383" r:id="rId33"/>
-    <p:sldId id="384" r:id="rId34"/>
-    <p:sldId id="274" r:id="rId35"/>
+    <p:sldId id="283" r:id="rId6"/>
+    <p:sldId id="285" r:id="rId7"/>
+    <p:sldId id="287" r:id="rId8"/>
+    <p:sldId id="288" r:id="rId9"/>
+    <p:sldId id="282" r:id="rId10"/>
+    <p:sldId id="290" r:id="rId11"/>
+    <p:sldId id="291" r:id="rId12"/>
+    <p:sldId id="281" r:id="rId13"/>
+    <p:sldId id="302" r:id="rId14"/>
+    <p:sldId id="295" r:id="rId15"/>
+    <p:sldId id="293" r:id="rId16"/>
+    <p:sldId id="297" r:id="rId17"/>
+    <p:sldId id="298" r:id="rId18"/>
+    <p:sldId id="303" r:id="rId19"/>
+    <p:sldId id="304" r:id="rId20"/>
+    <p:sldId id="294" r:id="rId21"/>
+    <p:sldId id="306" r:id="rId22"/>
+    <p:sldId id="307" r:id="rId23"/>
+    <p:sldId id="310" r:id="rId24"/>
+    <p:sldId id="299" r:id="rId25"/>
+    <p:sldId id="300" r:id="rId26"/>
+    <p:sldId id="301" r:id="rId27"/>
+    <p:sldId id="309" r:id="rId28"/>
+    <p:sldId id="382" r:id="rId29"/>
+    <p:sldId id="383" r:id="rId30"/>
+    <p:sldId id="384" r:id="rId31"/>
+    <p:sldId id="274" r:id="rId32"/>
+    <p:sldId id="385" r:id="rId33"/>
   </p:sldIdLst>
   <p:sldSz cx="12192000" cy="6858000"/>
   <p:notesSz cx="6858000" cy="9144000"/>
@@ -247,7 +245,7 @@
           <a:p>
             <a:fld id="{45546E7E-6CE1-4F62-BC39-1BE7148D0D0D}" type="datetimeFigureOut">
               <a:rPr lang="ko-KR" altLang="en-US" smtClean="0"/>
-              <a:t>2019. 10. 17.</a:t>
+              <a:t>2019. 11. 27.</a:t>
             </a:fld>
             <a:endParaRPr lang="ko-KR" altLang="en-US"/>
           </a:p>
@@ -412,7 +410,7 @@
           <a:p>
             <a:fld id="{6B8A1C54-2D0D-48EB-888A-9786B070F533}" type="datetimeFigureOut">
               <a:rPr lang="ko-KR" altLang="en-US" smtClean="0"/>
-              <a:t>2019. 10. 17.</a:t>
+              <a:t>2019. 11. 27.</a:t>
             </a:fld>
             <a:endParaRPr lang="ko-KR" altLang="en-US"/>
           </a:p>
@@ -680,6 +678,450 @@
 </file>
 
 <file path=ppt/notesSlides/notesSlide1.xml><?xml version="1.0" encoding="utf-8"?>
+<p:notes xmlns:a="http://schemas.openxmlformats.org/drawingml/2006/main" xmlns:r="http://schemas.openxmlformats.org/officeDocument/2006/relationships" xmlns:p="http://schemas.openxmlformats.org/presentationml/2006/main">
+  <p:cSld>
+    <p:spTree>
+      <p:nvGrpSpPr>
+        <p:cNvPr id="1" name=""/>
+        <p:cNvGrpSpPr/>
+        <p:nvPr/>
+      </p:nvGrpSpPr>
+      <p:grpSpPr>
+        <a:xfrm>
+          <a:off x="0" y="0"/>
+          <a:ext cx="0" cy="0"/>
+          <a:chOff x="0" y="0"/>
+          <a:chExt cx="0" cy="0"/>
+        </a:xfrm>
+      </p:grpSpPr>
+      <p:sp>
+        <p:nvSpPr>
+          <p:cNvPr id="2" name="슬라이드 이미지 개체 틀 1"/>
+          <p:cNvSpPr>
+            <a:spLocks noGrp="1" noRot="1" noChangeAspect="1"/>
+          </p:cNvSpPr>
+          <p:nvPr>
+            <p:ph type="sldImg"/>
+          </p:nvPr>
+        </p:nvSpPr>
+        <p:spPr/>
+      </p:sp>
+      <p:sp>
+        <p:nvSpPr>
+          <p:cNvPr id="3" name="슬라이드 노트 개체 틀 2"/>
+          <p:cNvSpPr>
+            <a:spLocks noGrp="1"/>
+          </p:cNvSpPr>
+          <p:nvPr>
+            <p:ph type="body" idx="1"/>
+          </p:nvPr>
+        </p:nvSpPr>
+        <p:spPr/>
+        <p:txBody>
+          <a:bodyPr/>
+          <a:lstStyle/>
+          <a:p>
+            <a:r>
+              <a:rPr lang="ko-KR" altLang="en-US"/>
+              <a:t>원래 소인수분해 문제는 지수 차원의 복잡도를 같는데 </a:t>
+            </a:r>
+            <a:r>
+              <a:rPr lang="en-US" altLang="ko-KR"/>
+              <a:t>shor </a:t>
+            </a:r>
+            <a:r>
+              <a:rPr lang="ko-KR" altLang="en-US"/>
+              <a:t>알고리즘을 활용하면 다항시간내에 해결이 가능해짐</a:t>
+            </a:r>
+          </a:p>
+        </p:txBody>
+      </p:sp>
+      <p:sp>
+        <p:nvSpPr>
+          <p:cNvPr id="4" name="슬라이드 번호 개체 틀 3"/>
+          <p:cNvSpPr>
+            <a:spLocks noGrp="1"/>
+          </p:cNvSpPr>
+          <p:nvPr>
+            <p:ph type="sldNum" sz="quarter" idx="10"/>
+          </p:nvPr>
+        </p:nvSpPr>
+        <p:spPr/>
+        <p:txBody>
+          <a:bodyPr/>
+          <a:lstStyle/>
+          <a:p>
+            <a:fld id="{6002C913-610E-4BF0-B55F-9CE65BBA65D1}" type="slidenum">
+              <a:rPr lang="ko-KR" altLang="en-US" smtClean="0"/>
+              <a:t>9</a:t>
+            </a:fld>
+            <a:endParaRPr lang="ko-KR" altLang="en-US"/>
+          </a:p>
+        </p:txBody>
+      </p:sp>
+    </p:spTree>
+    <p:extLst>
+      <p:ext uri="{BB962C8B-B14F-4D97-AF65-F5344CB8AC3E}">
+        <p14:creationId xmlns:p14="http://schemas.microsoft.com/office/powerpoint/2010/main" val="1462353740"/>
+      </p:ext>
+    </p:extLst>
+  </p:cSld>
+  <p:clrMapOvr>
+    <a:masterClrMapping/>
+  </p:clrMapOvr>
+</p:notes>
+</file>
+
+<file path=ppt/notesSlides/notesSlide10.xml><?xml version="1.0" encoding="utf-8"?>
+<p:notes xmlns:a="http://schemas.openxmlformats.org/drawingml/2006/main" xmlns:r="http://schemas.openxmlformats.org/officeDocument/2006/relationships" xmlns:p="http://schemas.openxmlformats.org/presentationml/2006/main" showMasterSp="0" showMasterPhAnim="0">
+  <p:cSld>
+    <p:spTree>
+      <p:nvGrpSpPr>
+        <p:cNvPr id="1" name="Shape 457"/>
+        <p:cNvGrpSpPr/>
+        <p:nvPr/>
+      </p:nvGrpSpPr>
+      <p:grpSpPr>
+        <a:xfrm>
+          <a:off x="0" y="0"/>
+          <a:ext cx="0" cy="0"/>
+          <a:chOff x="0" y="0"/>
+          <a:chExt cx="0" cy="0"/>
+        </a:xfrm>
+      </p:grpSpPr>
+      <p:sp>
+        <p:nvSpPr>
+          <p:cNvPr id="458" name="Google Shape;458;g634fadd29a_0_61:notes"/>
+          <p:cNvSpPr>
+            <a:spLocks noGrp="1" noRot="1" noChangeAspect="1"/>
+          </p:cNvSpPr>
+          <p:nvPr>
+            <p:ph type="sldImg" idx="2"/>
+          </p:nvPr>
+        </p:nvSpPr>
+        <p:spPr>
+          <a:xfrm>
+            <a:off x="381000" y="685800"/>
+            <a:ext cx="6096000" cy="3429000"/>
+          </a:xfrm>
+          <a:custGeom>
+            <a:avLst/>
+            <a:gdLst/>
+            <a:ahLst/>
+            <a:cxnLst/>
+            <a:rect l="l" t="t" r="r" b="b"/>
+            <a:pathLst>
+              <a:path w="120000" h="120000" extrusionOk="0">
+                <a:moveTo>
+                  <a:pt x="0" y="0"/>
+                </a:moveTo>
+                <a:lnTo>
+                  <a:pt x="120000" y="0"/>
+                </a:lnTo>
+                <a:lnTo>
+                  <a:pt x="120000" y="120000"/>
+                </a:lnTo>
+                <a:lnTo>
+                  <a:pt x="0" y="120000"/>
+                </a:lnTo>
+                <a:close/>
+              </a:path>
+            </a:pathLst>
+          </a:custGeom>
+        </p:spPr>
+      </p:sp>
+      <p:sp>
+        <p:nvSpPr>
+          <p:cNvPr id="459" name="Google Shape;459;g634fadd29a_0_61:notes"/>
+          <p:cNvSpPr txBox="1">
+            <a:spLocks noGrp="1"/>
+          </p:cNvSpPr>
+          <p:nvPr>
+            <p:ph type="body" idx="1"/>
+          </p:nvPr>
+        </p:nvSpPr>
+        <p:spPr>
+          <a:xfrm>
+            <a:off x="685800" y="4343400"/>
+            <a:ext cx="5486400" cy="4114800"/>
+          </a:xfrm>
+          <a:prstGeom prst="rect">
+            <a:avLst/>
+          </a:prstGeom>
+        </p:spPr>
+        <p:txBody>
+          <a:bodyPr spcFirstLastPara="1" wrap="square" lIns="91425" tIns="91425" rIns="91425" bIns="91425" anchor="t" anchorCtr="0">
+            <a:noAutofit/>
+          </a:bodyPr>
+          <a:lstStyle/>
+          <a:p>
+            <a:pPr marL="0" lvl="0" indent="0" algn="just" rtl="0">
+              <a:spcBef>
+                <a:spcPts val="0"/>
+              </a:spcBef>
+              <a:spcAft>
+                <a:spcPts val="0"/>
+              </a:spcAft>
+              <a:buNone/>
+            </a:pPr>
+            <a:endParaRPr/>
+          </a:p>
+        </p:txBody>
+      </p:sp>
+    </p:spTree>
+    <p:extLst>
+      <p:ext uri="{BB962C8B-B14F-4D97-AF65-F5344CB8AC3E}">
+        <p14:creationId xmlns:p14="http://schemas.microsoft.com/office/powerpoint/2010/main" val="2629517757"/>
+      </p:ext>
+    </p:extLst>
+  </p:cSld>
+  <p:clrMapOvr>
+    <a:masterClrMapping/>
+  </p:clrMapOvr>
+</p:notes>
+</file>
+
+<file path=ppt/notesSlides/notesSlide11.xml><?xml version="1.0" encoding="utf-8"?>
+<p:notes xmlns:a="http://schemas.openxmlformats.org/drawingml/2006/main" xmlns:r="http://schemas.openxmlformats.org/officeDocument/2006/relationships" xmlns:p="http://schemas.openxmlformats.org/presentationml/2006/main" showMasterSp="0" showMasterPhAnim="0">
+  <p:cSld>
+    <p:spTree>
+      <p:nvGrpSpPr>
+        <p:cNvPr id="1" name="Shape 464"/>
+        <p:cNvGrpSpPr/>
+        <p:nvPr/>
+      </p:nvGrpSpPr>
+      <p:grpSpPr>
+        <a:xfrm>
+          <a:off x="0" y="0"/>
+          <a:ext cx="0" cy="0"/>
+          <a:chOff x="0" y="0"/>
+          <a:chExt cx="0" cy="0"/>
+        </a:xfrm>
+      </p:grpSpPr>
+      <p:sp>
+        <p:nvSpPr>
+          <p:cNvPr id="465" name="Google Shape;465;g634fadd29a_0_54:notes"/>
+          <p:cNvSpPr>
+            <a:spLocks noGrp="1" noRot="1" noChangeAspect="1"/>
+          </p:cNvSpPr>
+          <p:nvPr>
+            <p:ph type="sldImg" idx="2"/>
+          </p:nvPr>
+        </p:nvSpPr>
+        <p:spPr>
+          <a:xfrm>
+            <a:off x="381000" y="685800"/>
+            <a:ext cx="6096000" cy="3429000"/>
+          </a:xfrm>
+          <a:custGeom>
+            <a:avLst/>
+            <a:gdLst/>
+            <a:ahLst/>
+            <a:cxnLst/>
+            <a:rect l="l" t="t" r="r" b="b"/>
+            <a:pathLst>
+              <a:path w="120000" h="120000" extrusionOk="0">
+                <a:moveTo>
+                  <a:pt x="0" y="0"/>
+                </a:moveTo>
+                <a:lnTo>
+                  <a:pt x="120000" y="0"/>
+                </a:lnTo>
+                <a:lnTo>
+                  <a:pt x="120000" y="120000"/>
+                </a:lnTo>
+                <a:lnTo>
+                  <a:pt x="0" y="120000"/>
+                </a:lnTo>
+                <a:close/>
+              </a:path>
+            </a:pathLst>
+          </a:custGeom>
+        </p:spPr>
+      </p:sp>
+      <p:sp>
+        <p:nvSpPr>
+          <p:cNvPr id="466" name="Google Shape;466;g634fadd29a_0_54:notes"/>
+          <p:cNvSpPr txBox="1">
+            <a:spLocks noGrp="1"/>
+          </p:cNvSpPr>
+          <p:nvPr>
+            <p:ph type="body" idx="1"/>
+          </p:nvPr>
+        </p:nvSpPr>
+        <p:spPr>
+          <a:xfrm>
+            <a:off x="685800" y="4343400"/>
+            <a:ext cx="5486400" cy="4114800"/>
+          </a:xfrm>
+          <a:prstGeom prst="rect">
+            <a:avLst/>
+          </a:prstGeom>
+        </p:spPr>
+        <p:txBody>
+          <a:bodyPr spcFirstLastPara="1" wrap="square" lIns="91425" tIns="91425" rIns="91425" bIns="91425" anchor="t" anchorCtr="0">
+            <a:noAutofit/>
+          </a:bodyPr>
+          <a:lstStyle/>
+          <a:p>
+            <a:pPr marL="0" lvl="0" indent="0" algn="just" rtl="0">
+              <a:spcBef>
+                <a:spcPts val="0"/>
+              </a:spcBef>
+              <a:spcAft>
+                <a:spcPts val="0"/>
+              </a:spcAft>
+              <a:buNone/>
+            </a:pPr>
+            <a:endParaRPr/>
+          </a:p>
+        </p:txBody>
+      </p:sp>
+    </p:spTree>
+    <p:extLst>
+      <p:ext uri="{BB962C8B-B14F-4D97-AF65-F5344CB8AC3E}">
+        <p14:creationId xmlns:p14="http://schemas.microsoft.com/office/powerpoint/2010/main" val="3119112141"/>
+      </p:ext>
+    </p:extLst>
+  </p:cSld>
+  <p:clrMapOvr>
+    <a:masterClrMapping/>
+  </p:clrMapOvr>
+</p:notes>
+</file>
+
+<file path=ppt/notesSlides/notesSlide2.xml><?xml version="1.0" encoding="utf-8"?>
+<p:notes xmlns:a="http://schemas.openxmlformats.org/drawingml/2006/main" xmlns:r="http://schemas.openxmlformats.org/officeDocument/2006/relationships" xmlns:p="http://schemas.openxmlformats.org/presentationml/2006/main">
+  <p:cSld>
+    <p:spTree>
+      <p:nvGrpSpPr>
+        <p:cNvPr id="1" name=""/>
+        <p:cNvGrpSpPr/>
+        <p:nvPr/>
+      </p:nvGrpSpPr>
+      <p:grpSpPr>
+        <a:xfrm>
+          <a:off x="0" y="0"/>
+          <a:ext cx="0" cy="0"/>
+          <a:chOff x="0" y="0"/>
+          <a:chExt cx="0" cy="0"/>
+        </a:xfrm>
+      </p:grpSpPr>
+      <p:sp>
+        <p:nvSpPr>
+          <p:cNvPr id="2" name="슬라이드 이미지 개체 틀 1"/>
+          <p:cNvSpPr>
+            <a:spLocks noGrp="1" noRot="1" noChangeAspect="1"/>
+          </p:cNvSpPr>
+          <p:nvPr>
+            <p:ph type="sldImg"/>
+          </p:nvPr>
+        </p:nvSpPr>
+        <p:spPr/>
+      </p:sp>
+      <p:sp>
+        <p:nvSpPr>
+          <p:cNvPr id="3" name="슬라이드 노트 개체 틀 2"/>
+          <p:cNvSpPr>
+            <a:spLocks noGrp="1"/>
+          </p:cNvSpPr>
+          <p:nvPr>
+            <p:ph type="body" idx="1"/>
+          </p:nvPr>
+        </p:nvSpPr>
+        <p:spPr/>
+        <p:txBody>
+          <a:bodyPr/>
+          <a:lstStyle/>
+          <a:p>
+            <a:r>
+              <a:rPr lang="en-US" altLang="ko-KR"/>
+              <a:t>Fx </a:t>
+            </a:r>
+            <a:r>
+              <a:rPr lang="ko-KR" altLang="en-US"/>
+              <a:t>값을 찾는 것인데 </a:t>
+            </a:r>
+            <a:r>
+              <a:rPr lang="en-US" altLang="ko-KR"/>
+              <a:t>x</a:t>
+            </a:r>
+            <a:r>
+              <a:rPr lang="ko-KR" altLang="en-US"/>
+              <a:t>값이 증가함에 따라 계속해서 반복적인 값이 나오게 되는데 이를 주기라고 한다</a:t>
+            </a:r>
+            <a:endParaRPr lang="en-US" altLang="ko-KR"/>
+          </a:p>
+          <a:p>
+            <a:r>
+              <a:rPr lang="en-US" altLang="ko-KR"/>
+              <a:t>Fx</a:t>
+            </a:r>
+            <a:r>
+              <a:rPr lang="ko-KR" altLang="en-US"/>
+              <a:t>에 대한 주기를 찾는데 이 주기가 </a:t>
+            </a:r>
+            <a:r>
+              <a:rPr lang="en-US" altLang="ko-KR"/>
+              <a:t>ax mod N – </a:t>
+            </a:r>
+            <a:r>
+              <a:rPr lang="ko-KR" altLang="en-US"/>
+              <a:t>이를 </a:t>
+            </a:r>
+            <a:r>
+              <a:rPr lang="en-US" altLang="ko-KR"/>
+              <a:t>Order Finding</a:t>
+            </a:r>
+            <a:r>
+              <a:rPr lang="ko-KR" altLang="en-US"/>
+              <a:t>이라고 한다</a:t>
+            </a:r>
+            <a:r>
+              <a:rPr lang="en-US" altLang="ko-KR"/>
+              <a:t>.</a:t>
+            </a:r>
+            <a:endParaRPr lang="ko-KR" altLang="en-US"/>
+          </a:p>
+        </p:txBody>
+      </p:sp>
+      <p:sp>
+        <p:nvSpPr>
+          <p:cNvPr id="4" name="슬라이드 번호 개체 틀 3"/>
+          <p:cNvSpPr>
+            <a:spLocks noGrp="1"/>
+          </p:cNvSpPr>
+          <p:nvPr>
+            <p:ph type="sldNum" sz="quarter" idx="10"/>
+          </p:nvPr>
+        </p:nvSpPr>
+        <p:spPr/>
+        <p:txBody>
+          <a:bodyPr/>
+          <a:lstStyle/>
+          <a:p>
+            <a:fld id="{6002C913-610E-4BF0-B55F-9CE65BBA65D1}" type="slidenum">
+              <a:rPr lang="ko-KR" altLang="en-US" smtClean="0"/>
+              <a:t>10</a:t>
+            </a:fld>
+            <a:endParaRPr lang="ko-KR" altLang="en-US"/>
+          </a:p>
+        </p:txBody>
+      </p:sp>
+    </p:spTree>
+    <p:extLst>
+      <p:ext uri="{BB962C8B-B14F-4D97-AF65-F5344CB8AC3E}">
+        <p14:creationId xmlns:p14="http://schemas.microsoft.com/office/powerpoint/2010/main" val="1101147053"/>
+      </p:ext>
+    </p:extLst>
+  </p:cSld>
+  <p:clrMapOvr>
+    <a:masterClrMapping/>
+  </p:clrMapOvr>
+</p:notes>
+</file>
+
+<file path=ppt/notesSlides/notesSlide3.xml><?xml version="1.0" encoding="utf-8"?>
 <p:notes xmlns:a="http://schemas.openxmlformats.org/drawingml/2006/main" xmlns:r="http://schemas.openxmlformats.org/officeDocument/2006/relationships" xmlns:p="http://schemas.openxmlformats.org/presentationml/2006/main" showMasterSp="0" showMasterPhAnim="0">
   <p:cSld>
     <p:spTree>
@@ -788,116 +1230,7 @@
 </p:notes>
 </file>
 
-<file path=ppt/notesSlides/notesSlide10.xml><?xml version="1.0" encoding="utf-8"?>
-<p:notes xmlns:a="http://schemas.openxmlformats.org/drawingml/2006/main" xmlns:r="http://schemas.openxmlformats.org/officeDocument/2006/relationships" xmlns:p="http://schemas.openxmlformats.org/presentationml/2006/main" showMasterSp="0" showMasterPhAnim="0">
-  <p:cSld>
-    <p:spTree>
-      <p:nvGrpSpPr>
-        <p:cNvPr id="1" name="Shape 464"/>
-        <p:cNvGrpSpPr/>
-        <p:nvPr/>
-      </p:nvGrpSpPr>
-      <p:grpSpPr>
-        <a:xfrm>
-          <a:off x="0" y="0"/>
-          <a:ext cx="0" cy="0"/>
-          <a:chOff x="0" y="0"/>
-          <a:chExt cx="0" cy="0"/>
-        </a:xfrm>
-      </p:grpSpPr>
-      <p:sp>
-        <p:nvSpPr>
-          <p:cNvPr id="465" name="Google Shape;465;g634fadd29a_0_54:notes"/>
-          <p:cNvSpPr>
-            <a:spLocks noGrp="1" noRot="1" noChangeAspect="1"/>
-          </p:cNvSpPr>
-          <p:nvPr>
-            <p:ph type="sldImg" idx="2"/>
-          </p:nvPr>
-        </p:nvSpPr>
-        <p:spPr>
-          <a:xfrm>
-            <a:off x="381000" y="685800"/>
-            <a:ext cx="6096000" cy="3429000"/>
-          </a:xfrm>
-          <a:custGeom>
-            <a:avLst/>
-            <a:gdLst/>
-            <a:ahLst/>
-            <a:cxnLst/>
-            <a:rect l="l" t="t" r="r" b="b"/>
-            <a:pathLst>
-              <a:path w="120000" h="120000" extrusionOk="0">
-                <a:moveTo>
-                  <a:pt x="0" y="0"/>
-                </a:moveTo>
-                <a:lnTo>
-                  <a:pt x="120000" y="0"/>
-                </a:lnTo>
-                <a:lnTo>
-                  <a:pt x="120000" y="120000"/>
-                </a:lnTo>
-                <a:lnTo>
-                  <a:pt x="0" y="120000"/>
-                </a:lnTo>
-                <a:close/>
-              </a:path>
-            </a:pathLst>
-          </a:custGeom>
-        </p:spPr>
-      </p:sp>
-      <p:sp>
-        <p:nvSpPr>
-          <p:cNvPr id="466" name="Google Shape;466;g634fadd29a_0_54:notes"/>
-          <p:cNvSpPr txBox="1">
-            <a:spLocks noGrp="1"/>
-          </p:cNvSpPr>
-          <p:nvPr>
-            <p:ph type="body" idx="1"/>
-          </p:nvPr>
-        </p:nvSpPr>
-        <p:spPr>
-          <a:xfrm>
-            <a:off x="685800" y="4343400"/>
-            <a:ext cx="5486400" cy="4114800"/>
-          </a:xfrm>
-          <a:prstGeom prst="rect">
-            <a:avLst/>
-          </a:prstGeom>
-        </p:spPr>
-        <p:txBody>
-          <a:bodyPr spcFirstLastPara="1" wrap="square" lIns="91425" tIns="91425" rIns="91425" bIns="91425" anchor="t" anchorCtr="0">
-            <a:noAutofit/>
-          </a:bodyPr>
-          <a:lstStyle/>
-          <a:p>
-            <a:pPr marL="0" lvl="0" indent="0" algn="just" rtl="0">
-              <a:spcBef>
-                <a:spcPts val="0"/>
-              </a:spcBef>
-              <a:spcAft>
-                <a:spcPts val="0"/>
-              </a:spcAft>
-              <a:buNone/>
-            </a:pPr>
-            <a:endParaRPr/>
-          </a:p>
-        </p:txBody>
-      </p:sp>
-    </p:spTree>
-    <p:extLst>
-      <p:ext uri="{BB962C8B-B14F-4D97-AF65-F5344CB8AC3E}">
-        <p14:creationId xmlns:p14="http://schemas.microsoft.com/office/powerpoint/2010/main" val="3119112141"/>
-      </p:ext>
-    </p:extLst>
-  </p:cSld>
-  <p:clrMapOvr>
-    <a:masterClrMapping/>
-  </p:clrMapOvr>
-</p:notes>
-</file>
-
-<file path=ppt/notesSlides/notesSlide2.xml><?xml version="1.0" encoding="utf-8"?>
+<file path=ppt/notesSlides/notesSlide4.xml><?xml version="1.0" encoding="utf-8"?>
 <p:notes xmlns:a="http://schemas.openxmlformats.org/drawingml/2006/main" xmlns:r="http://schemas.openxmlformats.org/officeDocument/2006/relationships" xmlns:p="http://schemas.openxmlformats.org/presentationml/2006/main" showMasterSp="0" showMasterPhAnim="0">
   <p:cSld>
     <p:spTree>
@@ -1006,116 +1339,7 @@
 </p:notes>
 </file>
 
-<file path=ppt/notesSlides/notesSlide3.xml><?xml version="1.0" encoding="utf-8"?>
-<p:notes xmlns:a="http://schemas.openxmlformats.org/drawingml/2006/main" xmlns:r="http://schemas.openxmlformats.org/officeDocument/2006/relationships" xmlns:p="http://schemas.openxmlformats.org/presentationml/2006/main" showMasterSp="0" showMasterPhAnim="0">
-  <p:cSld>
-    <p:spTree>
-      <p:nvGrpSpPr>
-        <p:cNvPr id="1" name="Shape 369"/>
-        <p:cNvGrpSpPr/>
-        <p:nvPr/>
-      </p:nvGrpSpPr>
-      <p:grpSpPr>
-        <a:xfrm>
-          <a:off x="0" y="0"/>
-          <a:ext cx="0" cy="0"/>
-          <a:chOff x="0" y="0"/>
-          <a:chExt cx="0" cy="0"/>
-        </a:xfrm>
-      </p:grpSpPr>
-      <p:sp>
-        <p:nvSpPr>
-          <p:cNvPr id="370" name="Google Shape;370;g62adc7ba37_0_114:notes"/>
-          <p:cNvSpPr>
-            <a:spLocks noGrp="1" noRot="1" noChangeAspect="1"/>
-          </p:cNvSpPr>
-          <p:nvPr>
-            <p:ph type="sldImg" idx="2"/>
-          </p:nvPr>
-        </p:nvSpPr>
-        <p:spPr>
-          <a:xfrm>
-            <a:off x="381000" y="685800"/>
-            <a:ext cx="6096000" cy="3429000"/>
-          </a:xfrm>
-          <a:custGeom>
-            <a:avLst/>
-            <a:gdLst/>
-            <a:ahLst/>
-            <a:cxnLst/>
-            <a:rect l="l" t="t" r="r" b="b"/>
-            <a:pathLst>
-              <a:path w="120000" h="120000" extrusionOk="0">
-                <a:moveTo>
-                  <a:pt x="0" y="0"/>
-                </a:moveTo>
-                <a:lnTo>
-                  <a:pt x="120000" y="0"/>
-                </a:lnTo>
-                <a:lnTo>
-                  <a:pt x="120000" y="120000"/>
-                </a:lnTo>
-                <a:lnTo>
-                  <a:pt x="0" y="120000"/>
-                </a:lnTo>
-                <a:close/>
-              </a:path>
-            </a:pathLst>
-          </a:custGeom>
-        </p:spPr>
-      </p:sp>
-      <p:sp>
-        <p:nvSpPr>
-          <p:cNvPr id="371" name="Google Shape;371;g62adc7ba37_0_114:notes"/>
-          <p:cNvSpPr txBox="1">
-            <a:spLocks noGrp="1"/>
-          </p:cNvSpPr>
-          <p:nvPr>
-            <p:ph type="body" idx="1"/>
-          </p:nvPr>
-        </p:nvSpPr>
-        <p:spPr>
-          <a:xfrm>
-            <a:off x="685800" y="4343400"/>
-            <a:ext cx="5486400" cy="4114800"/>
-          </a:xfrm>
-          <a:prstGeom prst="rect">
-            <a:avLst/>
-          </a:prstGeom>
-        </p:spPr>
-        <p:txBody>
-          <a:bodyPr spcFirstLastPara="1" wrap="square" lIns="91425" tIns="91425" rIns="91425" bIns="91425" anchor="t" anchorCtr="0">
-            <a:noAutofit/>
-          </a:bodyPr>
-          <a:lstStyle/>
-          <a:p>
-            <a:pPr marL="0" lvl="0" indent="0" algn="just" rtl="0">
-              <a:spcBef>
-                <a:spcPts val="0"/>
-              </a:spcBef>
-              <a:spcAft>
-                <a:spcPts val="0"/>
-              </a:spcAft>
-              <a:buNone/>
-            </a:pPr>
-            <a:endParaRPr/>
-          </a:p>
-        </p:txBody>
-      </p:sp>
-    </p:spTree>
-    <p:extLst>
-      <p:ext uri="{BB962C8B-B14F-4D97-AF65-F5344CB8AC3E}">
-        <p14:creationId xmlns:p14="http://schemas.microsoft.com/office/powerpoint/2010/main" val="542861674"/>
-      </p:ext>
-    </p:extLst>
-  </p:cSld>
-  <p:clrMapOvr>
-    <a:masterClrMapping/>
-  </p:clrMapOvr>
-</p:notes>
-</file>
-
-<file path=ppt/notesSlides/notesSlide4.xml><?xml version="1.0" encoding="utf-8"?>
+<file path=ppt/notesSlides/notesSlide5.xml><?xml version="1.0" encoding="utf-8"?>
 <p:notes xmlns:a="http://schemas.openxmlformats.org/drawingml/2006/main" xmlns:r="http://schemas.openxmlformats.org/officeDocument/2006/relationships" xmlns:p="http://schemas.openxmlformats.org/presentationml/2006/main" showMasterSp="0" showMasterPhAnim="0">
   <p:cSld>
     <p:spTree>
@@ -1224,7 +1448,7 @@
 </p:notes>
 </file>
 
-<file path=ppt/notesSlides/notesSlide5.xml><?xml version="1.0" encoding="utf-8"?>
+<file path=ppt/notesSlides/notesSlide6.xml><?xml version="1.0" encoding="utf-8"?>
 <p:notes xmlns:a="http://schemas.openxmlformats.org/drawingml/2006/main" xmlns:r="http://schemas.openxmlformats.org/officeDocument/2006/relationships" xmlns:p="http://schemas.openxmlformats.org/presentationml/2006/main" showMasterSp="0" showMasterPhAnim="0">
   <p:cSld>
     <p:spTree>
@@ -1333,7 +1557,7 @@
 </p:notes>
 </file>
 
-<file path=ppt/notesSlides/notesSlide6.xml><?xml version="1.0" encoding="utf-8"?>
+<file path=ppt/notesSlides/notesSlide7.xml><?xml version="1.0" encoding="utf-8"?>
 <p:notes xmlns:a="http://schemas.openxmlformats.org/drawingml/2006/main" xmlns:r="http://schemas.openxmlformats.org/officeDocument/2006/relationships" xmlns:p="http://schemas.openxmlformats.org/presentationml/2006/main" showMasterSp="0" showMasterPhAnim="0">
   <p:cSld>
     <p:spTree>
@@ -1442,7 +1666,7 @@
 </p:notes>
 </file>
 
-<file path=ppt/notesSlides/notesSlide7.xml><?xml version="1.0" encoding="utf-8"?>
+<file path=ppt/notesSlides/notesSlide8.xml><?xml version="1.0" encoding="utf-8"?>
 <p:notes xmlns:a="http://schemas.openxmlformats.org/drawingml/2006/main" xmlns:r="http://schemas.openxmlformats.org/officeDocument/2006/relationships" xmlns:p="http://schemas.openxmlformats.org/presentationml/2006/main" showMasterSp="0" showMasterPhAnim="0">
   <p:cSld>
     <p:spTree>
@@ -1563,7 +1787,7 @@
 </p:notes>
 </file>
 
-<file path=ppt/notesSlides/notesSlide8.xml><?xml version="1.0" encoding="utf-8"?>
+<file path=ppt/notesSlides/notesSlide9.xml><?xml version="1.0" encoding="utf-8"?>
 <p:notes xmlns:a="http://schemas.openxmlformats.org/drawingml/2006/main" xmlns:r="http://schemas.openxmlformats.org/officeDocument/2006/relationships" xmlns:p="http://schemas.openxmlformats.org/presentationml/2006/main" showMasterSp="0" showMasterPhAnim="0">
   <p:cSld>
     <p:spTree>
@@ -1675,115 +1899,6 @@
     <p:extLst>
       <p:ext uri="{BB962C8B-B14F-4D97-AF65-F5344CB8AC3E}">
         <p14:creationId xmlns:p14="http://schemas.microsoft.com/office/powerpoint/2010/main" val="4038219978"/>
-      </p:ext>
-    </p:extLst>
-  </p:cSld>
-  <p:clrMapOvr>
-    <a:masterClrMapping/>
-  </p:clrMapOvr>
-</p:notes>
-</file>
-
-<file path=ppt/notesSlides/notesSlide9.xml><?xml version="1.0" encoding="utf-8"?>
-<p:notes xmlns:a="http://schemas.openxmlformats.org/drawingml/2006/main" xmlns:r="http://schemas.openxmlformats.org/officeDocument/2006/relationships" xmlns:p="http://schemas.openxmlformats.org/presentationml/2006/main" showMasterSp="0" showMasterPhAnim="0">
-  <p:cSld>
-    <p:spTree>
-      <p:nvGrpSpPr>
-        <p:cNvPr id="1" name="Shape 457"/>
-        <p:cNvGrpSpPr/>
-        <p:nvPr/>
-      </p:nvGrpSpPr>
-      <p:grpSpPr>
-        <a:xfrm>
-          <a:off x="0" y="0"/>
-          <a:ext cx="0" cy="0"/>
-          <a:chOff x="0" y="0"/>
-          <a:chExt cx="0" cy="0"/>
-        </a:xfrm>
-      </p:grpSpPr>
-      <p:sp>
-        <p:nvSpPr>
-          <p:cNvPr id="458" name="Google Shape;458;g634fadd29a_0_61:notes"/>
-          <p:cNvSpPr>
-            <a:spLocks noGrp="1" noRot="1" noChangeAspect="1"/>
-          </p:cNvSpPr>
-          <p:nvPr>
-            <p:ph type="sldImg" idx="2"/>
-          </p:nvPr>
-        </p:nvSpPr>
-        <p:spPr>
-          <a:xfrm>
-            <a:off x="381000" y="685800"/>
-            <a:ext cx="6096000" cy="3429000"/>
-          </a:xfrm>
-          <a:custGeom>
-            <a:avLst/>
-            <a:gdLst/>
-            <a:ahLst/>
-            <a:cxnLst/>
-            <a:rect l="l" t="t" r="r" b="b"/>
-            <a:pathLst>
-              <a:path w="120000" h="120000" extrusionOk="0">
-                <a:moveTo>
-                  <a:pt x="0" y="0"/>
-                </a:moveTo>
-                <a:lnTo>
-                  <a:pt x="120000" y="0"/>
-                </a:lnTo>
-                <a:lnTo>
-                  <a:pt x="120000" y="120000"/>
-                </a:lnTo>
-                <a:lnTo>
-                  <a:pt x="0" y="120000"/>
-                </a:lnTo>
-                <a:close/>
-              </a:path>
-            </a:pathLst>
-          </a:custGeom>
-        </p:spPr>
-      </p:sp>
-      <p:sp>
-        <p:nvSpPr>
-          <p:cNvPr id="459" name="Google Shape;459;g634fadd29a_0_61:notes"/>
-          <p:cNvSpPr txBox="1">
-            <a:spLocks noGrp="1"/>
-          </p:cNvSpPr>
-          <p:nvPr>
-            <p:ph type="body" idx="1"/>
-          </p:nvPr>
-        </p:nvSpPr>
-        <p:spPr>
-          <a:xfrm>
-            <a:off x="685800" y="4343400"/>
-            <a:ext cx="5486400" cy="4114800"/>
-          </a:xfrm>
-          <a:prstGeom prst="rect">
-            <a:avLst/>
-          </a:prstGeom>
-        </p:spPr>
-        <p:txBody>
-          <a:bodyPr spcFirstLastPara="1" wrap="square" lIns="91425" tIns="91425" rIns="91425" bIns="91425" anchor="t" anchorCtr="0">
-            <a:noAutofit/>
-          </a:bodyPr>
-          <a:lstStyle/>
-          <a:p>
-            <a:pPr marL="0" lvl="0" indent="0" algn="just" rtl="0">
-              <a:spcBef>
-                <a:spcPts val="0"/>
-              </a:spcBef>
-              <a:spcAft>
-                <a:spcPts val="0"/>
-              </a:spcAft>
-              <a:buNone/>
-            </a:pPr>
-            <a:endParaRPr/>
-          </a:p>
-        </p:txBody>
-      </p:sp>
-    </p:spTree>
-    <p:extLst>
-      <p:ext uri="{BB962C8B-B14F-4D97-AF65-F5344CB8AC3E}">
-        <p14:creationId xmlns:p14="http://schemas.microsoft.com/office/powerpoint/2010/main" val="2629517757"/>
       </p:ext>
     </p:extLst>
   </p:cSld>
@@ -4972,40 +5087,28 @@
           <a:lstStyle/>
           <a:p>
             <a:r>
+              <a:rPr lang="ko-KR" altLang="en-US" sz="2000"/>
+              <a:t>한성대학교 최승주</a:t>
+            </a:r>
+            <a:r>
+              <a:rPr lang="en-US" altLang="ko-KR" sz="2000"/>
+              <a:t>, </a:t>
+            </a:r>
+            <a:r>
+              <a:rPr lang="ko-KR" altLang="en-US" sz="2000"/>
+              <a:t>장경배</a:t>
+            </a:r>
+            <a:r>
+              <a:rPr lang="en-US" altLang="ko-KR" sz="2000"/>
+              <a:t>,</a:t>
+            </a:r>
+            <a:r>
+              <a:rPr lang="ko-KR" altLang="en-US" sz="2000"/>
+              <a:t> </a:t>
+            </a:r>
+            <a:r>
               <a:rPr lang="ko-KR" altLang="en-US" sz="2000" dirty="0"/>
-              <a:t>한성대학교 </a:t>
-            </a:r>
-            <a:r>
-              <a:rPr lang="ko-KR" altLang="en-US" sz="2000" dirty="0" err="1"/>
-              <a:t>장경배</a:t>
-            </a:r>
-            <a:r>
-              <a:rPr lang="en-US" altLang="ko-KR" sz="2000" dirty="0"/>
-              <a:t>, </a:t>
-            </a:r>
-            <a:r>
-              <a:rPr lang="ko-KR" altLang="en-US" sz="2000" dirty="0" err="1"/>
-              <a:t>최승주</a:t>
-            </a:r>
-            <a:r>
-              <a:rPr lang="en-US" altLang="ko-KR" sz="2000" dirty="0"/>
-              <a:t>,</a:t>
-            </a:r>
-            <a:r>
-              <a:rPr lang="ko-KR" altLang="en-US" sz="2000" dirty="0"/>
-              <a:t> </a:t>
-            </a:r>
-            <a:r>
-              <a:rPr lang="ko-KR" altLang="en-US" sz="2000" dirty="0" err="1"/>
-              <a:t>권용빈</a:t>
-            </a:r>
-            <a:r>
-              <a:rPr lang="en-US" altLang="ko-KR" sz="2000" dirty="0"/>
-              <a:t>,</a:t>
-            </a:r>
-            <a:r>
-              <a:rPr lang="ko-KR" altLang="en-US" sz="2000" dirty="0"/>
-              <a:t> 김현지</a:t>
+              <a:t>김현지</a:t>
             </a:r>
             <a:endParaRPr lang="en-US" altLang="ko-KR" sz="2000" dirty="0"/>
           </a:p>
@@ -5036,574 +5139,6 @@
 </file>
 
 <file path=ppt/slides/slide10.xml><?xml version="1.0" encoding="utf-8"?>
-<p:sld xmlns:a="http://schemas.openxmlformats.org/drawingml/2006/main" xmlns:r="http://schemas.openxmlformats.org/officeDocument/2006/relationships" xmlns:p="http://schemas.openxmlformats.org/presentationml/2006/main">
-  <p:cSld>
-    <p:spTree>
-      <p:nvGrpSpPr>
-        <p:cNvPr id="1" name=""/>
-        <p:cNvGrpSpPr/>
-        <p:nvPr/>
-      </p:nvGrpSpPr>
-      <p:grpSpPr>
-        <a:xfrm>
-          <a:off x="0" y="0"/>
-          <a:ext cx="0" cy="0"/>
-          <a:chOff x="0" y="0"/>
-          <a:chExt cx="0" cy="0"/>
-        </a:xfrm>
-      </p:grpSpPr>
-      <p:sp>
-        <p:nvSpPr>
-          <p:cNvPr id="2" name="제목 1"/>
-          <p:cNvSpPr>
-            <a:spLocks noGrp="1"/>
-          </p:cNvSpPr>
-          <p:nvPr>
-            <p:ph type="title"/>
-          </p:nvPr>
-        </p:nvSpPr>
-        <p:spPr/>
-        <p:txBody>
-          <a:bodyPr>
-            <a:normAutofit/>
-          </a:bodyPr>
-          <a:lstStyle/>
-          <a:p>
-            <a:r>
-              <a:rPr lang="ko-KR" altLang="en-US" sz="3000" dirty="0"/>
-              <a:t> 양자 알고리즘</a:t>
-            </a:r>
-          </a:p>
-        </p:txBody>
-      </p:sp>
-      <p:sp>
-        <p:nvSpPr>
-          <p:cNvPr id="6" name="TextBox 5">
-            <a:extLst>
-              <a:ext uri="{FF2B5EF4-FFF2-40B4-BE49-F238E27FC236}">
-                <a16:creationId xmlns:a16="http://schemas.microsoft.com/office/drawing/2014/main" id="{36D89411-7E4B-46C9-B4E4-5112C265BF4A}"/>
-              </a:ext>
-            </a:extLst>
-          </p:cNvPr>
-          <p:cNvSpPr txBox="1"/>
-          <p:nvPr/>
-        </p:nvSpPr>
-        <p:spPr>
-          <a:xfrm>
-            <a:off x="3154487" y="2536448"/>
-            <a:ext cx="9982044" cy="1785104"/>
-          </a:xfrm>
-          <a:prstGeom prst="rect">
-            <a:avLst/>
-          </a:prstGeom>
-          <a:noFill/>
-        </p:spPr>
-        <p:txBody>
-          <a:bodyPr wrap="square" rtlCol="0">
-            <a:spAutoFit/>
-          </a:bodyPr>
-          <a:lstStyle/>
-          <a:p>
-            <a:r>
-              <a:rPr lang="ko-KR" altLang="en-US" sz="2200" dirty="0"/>
-              <a:t>양자 컴퓨터의 등장과 함께 나타난 새로운 양자 알고리즘</a:t>
-            </a:r>
-            <a:endParaRPr lang="en-US" altLang="ko-KR" sz="2200" dirty="0"/>
-          </a:p>
-          <a:p>
-            <a:endParaRPr lang="en-US" altLang="ko-KR" sz="2200" dirty="0"/>
-          </a:p>
-          <a:p>
-            <a:r>
-              <a:rPr lang="ko-KR" altLang="en-US" sz="2200" dirty="0"/>
-              <a:t>기존 컴퓨터에서 해결하기 어려운 수학적 난제들을 효율적으로 풀어냄</a:t>
-            </a:r>
-            <a:endParaRPr lang="en-US" altLang="ko-KR" sz="2200" dirty="0"/>
-          </a:p>
-          <a:p>
-            <a:endParaRPr lang="en-US" altLang="ko-KR" sz="2200" dirty="0"/>
-          </a:p>
-          <a:p>
-            <a:r>
-              <a:rPr lang="en-US" altLang="ko-KR" sz="2200" dirty="0">
-                <a:sym typeface="Wingdings" panose="05000000000000000000" pitchFamily="2" charset="2"/>
-              </a:rPr>
-              <a:t>  </a:t>
-            </a:r>
-            <a:r>
-              <a:rPr lang="en-US" altLang="ko-KR" sz="2200" dirty="0"/>
-              <a:t> </a:t>
-            </a:r>
-            <a:r>
-              <a:rPr lang="ko-KR" altLang="en-US" sz="2200" dirty="0"/>
-              <a:t>이러한 난제에 기반한 현재 암호시스템들을 위협</a:t>
-            </a:r>
-            <a:endParaRPr lang="en-US" altLang="ko-KR" sz="2200" dirty="0"/>
-          </a:p>
-        </p:txBody>
-      </p:sp>
-      <p:pic>
-        <p:nvPicPr>
-          <p:cNvPr id="8" name="그래픽 7" descr="열린 자물쇠">
-            <a:extLst>
-              <a:ext uri="{FF2B5EF4-FFF2-40B4-BE49-F238E27FC236}">
-                <a16:creationId xmlns:a16="http://schemas.microsoft.com/office/drawing/2014/main" id="{0B077CDA-B43E-4F9A-9C75-7E3BE601CB1A}"/>
-              </a:ext>
-            </a:extLst>
-          </p:cNvPr>
-          <p:cNvPicPr>
-            <a:picLocks noChangeAspect="1"/>
-          </p:cNvPicPr>
-          <p:nvPr/>
-        </p:nvPicPr>
-        <p:blipFill>
-          <a:blip r:embed="rId2">
-            <a:extLst>
-              <a:ext uri="{28A0092B-C50C-407E-A947-70E740481C1C}">
-                <a14:useLocalDpi xmlns:a14="http://schemas.microsoft.com/office/drawing/2010/main" val="0"/>
-              </a:ext>
-              <a:ext uri="{96DAC541-7B7A-43D3-8B79-37D633B846F1}">
-                <asvg:svgBlip xmlns:asvg="http://schemas.microsoft.com/office/drawing/2016/SVG/main" r:embed="rId3"/>
-              </a:ext>
-            </a:extLst>
-          </a:blip>
-          <a:stretch>
-            <a:fillRect/>
-          </a:stretch>
-        </p:blipFill>
-        <p:spPr>
-          <a:xfrm>
-            <a:off x="765464" y="2421082"/>
-            <a:ext cx="1785103" cy="1785103"/>
-          </a:xfrm>
-          <a:prstGeom prst="rect">
-            <a:avLst/>
-          </a:prstGeom>
-        </p:spPr>
-      </p:pic>
-    </p:spTree>
-    <p:extLst>
-      <p:ext uri="{BB962C8B-B14F-4D97-AF65-F5344CB8AC3E}">
-        <p14:creationId xmlns:p14="http://schemas.microsoft.com/office/powerpoint/2010/main" val="4181394165"/>
-      </p:ext>
-    </p:extLst>
-  </p:cSld>
-  <p:clrMapOvr>
-    <a:masterClrMapping/>
-  </p:clrMapOvr>
-</p:sld>
-</file>
-
-<file path=ppt/slides/slide11.xml><?xml version="1.0" encoding="utf-8"?>
-<p:sld xmlns:a="http://schemas.openxmlformats.org/drawingml/2006/main" xmlns:r="http://schemas.openxmlformats.org/officeDocument/2006/relationships" xmlns:p="http://schemas.openxmlformats.org/presentationml/2006/main">
-  <p:cSld>
-    <p:spTree>
-      <p:nvGrpSpPr>
-        <p:cNvPr id="1" name=""/>
-        <p:cNvGrpSpPr/>
-        <p:nvPr/>
-      </p:nvGrpSpPr>
-      <p:grpSpPr>
-        <a:xfrm>
-          <a:off x="0" y="0"/>
-          <a:ext cx="0" cy="0"/>
-          <a:chOff x="0" y="0"/>
-          <a:chExt cx="0" cy="0"/>
-        </a:xfrm>
-      </p:grpSpPr>
-      <p:sp>
-        <p:nvSpPr>
-          <p:cNvPr id="2" name="제목 1"/>
-          <p:cNvSpPr>
-            <a:spLocks noGrp="1"/>
-          </p:cNvSpPr>
-          <p:nvPr>
-            <p:ph type="title"/>
-          </p:nvPr>
-        </p:nvSpPr>
-        <p:spPr/>
-        <p:txBody>
-          <a:bodyPr>
-            <a:normAutofit/>
-          </a:bodyPr>
-          <a:lstStyle/>
-          <a:p>
-            <a:r>
-              <a:rPr lang="ko-KR" altLang="en-US" sz="3000" dirty="0"/>
-              <a:t> 양자 알고리즘 </a:t>
-            </a:r>
-            <a:r>
-              <a:rPr lang="en-US" altLang="ko-KR" sz="3000" dirty="0"/>
-              <a:t>: Shor</a:t>
-            </a:r>
-            <a:endParaRPr lang="ko-KR" altLang="en-US" sz="3000" dirty="0"/>
-          </a:p>
-        </p:txBody>
-      </p:sp>
-      <p:sp>
-        <p:nvSpPr>
-          <p:cNvPr id="5" name="TextBox 4">
-            <a:extLst>
-              <a:ext uri="{FF2B5EF4-FFF2-40B4-BE49-F238E27FC236}">
-                <a16:creationId xmlns:a16="http://schemas.microsoft.com/office/drawing/2014/main" id="{0E8E6D9D-E45D-446D-AC9A-00D2CA2B9C06}"/>
-              </a:ext>
-            </a:extLst>
-          </p:cNvPr>
-          <p:cNvSpPr txBox="1"/>
-          <p:nvPr/>
-        </p:nvSpPr>
-        <p:spPr>
-          <a:xfrm>
-            <a:off x="950118" y="1553234"/>
-            <a:ext cx="10291763" cy="2246769"/>
-          </a:xfrm>
-          <a:prstGeom prst="rect">
-            <a:avLst/>
-          </a:prstGeom>
-          <a:noFill/>
-        </p:spPr>
-        <p:txBody>
-          <a:bodyPr wrap="square" rtlCol="0">
-            <a:spAutoFit/>
-          </a:bodyPr>
-          <a:lstStyle/>
-          <a:p>
-            <a:r>
-              <a:rPr lang="en-US" altLang="ko-KR" sz="2000" dirty="0"/>
-              <a:t>1994</a:t>
-            </a:r>
-            <a:r>
-              <a:rPr lang="ko-KR" altLang="en-US" sz="2000" dirty="0"/>
-              <a:t>년 수학자 </a:t>
-            </a:r>
-            <a:r>
-              <a:rPr lang="en-US" altLang="ko-KR" sz="2000" dirty="0"/>
-              <a:t>Shor</a:t>
-            </a:r>
-            <a:r>
-              <a:rPr lang="ko-KR" altLang="en-US" sz="2000" dirty="0"/>
-              <a:t>는 기존 컴퓨터에서의 난제인 </a:t>
-            </a:r>
-            <a:r>
-              <a:rPr lang="ko-KR" altLang="en-US" sz="2000" b="1" dirty="0"/>
-              <a:t>소인수분해 문제</a:t>
-            </a:r>
-            <a:r>
-              <a:rPr lang="ko-KR" altLang="en-US" sz="2000" dirty="0"/>
-              <a:t>를 </a:t>
-            </a:r>
-            <a:endParaRPr lang="en-US" altLang="ko-KR" sz="2000" dirty="0"/>
-          </a:p>
-          <a:p>
-            <a:endParaRPr lang="en-US" altLang="ko-KR" sz="2000" dirty="0"/>
-          </a:p>
-          <a:p>
-            <a:r>
-              <a:rPr lang="ko-KR" altLang="en-US" sz="2000" dirty="0"/>
-              <a:t>효율적으로 풀어낼 수 있는</a:t>
-            </a:r>
-            <a:r>
-              <a:rPr lang="en-US" altLang="ko-KR" sz="2000" dirty="0"/>
-              <a:t> </a:t>
-            </a:r>
-            <a:r>
-              <a:rPr lang="ko-KR" altLang="en-US" sz="2000" dirty="0"/>
-              <a:t>양자 알고리즘을 제안</a:t>
-            </a:r>
-            <a:endParaRPr lang="en-US" altLang="ko-KR" sz="2000" dirty="0"/>
-          </a:p>
-          <a:p>
-            <a:endParaRPr lang="en-US" altLang="ko-KR" sz="2000" dirty="0"/>
-          </a:p>
-          <a:p>
-            <a:r>
-              <a:rPr lang="ko-KR" altLang="en-US" sz="2000" dirty="0"/>
-              <a:t>커다란 두 소수를 곱하는 것은 쉽지만 이렇게 곱해진 매우 커다란 정수를 두 소수로 다시 분해하는 것</a:t>
-            </a:r>
-            <a:r>
-              <a:rPr lang="en-US" altLang="ko-KR" sz="2000" dirty="0"/>
-              <a:t> </a:t>
-            </a:r>
-            <a:r>
-              <a:rPr lang="ko-KR" altLang="en-US" sz="2000" dirty="0"/>
-              <a:t>은</a:t>
-            </a:r>
-            <a:r>
-              <a:rPr lang="en-US" altLang="ko-KR" sz="2000" dirty="0"/>
-              <a:t>,</a:t>
-            </a:r>
-            <a:r>
-              <a:rPr lang="ko-KR" altLang="en-US" sz="2000" dirty="0"/>
-              <a:t>두 소수 중 하나를 모른다면 매우 어려운 일 </a:t>
-            </a:r>
-            <a:endParaRPr lang="en-US" altLang="ko-KR" sz="2000" dirty="0"/>
-          </a:p>
-          <a:p>
-            <a:endParaRPr lang="en-US" altLang="ko-KR" sz="2000" dirty="0"/>
-          </a:p>
-        </p:txBody>
-      </p:sp>
-      <p:sp>
-        <p:nvSpPr>
-          <p:cNvPr id="7" name="TextBox 6">
-            <a:extLst>
-              <a:ext uri="{FF2B5EF4-FFF2-40B4-BE49-F238E27FC236}">
-                <a16:creationId xmlns:a16="http://schemas.microsoft.com/office/drawing/2014/main" id="{DCD06440-94E1-4CF0-B6A0-9513E681292B}"/>
-              </a:ext>
-            </a:extLst>
-          </p:cNvPr>
-          <p:cNvSpPr txBox="1"/>
-          <p:nvPr/>
-        </p:nvSpPr>
-        <p:spPr>
-          <a:xfrm>
-            <a:off x="7794732" y="3151549"/>
-            <a:ext cx="1627632" cy="369332"/>
-          </a:xfrm>
-          <a:prstGeom prst="rect">
-            <a:avLst/>
-          </a:prstGeom>
-          <a:noFill/>
-        </p:spPr>
-        <p:txBody>
-          <a:bodyPr wrap="square" rtlCol="0">
-            <a:spAutoFit/>
-          </a:bodyPr>
-          <a:lstStyle/>
-          <a:p>
-            <a:r>
-              <a:rPr lang="ko-KR" altLang="en-US" dirty="0"/>
-              <a:t>예제</a:t>
-            </a:r>
-            <a:r>
-              <a:rPr lang="en-US" altLang="ko-KR" dirty="0"/>
-              <a:t> ) N = </a:t>
-            </a:r>
-            <a:r>
-              <a:rPr lang="en-US" altLang="ko-KR" dirty="0" err="1"/>
-              <a:t>pq</a:t>
-            </a:r>
-            <a:endParaRPr lang="ko-KR" altLang="en-US" dirty="0"/>
-          </a:p>
-        </p:txBody>
-      </p:sp>
-      <p:sp>
-        <p:nvSpPr>
-          <p:cNvPr id="9" name="TextBox 8">
-            <a:extLst>
-              <a:ext uri="{FF2B5EF4-FFF2-40B4-BE49-F238E27FC236}">
-                <a16:creationId xmlns:a16="http://schemas.microsoft.com/office/drawing/2014/main" id="{D341566D-637C-4012-8D44-25E51C7BEA68}"/>
-              </a:ext>
-            </a:extLst>
-          </p:cNvPr>
-          <p:cNvSpPr txBox="1"/>
-          <p:nvPr/>
-        </p:nvSpPr>
-        <p:spPr>
-          <a:xfrm>
-            <a:off x="2278871" y="4426699"/>
-            <a:ext cx="8346180" cy="692497"/>
-          </a:xfrm>
-          <a:prstGeom prst="rect">
-            <a:avLst/>
-          </a:prstGeom>
-          <a:noFill/>
-        </p:spPr>
-        <p:txBody>
-          <a:bodyPr wrap="square" rtlCol="0">
-            <a:spAutoFit/>
-          </a:bodyPr>
-          <a:lstStyle/>
-          <a:p>
-            <a:r>
-              <a:rPr lang="ko-KR" altLang="en-US" dirty="0"/>
-              <a:t>지수 차원의 복잡도                    </a:t>
-            </a:r>
-            <a:r>
-              <a:rPr lang="en-US" altLang="ko-KR" dirty="0">
-                <a:sym typeface="Wingdings" panose="05000000000000000000" pitchFamily="2" charset="2"/>
-              </a:rPr>
-              <a:t></a:t>
-            </a:r>
-            <a:r>
-              <a:rPr lang="en-US" altLang="ko-KR" dirty="0"/>
-              <a:t>                            </a:t>
-            </a:r>
-            <a:r>
-              <a:rPr lang="ko-KR" altLang="en-US" dirty="0"/>
-              <a:t>다항시간내에 해결</a:t>
-            </a:r>
-            <a:endParaRPr lang="en-US" altLang="ko-KR" dirty="0"/>
-          </a:p>
-          <a:p>
-            <a:endParaRPr lang="ko-KR" altLang="en-US" sz="300" dirty="0"/>
-          </a:p>
-          <a:p>
-            <a:r>
-              <a:rPr lang="en-US" altLang="ko-KR" dirty="0"/>
-              <a:t>         </a:t>
-            </a:r>
-            <a:r>
-              <a:rPr lang="en-US" altLang="ko-KR" i="1" dirty="0">
-                <a:solidFill>
-                  <a:srgbClr val="FF0000"/>
-                </a:solidFill>
-              </a:rPr>
-              <a:t>Before					       After</a:t>
-            </a:r>
-            <a:endParaRPr lang="ko-KR" altLang="en-US" i="1" dirty="0">
-              <a:solidFill>
-                <a:srgbClr val="FF0000"/>
-              </a:solidFill>
-            </a:endParaRPr>
-          </a:p>
-        </p:txBody>
-      </p:sp>
-      <p:pic>
-        <p:nvPicPr>
-          <p:cNvPr id="10" name="Picture 2" descr="&lt;math xmlns=&quot;http://www.w3.org/1998/Math/MathML&quot;&gt;&lt;mi&gt;O&lt;/mi&gt;&lt;mfenced&gt;&lt;msup&gt;&lt;mi&gt;e&lt;/mi&gt;&lt;mrow&gt;&lt;mn&gt;1&lt;/mn&gt;&lt;mo&gt;.&lt;/mo&gt;&lt;mn&gt;9&lt;/mn&gt;&lt;msup&gt;&lt;mfenced&gt;&lt;mrow&gt;&lt;mi&gt;log&lt;/mi&gt;&lt;mi&gt;N&lt;/mi&gt;&lt;/mrow&gt;&lt;/mfenced&gt;&lt;mrow&gt;&lt;mn&gt;1&lt;/mn&gt;&lt;mo&gt;/&lt;/mo&gt;&lt;mn&gt;3&lt;/mn&gt;&lt;/mrow&gt;&lt;/msup&gt;&lt;msup&gt;&lt;mfenced&gt;&lt;mrow&gt;&lt;mi&gt;log&lt;/mi&gt;&lt;mi&gt;log&lt;/mi&gt;&lt;mi&gt;N&lt;/mi&gt;&lt;/mrow&gt;&lt;/mfenced&gt;&lt;mrow&gt;&lt;mn&gt;2&lt;/mn&gt;&lt;mo&gt;/&lt;/mo&gt;&lt;mn&gt;3&lt;/mn&gt;&lt;/mrow&gt;&lt;/msup&gt;&lt;/mrow&gt;&lt;/msup&gt;&lt;/mfenced&gt;&lt;mo&gt;&amp;#xA0;&lt;/mo&gt;&lt;munder&gt;&lt;mo&gt;&amp;#x2192;&lt;/mo&gt;&lt;mrow&gt;&lt;mi&gt;u&lt;/mi&gt;&lt;mi&gt;s&lt;/mi&gt;&lt;mi&gt;e&lt;/mi&gt;&lt;mo&gt;&amp;#xA0;&lt;/mo&gt;&lt;mi&gt;S&lt;/mi&gt;&lt;mi&gt;h&lt;/mi&gt;&lt;mi&gt;o&lt;/mi&gt;&lt;mi&gt;r&lt;/mi&gt;&lt;mo&gt;'&lt;/mo&gt;&lt;mi&gt;s&lt;/mi&gt;&lt;mo&gt;&amp;#xA0;&lt;/mo&gt;&lt;mi&gt;A&lt;/mi&gt;&lt;mi&gt;l&lt;/mi&gt;&lt;mi&gt;g&lt;/mi&gt;&lt;mi&gt;o&lt;/mi&gt;&lt;mi&gt;r&lt;/mi&gt;&lt;mi&gt;i&lt;/mi&gt;&lt;mi&gt;t&lt;/mi&gt;&lt;mi&gt;t&lt;/mi&gt;&lt;mi&gt;h&lt;/mi&gt;&lt;mi&gt;m&lt;/mi&gt;&lt;/mrow&gt;&lt;/munder&gt;&lt;mo&gt;&amp;#xA0;&lt;/mo&gt;&lt;mi&gt;O&lt;/mi&gt;&lt;mfenced&gt;&lt;mrow&gt;&lt;msup&gt;&lt;mfenced&gt;&lt;mrow&gt;&lt;mi&gt;log&lt;/mi&gt;&lt;mi&gt;N&lt;/mi&gt;&lt;/mrow&gt;&lt;/mfenced&gt;&lt;mn&gt;2&lt;/mn&gt;&lt;/msup&gt;&lt;mfenced&gt;&lt;mrow&gt;&lt;mi&gt;log&lt;/mi&gt;&lt;mi&gt;log&lt;/mi&gt;&lt;mi&gt;N&lt;/mi&gt;&lt;/mrow&gt;&lt;/mfenced&gt;&lt;mfenced&gt;&lt;mrow&gt;&lt;mi&gt;log&lt;/mi&gt;&lt;mi&gt;log&lt;/mi&gt;&lt;mi&gt;log&lt;/mi&gt;&lt;mi&gt;N&lt;/mi&gt;&lt;/mrow&gt;&lt;/mfenced&gt;&lt;/mrow&gt;&lt;/mfenced&gt;&lt;/math&gt;">
-            <a:extLst>
-              <a:ext uri="{FF2B5EF4-FFF2-40B4-BE49-F238E27FC236}">
-                <a16:creationId xmlns:a16="http://schemas.microsoft.com/office/drawing/2014/main" id="{0FEF2D85-D339-43F1-A99E-B5FCAD6B1208}"/>
-              </a:ext>
-            </a:extLst>
-          </p:cNvPr>
-          <p:cNvPicPr>
-            <a:picLocks noChangeAspect="1" noChangeArrowheads="1"/>
-          </p:cNvPicPr>
-          <p:nvPr/>
-        </p:nvPicPr>
-        <p:blipFill>
-          <a:blip r:embed="rId2">
-            <a:extLst>
-              <a:ext uri="{28A0092B-C50C-407E-A947-70E740481C1C}">
-                <a14:useLocalDpi xmlns:a14="http://schemas.microsoft.com/office/drawing/2010/main" val="0"/>
-              </a:ext>
-            </a:extLst>
-          </a:blip>
-          <a:srcRect/>
-          <a:stretch>
-            <a:fillRect/>
-          </a:stretch>
-        </p:blipFill>
-        <p:spPr bwMode="auto">
-          <a:xfrm>
-            <a:off x="1975970" y="3793026"/>
-            <a:ext cx="8649081" cy="490728"/>
-          </a:xfrm>
-          <a:prstGeom prst="rect">
-            <a:avLst/>
-          </a:prstGeom>
-          <a:noFill/>
-          <a:extLst>
-            <a:ext uri="{909E8E84-426E-40DD-AFC4-6F175D3DCCD1}">
-              <a14:hiddenFill xmlns:a14="http://schemas.microsoft.com/office/drawing/2010/main">
-                <a:solidFill>
-                  <a:srgbClr val="FFFFFF"/>
-                </a:solidFill>
-              </a14:hiddenFill>
-            </a:ext>
-          </a:extLst>
-        </p:spPr>
-      </p:pic>
-      <p:sp>
-        <p:nvSpPr>
-          <p:cNvPr id="13" name="직사각형 12">
-            <a:extLst>
-              <a:ext uri="{FF2B5EF4-FFF2-40B4-BE49-F238E27FC236}">
-                <a16:creationId xmlns:a16="http://schemas.microsoft.com/office/drawing/2014/main" id="{674E9725-1EA3-4EFC-B90A-11B53DB42E7B}"/>
-              </a:ext>
-            </a:extLst>
-          </p:cNvPr>
-          <p:cNvSpPr/>
-          <p:nvPr/>
-        </p:nvSpPr>
-        <p:spPr>
-          <a:xfrm>
-            <a:off x="1779190" y="5398318"/>
-            <a:ext cx="9345541" cy="369332"/>
-          </a:xfrm>
-          <a:prstGeom prst="rect">
-            <a:avLst/>
-          </a:prstGeom>
-        </p:spPr>
-        <p:txBody>
-          <a:bodyPr wrap="square">
-            <a:spAutoFit/>
-          </a:bodyPr>
-          <a:lstStyle/>
-          <a:p>
-            <a:r>
-              <a:rPr lang="ko-KR" altLang="en-US" dirty="0"/>
-              <a:t>결과 </a:t>
-            </a:r>
-            <a:r>
-              <a:rPr lang="en-US" altLang="ko-KR" dirty="0"/>
-              <a:t>:</a:t>
-            </a:r>
-            <a:r>
-              <a:rPr lang="ko-KR" altLang="en-US" dirty="0"/>
-              <a:t> 소인수 분해의 어려움에 기반한 암호시스템들을 무너뜨릴 수 있다</a:t>
-            </a:r>
-            <a:r>
-              <a:rPr lang="en-US" altLang="ko-KR" dirty="0"/>
-              <a:t>.  </a:t>
-            </a:r>
-            <a:r>
-              <a:rPr lang="ko-KR" altLang="en-US" dirty="0"/>
-              <a:t>예시</a:t>
-            </a:r>
-            <a:r>
-              <a:rPr lang="en-US" altLang="ko-KR" dirty="0"/>
-              <a:t>) RSA</a:t>
-            </a:r>
-          </a:p>
-        </p:txBody>
-      </p:sp>
-      <p:pic>
-        <p:nvPicPr>
-          <p:cNvPr id="3" name="그림 2">
-            <a:extLst>
-              <a:ext uri="{FF2B5EF4-FFF2-40B4-BE49-F238E27FC236}">
-                <a16:creationId xmlns:a16="http://schemas.microsoft.com/office/drawing/2014/main" id="{55311F65-F744-BC4A-8570-5B6FBBEDB306}"/>
-              </a:ext>
-            </a:extLst>
-          </p:cNvPr>
-          <p:cNvPicPr>
-            <a:picLocks noChangeAspect="1"/>
-          </p:cNvPicPr>
-          <p:nvPr/>
-        </p:nvPicPr>
-        <p:blipFill>
-          <a:blip r:embed="rId3"/>
-          <a:stretch>
-            <a:fillRect/>
-          </a:stretch>
-        </p:blipFill>
-        <p:spPr>
-          <a:xfrm>
-            <a:off x="9864860" y="5376767"/>
-            <a:ext cx="551346" cy="391278"/>
-          </a:xfrm>
-          <a:prstGeom prst="rect">
-            <a:avLst/>
-          </a:prstGeom>
-        </p:spPr>
-      </p:pic>
-    </p:spTree>
-    <p:extLst>
-      <p:ext uri="{BB962C8B-B14F-4D97-AF65-F5344CB8AC3E}">
-        <p14:creationId xmlns:p14="http://schemas.microsoft.com/office/powerpoint/2010/main" val="4153338935"/>
-      </p:ext>
-    </p:extLst>
-  </p:cSld>
-  <p:clrMapOvr>
-    <a:masterClrMapping/>
-  </p:clrMapOvr>
-</p:sld>
-</file>
-
-<file path=ppt/slides/slide12.xml><?xml version="1.0" encoding="utf-8"?>
 <p:sld xmlns:a="http://schemas.openxmlformats.org/drawingml/2006/main" xmlns:r="http://schemas.openxmlformats.org/officeDocument/2006/relationships" xmlns:p="http://schemas.openxmlformats.org/presentationml/2006/main">
   <p:cSld>
     <p:spTree>
@@ -5930,7 +5465,7 @@
                 <a:avLst/>
               </a:prstGeom>
               <a:blipFill>
-                <a:blip r:embed="rId2"/>
+                <a:blip r:embed="rId3"/>
                 <a:stretch>
                   <a:fillRect l="-2700" t="-9489" r="-1575" b="-16788"/>
                 </a:stretch>
@@ -6436,7 +5971,7 @@
                 <a:avLst/>
               </a:prstGeom>
               <a:blipFill>
-                <a:blip r:embed="rId3"/>
+                <a:blip r:embed="rId4"/>
                 <a:stretch>
                   <a:fillRect t="-2469" b="-5761"/>
                 </a:stretch>
@@ -6677,7 +6212,7 @@
                 <a:avLst/>
               </a:prstGeom>
               <a:blipFill>
-                <a:blip r:embed="rId4"/>
+                <a:blip r:embed="rId5"/>
                 <a:stretch>
                   <a:fillRect t="-8197" b="-24590"/>
                 </a:stretch>
@@ -6813,7 +6348,7 @@
 </p:sld>
 </file>
 
-<file path=ppt/slides/slide13.xml><?xml version="1.0" encoding="utf-8"?>
+<file path=ppt/slides/slide11.xml><?xml version="1.0" encoding="utf-8"?>
 <p:sld xmlns:a="http://schemas.openxmlformats.org/drawingml/2006/main" xmlns:r="http://schemas.openxmlformats.org/officeDocument/2006/relationships" xmlns:p="http://schemas.openxmlformats.org/presentationml/2006/main">
   <p:cSld>
     <p:spTree>
@@ -7370,7 +6905,7 @@
 </p:sld>
 </file>
 
-<file path=ppt/slides/slide14.xml><?xml version="1.0" encoding="utf-8"?>
+<file path=ppt/slides/slide12.xml><?xml version="1.0" encoding="utf-8"?>
 <p:sld xmlns:a="http://schemas.openxmlformats.org/drawingml/2006/main" xmlns:r="http://schemas.openxmlformats.org/officeDocument/2006/relationships" xmlns:p="http://schemas.openxmlformats.org/presentationml/2006/main">
   <p:cSld>
     <p:spTree>
@@ -7847,7 +7382,7 @@
 </p:sld>
 </file>
 
-<file path=ppt/slides/slide15.xml><?xml version="1.0" encoding="utf-8"?>
+<file path=ppt/slides/slide13.xml><?xml version="1.0" encoding="utf-8"?>
 <p:sld xmlns:a="http://schemas.openxmlformats.org/drawingml/2006/main" xmlns:r="http://schemas.openxmlformats.org/officeDocument/2006/relationships" xmlns:p="http://schemas.openxmlformats.org/presentationml/2006/main">
   <p:cSld>
     <p:spTree>
@@ -9889,7 +9424,7 @@
 </p:sld>
 </file>
 
-<file path=ppt/slides/slide16.xml><?xml version="1.0" encoding="utf-8"?>
+<file path=ppt/slides/slide14.xml><?xml version="1.0" encoding="utf-8"?>
 <p:sld xmlns:a="http://schemas.openxmlformats.org/drawingml/2006/main" xmlns:r="http://schemas.openxmlformats.org/officeDocument/2006/relationships" xmlns:p="http://schemas.openxmlformats.org/presentationml/2006/main">
   <p:cSld>
     <p:spTree>
@@ -10245,7 +9780,7 @@
 </p:sld>
 </file>
 
-<file path=ppt/slides/slide17.xml><?xml version="1.0" encoding="utf-8"?>
+<file path=ppt/slides/slide15.xml><?xml version="1.0" encoding="utf-8"?>
 <p:sld xmlns:a="http://schemas.openxmlformats.org/drawingml/2006/main" xmlns:r="http://schemas.openxmlformats.org/officeDocument/2006/relationships" xmlns:p="http://schemas.openxmlformats.org/presentationml/2006/main">
   <p:cSld>
     <p:spTree>
@@ -10575,7 +10110,7 @@
 </p:sld>
 </file>
 
-<file path=ppt/slides/slide18.xml><?xml version="1.0" encoding="utf-8"?>
+<file path=ppt/slides/slide16.xml><?xml version="1.0" encoding="utf-8"?>
 <p:sld xmlns:a="http://schemas.openxmlformats.org/drawingml/2006/main" xmlns:r="http://schemas.openxmlformats.org/officeDocument/2006/relationships" xmlns:p="http://schemas.openxmlformats.org/presentationml/2006/main">
   <p:cSld>
     <p:spTree>
@@ -12988,7 +12523,7 @@
 </p:sld>
 </file>
 
-<file path=ppt/slides/slide19.xml><?xml version="1.0" encoding="utf-8"?>
+<file path=ppt/slides/slide17.xml><?xml version="1.0" encoding="utf-8"?>
 <p:sld xmlns:a="http://schemas.openxmlformats.org/drawingml/2006/main" xmlns:r="http://schemas.openxmlformats.org/officeDocument/2006/relationships" xmlns:p="http://schemas.openxmlformats.org/presentationml/2006/main">
   <p:cSld>
     <p:spTree>
@@ -13264,6 +12799,641 @@
     <p:extLst>
       <p:ext uri="{BB962C8B-B14F-4D97-AF65-F5344CB8AC3E}">
         <p14:creationId xmlns:p14="http://schemas.microsoft.com/office/powerpoint/2010/main" val="1061483519"/>
+      </p:ext>
+    </p:extLst>
+  </p:cSld>
+  <p:clrMapOvr>
+    <a:masterClrMapping/>
+  </p:clrMapOvr>
+</p:sld>
+</file>
+
+<file path=ppt/slides/slide18.xml><?xml version="1.0" encoding="utf-8"?>
+<p:sld xmlns:a="http://schemas.openxmlformats.org/drawingml/2006/main" xmlns:r="http://schemas.openxmlformats.org/officeDocument/2006/relationships" xmlns:p="http://schemas.openxmlformats.org/presentationml/2006/main">
+  <p:cSld>
+    <p:spTree>
+      <p:nvGrpSpPr>
+        <p:cNvPr id="1" name="Shape 366"/>
+        <p:cNvGrpSpPr/>
+        <p:nvPr/>
+      </p:nvGrpSpPr>
+      <p:grpSpPr>
+        <a:xfrm>
+          <a:off x="0" y="0"/>
+          <a:ext cx="0" cy="0"/>
+          <a:chOff x="0" y="0"/>
+          <a:chExt cx="0" cy="0"/>
+        </a:xfrm>
+      </p:grpSpPr>
+      <p:sp>
+        <p:nvSpPr>
+          <p:cNvPr id="367" name="Google Shape;367;p59"/>
+          <p:cNvSpPr txBox="1">
+            <a:spLocks noGrp="1"/>
+          </p:cNvSpPr>
+          <p:nvPr>
+            <p:ph type="title"/>
+          </p:nvPr>
+        </p:nvSpPr>
+        <p:spPr>
+          <a:xfrm>
+            <a:off x="411920" y="207747"/>
+            <a:ext cx="11368000" cy="762000"/>
+          </a:xfrm>
+          <a:prstGeom prst="rect">
+            <a:avLst/>
+          </a:prstGeom>
+        </p:spPr>
+        <p:txBody>
+          <a:bodyPr spcFirstLastPara="1" vert="horz" wrap="square" lIns="91433" tIns="45700" rIns="91433" bIns="45700" rtlCol="0" anchor="ctr" anchorCtr="0">
+            <a:noAutofit/>
+          </a:bodyPr>
+          <a:lstStyle/>
+          <a:p>
+            <a:r>
+              <a:rPr lang="ko"/>
+              <a:t>NIST Round 2 - Classic McEliece</a:t>
+            </a:r>
+            <a:endParaRPr/>
+          </a:p>
+        </p:txBody>
+      </p:sp>
+      <p:sp>
+        <p:nvSpPr>
+          <p:cNvPr id="368" name="Google Shape;368;p59"/>
+          <p:cNvSpPr txBox="1">
+            <a:spLocks noGrp="1"/>
+          </p:cNvSpPr>
+          <p:nvPr>
+            <p:ph type="body" idx="1"/>
+          </p:nvPr>
+        </p:nvSpPr>
+        <p:spPr>
+          <a:xfrm>
+            <a:off x="301832" y="1043195"/>
+            <a:ext cx="11369600" cy="5363888"/>
+          </a:xfrm>
+          <a:prstGeom prst="rect">
+            <a:avLst/>
+          </a:prstGeom>
+        </p:spPr>
+        <p:txBody>
+          <a:bodyPr spcFirstLastPara="1" vert="horz" wrap="square" lIns="91433" tIns="45700" rIns="91433" bIns="45700" rtlCol="0" anchor="t" anchorCtr="0">
+            <a:noAutofit/>
+          </a:bodyPr>
+          <a:lstStyle/>
+          <a:p>
+            <a:pPr marL="228594" indent="-228594">
+              <a:lnSpc>
+                <a:spcPct val="100000"/>
+              </a:lnSpc>
+              <a:spcBef>
+                <a:spcPts val="0"/>
+              </a:spcBef>
+              <a:buSzPts val="1100"/>
+            </a:pPr>
+            <a:r>
+              <a:rPr lang="ko" altLang="en-US" sz="1800" dirty="0"/>
+              <a:t>최초의 코드기반암호 </a:t>
+            </a:r>
+            <a:r>
+              <a:rPr lang="en-US" altLang="ko" sz="1800" dirty="0" err="1"/>
+              <a:t>McEliece</a:t>
+            </a:r>
+            <a:r>
+              <a:rPr lang="ko" altLang="en-US" sz="1800" dirty="0"/>
+              <a:t>의 업그레이드 버전</a:t>
+            </a:r>
+            <a:br>
+              <a:rPr lang="en-US" altLang="ko" sz="1800" dirty="0"/>
+            </a:br>
+            <a:endParaRPr lang="en-US" altLang="ko" sz="1800" dirty="0"/>
+          </a:p>
+          <a:p>
+            <a:pPr marL="228594" indent="-228594">
+              <a:lnSpc>
+                <a:spcPct val="100000"/>
+              </a:lnSpc>
+              <a:spcBef>
+                <a:spcPts val="0"/>
+              </a:spcBef>
+              <a:buSzPts val="1100"/>
+            </a:pPr>
+            <a:r>
+              <a:rPr lang="ko-KR" altLang="en-US" sz="1800" dirty="0"/>
+              <a:t>많은 </a:t>
+            </a:r>
+            <a:r>
+              <a:rPr lang="ko-KR" altLang="en-US" sz="1800" dirty="0" err="1"/>
+              <a:t>암호팀들이</a:t>
+            </a:r>
+            <a:r>
+              <a:rPr lang="ko-KR" altLang="en-US" sz="1800" dirty="0"/>
+              <a:t> </a:t>
+            </a:r>
+            <a:r>
+              <a:rPr lang="en" altLang="ko-KR" sz="1800" dirty="0" err="1"/>
+              <a:t>McEliece</a:t>
+            </a:r>
+            <a:r>
+              <a:rPr lang="ko-KR" altLang="en-US" sz="1800" dirty="0"/>
+              <a:t>의 시스템에서 </a:t>
+            </a:r>
+            <a:r>
+              <a:rPr lang="ko-KR" altLang="en-US" sz="1800" dirty="0" err="1"/>
+              <a:t>공개키의</a:t>
+            </a:r>
+            <a:r>
+              <a:rPr lang="ko-KR" altLang="en-US" sz="1800" dirty="0"/>
+              <a:t> 크기를 줄이기 위해 바이너리 </a:t>
+            </a:r>
+            <a:r>
+              <a:rPr lang="en" altLang="ko-KR" sz="1800" dirty="0" err="1"/>
+              <a:t>Goppa</a:t>
+            </a:r>
+            <a:r>
+              <a:rPr lang="en" altLang="ko-KR" sz="1800" dirty="0"/>
+              <a:t> </a:t>
+            </a:r>
+            <a:r>
+              <a:rPr lang="ko-KR" altLang="en-US" sz="1800" dirty="0"/>
+              <a:t>코드를</a:t>
+            </a:r>
+            <a:endParaRPr lang="en-US" altLang="ko-KR" sz="1800" dirty="0"/>
+          </a:p>
+          <a:p>
+            <a:pPr marL="0" indent="0">
+              <a:lnSpc>
+                <a:spcPct val="100000"/>
+              </a:lnSpc>
+              <a:spcBef>
+                <a:spcPts val="0"/>
+              </a:spcBef>
+              <a:buSzPts val="1100"/>
+              <a:buNone/>
+            </a:pPr>
+            <a:r>
+              <a:rPr lang="ko-KR" altLang="en-US" sz="1800" dirty="0"/>
+              <a:t>    다른 코드 군으로 대체 할 것을 제안했다</a:t>
+            </a:r>
+            <a:r>
+              <a:rPr lang="en-US" altLang="ko-KR" sz="1800" dirty="0"/>
+              <a:t>. </a:t>
+            </a:r>
+            <a:r>
+              <a:rPr lang="ko-KR" altLang="en-US" sz="1800" dirty="0"/>
+              <a:t> </a:t>
+            </a:r>
+            <a:endParaRPr lang="en-US" altLang="ko-KR" sz="1800" dirty="0">
+              <a:sym typeface="Wingdings" pitchFamily="2" charset="2"/>
+            </a:endParaRPr>
+          </a:p>
+          <a:p>
+            <a:pPr marL="0" indent="0">
+              <a:lnSpc>
+                <a:spcPct val="100000"/>
+              </a:lnSpc>
+              <a:spcBef>
+                <a:spcPts val="0"/>
+              </a:spcBef>
+              <a:buSzPts val="1100"/>
+              <a:buNone/>
+            </a:pPr>
+            <a:r>
+              <a:rPr lang="ko-KR" altLang="en-US" sz="1800" dirty="0"/>
+              <a:t>        </a:t>
+            </a:r>
+            <a:r>
+              <a:rPr lang="en-US" altLang="ko-KR" sz="1800" dirty="0"/>
+              <a:t>-</a:t>
+            </a:r>
+            <a:r>
+              <a:rPr lang="ko-KR" altLang="en-US" sz="1800" dirty="0"/>
+              <a:t> 이러한 제안 중 많은 부분이 개인 키가 복구되는 취약점이 드러남</a:t>
+            </a:r>
+          </a:p>
+          <a:p>
+            <a:pPr marL="0" indent="0">
+              <a:lnSpc>
+                <a:spcPct val="100000"/>
+              </a:lnSpc>
+              <a:spcBef>
+                <a:spcPts val="0"/>
+              </a:spcBef>
+              <a:buSzPts val="1100"/>
+              <a:buNone/>
+            </a:pPr>
+            <a:endParaRPr sz="1800" dirty="0"/>
+          </a:p>
+          <a:p>
+            <a:pPr marL="228594" indent="-228594">
+              <a:lnSpc>
+                <a:spcPct val="100000"/>
+              </a:lnSpc>
+              <a:spcBef>
+                <a:spcPts val="0"/>
+              </a:spcBef>
+              <a:buSzPts val="1100"/>
+            </a:pPr>
+            <a:r>
+              <a:rPr lang="ko" altLang="en-US" sz="1800" dirty="0"/>
+              <a:t>핵심강점은 보안</a:t>
+            </a:r>
+            <a:br>
+              <a:rPr lang="en-US" altLang="ko" sz="1800" dirty="0"/>
+            </a:br>
+            <a:r>
+              <a:rPr lang="en-US" altLang="ko" sz="1800" dirty="0"/>
+              <a:t>- </a:t>
+            </a:r>
+            <a:r>
+              <a:rPr lang="ko" altLang="en-US" sz="1800" dirty="0"/>
+              <a:t>기존의 </a:t>
+            </a:r>
+            <a:r>
+              <a:rPr lang="en-US" altLang="ko" sz="1800" dirty="0" err="1"/>
+              <a:t>Goppa</a:t>
+            </a:r>
+            <a:r>
+              <a:rPr lang="en-US" altLang="ko" sz="1800" dirty="0"/>
+              <a:t> </a:t>
+            </a:r>
+            <a:r>
+              <a:rPr lang="ko" altLang="en-US" sz="1800" dirty="0"/>
+              <a:t>코드 대신 다른 코드를 사용함으로써 효율성을 늘리는 것보다 </a:t>
+            </a:r>
+            <a:r>
+              <a:rPr lang="ko-KR" altLang="en-US" sz="1800" dirty="0" err="1"/>
+              <a:t>오랜기간</a:t>
+            </a:r>
+            <a:r>
+              <a:rPr lang="ko-KR" altLang="en-US" sz="1800" dirty="0"/>
+              <a:t> </a:t>
+            </a:r>
+            <a:r>
+              <a:rPr lang="ko" altLang="en-US" sz="1800" dirty="0"/>
+              <a:t>안전성을 지속한 </a:t>
+            </a:r>
+            <a:br>
+              <a:rPr lang="en-US" altLang="ko" sz="1800" dirty="0"/>
+            </a:br>
+            <a:r>
+              <a:rPr lang="en-US" altLang="ko" sz="1800" dirty="0"/>
+              <a:t>  </a:t>
+            </a:r>
+            <a:r>
+              <a:rPr lang="en-US" altLang="ko" sz="1800" dirty="0" err="1"/>
+              <a:t>Goppa</a:t>
+            </a:r>
+            <a:r>
+              <a:rPr lang="en-US" altLang="ko" sz="1800" dirty="0"/>
+              <a:t> </a:t>
+            </a:r>
+            <a:r>
+              <a:rPr lang="ko" altLang="en-US" sz="1800" dirty="0"/>
+              <a:t>코드 사용을 고수</a:t>
+            </a:r>
+            <a:endParaRPr lang="en-US" altLang="ko" sz="1800" dirty="0"/>
+          </a:p>
+          <a:p>
+            <a:pPr marL="228594" indent="-228594">
+              <a:lnSpc>
+                <a:spcPct val="100000"/>
+              </a:lnSpc>
+              <a:spcBef>
+                <a:spcPts val="0"/>
+              </a:spcBef>
+              <a:buSzPts val="1100"/>
+            </a:pPr>
+            <a:endParaRPr lang="en-US" altLang="ko-KR" sz="1800" dirty="0"/>
+          </a:p>
+          <a:p>
+            <a:pPr marL="228594" indent="-228594">
+              <a:lnSpc>
+                <a:spcPct val="100000"/>
+              </a:lnSpc>
+              <a:spcBef>
+                <a:spcPts val="0"/>
+              </a:spcBef>
+              <a:buSzPts val="1100"/>
+            </a:pPr>
+            <a:r>
+              <a:rPr lang="ko-KR" altLang="en-US" sz="1800" dirty="0"/>
+              <a:t>구현입장에선 키 생성</a:t>
+            </a:r>
+            <a:r>
+              <a:rPr lang="en-US" altLang="ko-KR" sz="1800" dirty="0"/>
+              <a:t>, </a:t>
+            </a:r>
+            <a:r>
+              <a:rPr lang="ko-KR" altLang="en-US" sz="1800" dirty="0" err="1"/>
+              <a:t>배포비용에</a:t>
+            </a:r>
+            <a:r>
+              <a:rPr lang="ko-KR" altLang="en-US" sz="1800" dirty="0"/>
+              <a:t> 투자해야 하지만 암</a:t>
+            </a:r>
+            <a:r>
+              <a:rPr lang="en-US" altLang="ko-KR" sz="1800" dirty="0"/>
+              <a:t>,</a:t>
+            </a:r>
+            <a:r>
+              <a:rPr lang="ko-KR" altLang="en-US" sz="1800" dirty="0" err="1"/>
+              <a:t>복호화</a:t>
+            </a:r>
+            <a:r>
+              <a:rPr lang="ko-KR" altLang="en-US" sz="1800" dirty="0"/>
+              <a:t> 속도가 빠르고 </a:t>
+            </a:r>
+            <a:endParaRPr lang="en-US" altLang="ko-KR" sz="1800" dirty="0"/>
+          </a:p>
+          <a:p>
+            <a:pPr marL="0" indent="0">
+              <a:lnSpc>
+                <a:spcPct val="100000"/>
+              </a:lnSpc>
+              <a:spcBef>
+                <a:spcPts val="0"/>
+              </a:spcBef>
+              <a:buSzPts val="1100"/>
+              <a:buNone/>
+            </a:pPr>
+            <a:r>
+              <a:rPr lang="ko-KR" altLang="en-US" sz="1800" dirty="0"/>
+              <a:t>    </a:t>
+            </a:r>
+            <a:r>
+              <a:rPr lang="ko-KR" altLang="en-US" sz="1800" dirty="0" err="1"/>
+              <a:t>양자내성</a:t>
+            </a:r>
+            <a:r>
+              <a:rPr lang="ko-KR" altLang="en-US" sz="1800" dirty="0"/>
+              <a:t> 암호 중 암호문이 매우 </a:t>
+            </a:r>
+            <a:r>
+              <a:rPr lang="ko-KR" altLang="en-US" sz="1800" dirty="0" err="1"/>
+              <a:t>작은편</a:t>
+            </a:r>
+            <a:endParaRPr lang="en-US" altLang="ko-KR" sz="1800" dirty="0"/>
+          </a:p>
+          <a:p>
+            <a:pPr marL="0" indent="0">
+              <a:lnSpc>
+                <a:spcPct val="100000"/>
+              </a:lnSpc>
+              <a:spcBef>
+                <a:spcPts val="0"/>
+              </a:spcBef>
+              <a:buSzPts val="1100"/>
+              <a:buNone/>
+            </a:pPr>
+            <a:r>
+              <a:rPr lang="ko-KR" altLang="en-US" sz="1800" dirty="0"/>
+              <a:t>         </a:t>
+            </a:r>
+            <a:r>
+              <a:rPr lang="en-US" altLang="ko-KR" sz="1800" dirty="0"/>
+              <a:t>-</a:t>
+            </a:r>
+            <a:r>
+              <a:rPr lang="ko-KR" altLang="en-US" sz="1800" dirty="0"/>
+              <a:t> 한번 키 교환이 성립되면 효율적으로 안전한 통신이 가능</a:t>
+            </a:r>
+          </a:p>
+          <a:p>
+            <a:pPr marL="0" indent="0">
+              <a:lnSpc>
+                <a:spcPct val="100000"/>
+              </a:lnSpc>
+              <a:spcBef>
+                <a:spcPts val="0"/>
+              </a:spcBef>
+              <a:buSzPts val="1100"/>
+              <a:buNone/>
+            </a:pPr>
+            <a:endParaRPr lang="en-US" altLang="ko-KR" sz="1800" dirty="0"/>
+          </a:p>
+          <a:p>
+            <a:pPr marL="228594" indent="-228594">
+              <a:lnSpc>
+                <a:spcPct val="100000"/>
+              </a:lnSpc>
+              <a:spcBef>
+                <a:spcPts val="0"/>
+              </a:spcBef>
+              <a:buSzPts val="1100"/>
+            </a:pPr>
+            <a:endParaRPr lang="ko-KR" altLang="en-US" sz="1800" dirty="0"/>
+          </a:p>
+        </p:txBody>
+      </p:sp>
+    </p:spTree>
+    <p:extLst>
+      <p:ext uri="{BB962C8B-B14F-4D97-AF65-F5344CB8AC3E}">
+        <p14:creationId xmlns:p14="http://schemas.microsoft.com/office/powerpoint/2010/main" val="1064191705"/>
+      </p:ext>
+    </p:extLst>
+  </p:cSld>
+  <p:clrMapOvr>
+    <a:masterClrMapping/>
+  </p:clrMapOvr>
+</p:sld>
+</file>
+
+<file path=ppt/slides/slide19.xml><?xml version="1.0" encoding="utf-8"?>
+<p:sld xmlns:a="http://schemas.openxmlformats.org/drawingml/2006/main" xmlns:r="http://schemas.openxmlformats.org/officeDocument/2006/relationships" xmlns:p="http://schemas.openxmlformats.org/presentationml/2006/main">
+  <p:cSld>
+    <p:spTree>
+      <p:nvGrpSpPr>
+        <p:cNvPr id="1" name="Shape 408"/>
+        <p:cNvGrpSpPr/>
+        <p:nvPr/>
+      </p:nvGrpSpPr>
+      <p:grpSpPr>
+        <a:xfrm>
+          <a:off x="0" y="0"/>
+          <a:ext cx="0" cy="0"/>
+          <a:chOff x="0" y="0"/>
+          <a:chExt cx="0" cy="0"/>
+        </a:xfrm>
+      </p:grpSpPr>
+      <p:sp>
+        <p:nvSpPr>
+          <p:cNvPr id="409" name="Google Shape;409;p66"/>
+          <p:cNvSpPr txBox="1">
+            <a:spLocks noGrp="1"/>
+          </p:cNvSpPr>
+          <p:nvPr>
+            <p:ph type="title"/>
+          </p:nvPr>
+        </p:nvSpPr>
+        <p:spPr>
+          <a:xfrm>
+            <a:off x="411920" y="207747"/>
+            <a:ext cx="11368000" cy="762000"/>
+          </a:xfrm>
+          <a:prstGeom prst="rect">
+            <a:avLst/>
+          </a:prstGeom>
+        </p:spPr>
+        <p:txBody>
+          <a:bodyPr spcFirstLastPara="1" vert="horz" wrap="square" lIns="91433" tIns="45700" rIns="91433" bIns="45700" rtlCol="0" anchor="ctr" anchorCtr="0">
+            <a:noAutofit/>
+          </a:bodyPr>
+          <a:lstStyle/>
+          <a:p>
+            <a:r>
+              <a:rPr lang="ko"/>
+              <a:t>NIST Round 2 - Classic McEliece</a:t>
+            </a:r>
+            <a:endParaRPr/>
+          </a:p>
+        </p:txBody>
+      </p:sp>
+      <p:pic>
+        <p:nvPicPr>
+          <p:cNvPr id="410" name="Google Shape;410;p66"/>
+          <p:cNvPicPr preferRelativeResize="0"/>
+          <p:nvPr/>
+        </p:nvPicPr>
+        <p:blipFill>
+          <a:blip r:embed="rId3">
+            <a:alphaModFix/>
+          </a:blip>
+          <a:stretch>
+            <a:fillRect/>
+          </a:stretch>
+        </p:blipFill>
+        <p:spPr>
+          <a:xfrm>
+            <a:off x="1854751" y="2454106"/>
+            <a:ext cx="8482499" cy="1949791"/>
+          </a:xfrm>
+          <a:prstGeom prst="rect">
+            <a:avLst/>
+          </a:prstGeom>
+          <a:noFill/>
+          <a:ln>
+            <a:noFill/>
+          </a:ln>
+        </p:spPr>
+      </p:pic>
+      <p:sp>
+        <p:nvSpPr>
+          <p:cNvPr id="411" name="Google Shape;411;p66"/>
+          <p:cNvSpPr txBox="1"/>
+          <p:nvPr/>
+        </p:nvSpPr>
+        <p:spPr>
+          <a:xfrm>
+            <a:off x="411932" y="1187433"/>
+            <a:ext cx="6376493" cy="809600"/>
+          </a:xfrm>
+          <a:prstGeom prst="rect">
+            <a:avLst/>
+          </a:prstGeom>
+          <a:noFill/>
+          <a:ln>
+            <a:noFill/>
+          </a:ln>
+        </p:spPr>
+        <p:txBody>
+          <a:bodyPr spcFirstLastPara="1" wrap="square" lIns="121900" tIns="121900" rIns="121900" bIns="121900" anchor="t" anchorCtr="0">
+            <a:noAutofit/>
+          </a:bodyPr>
+          <a:lstStyle/>
+          <a:p>
+            <a:r>
+              <a:rPr lang="en-US" altLang="ko" sz="1600" dirty="0">
+                <a:latin typeface="Malgun Gothic"/>
+                <a:ea typeface="Malgun Gothic"/>
+                <a:cs typeface="Malgun Gothic"/>
+                <a:sym typeface="Malgun Gothic"/>
+              </a:rPr>
+              <a:t>Classic </a:t>
+            </a:r>
+            <a:r>
+              <a:rPr lang="en-US" altLang="ko" sz="1600" dirty="0" err="1">
+                <a:latin typeface="Malgun Gothic"/>
+                <a:ea typeface="Malgun Gothic"/>
+                <a:cs typeface="Malgun Gothic"/>
+                <a:sym typeface="Malgun Gothic"/>
+              </a:rPr>
+              <a:t>McEliece</a:t>
+            </a:r>
+            <a:r>
+              <a:rPr lang="en-US" altLang="ko" sz="1600" dirty="0">
+                <a:latin typeface="Malgun Gothic"/>
+                <a:ea typeface="Malgun Gothic"/>
+                <a:cs typeface="Malgun Gothic"/>
+                <a:sym typeface="Malgun Gothic"/>
+              </a:rPr>
+              <a:t> </a:t>
+            </a:r>
+            <a:r>
+              <a:rPr lang="ko-KR" altLang="en-US" sz="1600" dirty="0">
+                <a:latin typeface="Malgun Gothic"/>
+                <a:ea typeface="Malgun Gothic"/>
+                <a:cs typeface="Malgun Gothic"/>
+                <a:sym typeface="Malgun Gothic"/>
+              </a:rPr>
+              <a:t>성능 비교</a:t>
+            </a:r>
+          </a:p>
+        </p:txBody>
+      </p:sp>
+      <p:sp>
+        <p:nvSpPr>
+          <p:cNvPr id="2" name="TextBox 1">
+            <a:extLst>
+              <a:ext uri="{FF2B5EF4-FFF2-40B4-BE49-F238E27FC236}">
+                <a16:creationId xmlns:a16="http://schemas.microsoft.com/office/drawing/2014/main" id="{2AEE8917-6F88-F047-B1F8-C1499448995A}"/>
+              </a:ext>
+            </a:extLst>
+          </p:cNvPr>
+          <p:cNvSpPr txBox="1"/>
+          <p:nvPr/>
+        </p:nvSpPr>
+        <p:spPr>
+          <a:xfrm>
+            <a:off x="9141639" y="2084774"/>
+            <a:ext cx="1146468" cy="369332"/>
+          </a:xfrm>
+          <a:prstGeom prst="rect">
+            <a:avLst/>
+          </a:prstGeom>
+          <a:noFill/>
+        </p:spPr>
+        <p:txBody>
+          <a:bodyPr wrap="none" rtlCol="0">
+            <a:spAutoFit/>
+          </a:bodyPr>
+          <a:lstStyle/>
+          <a:p>
+            <a:r>
+              <a:rPr kumimoji="1" lang="ko-KR" altLang="en-US" dirty="0"/>
+              <a:t>단위 </a:t>
+            </a:r>
+            <a:r>
+              <a:rPr kumimoji="1" lang="en-US" altLang="ko-KR" dirty="0"/>
+              <a:t>:</a:t>
+            </a:r>
+            <a:r>
+              <a:rPr kumimoji="1" lang="ko-KR" altLang="en-US" dirty="0"/>
+              <a:t> </a:t>
+            </a:r>
+            <a:r>
+              <a:rPr kumimoji="1" lang="en-US" altLang="ko-KR" dirty="0" err="1"/>
+              <a:t>ms</a:t>
+            </a:r>
+            <a:endParaRPr kumimoji="1" lang="ko-KR" altLang="en-US" dirty="0"/>
+          </a:p>
+        </p:txBody>
+      </p:sp>
+    </p:spTree>
+    <p:extLst>
+      <p:ext uri="{BB962C8B-B14F-4D97-AF65-F5344CB8AC3E}">
+        <p14:creationId xmlns:p14="http://schemas.microsoft.com/office/powerpoint/2010/main" val="1248713402"/>
       </p:ext>
     </p:extLst>
   </p:cSld>
@@ -13828,1135 +13998,6 @@
   <p:cSld>
     <p:spTree>
       <p:nvGrpSpPr>
-        <p:cNvPr id="1" name="Shape 366"/>
-        <p:cNvGrpSpPr/>
-        <p:nvPr/>
-      </p:nvGrpSpPr>
-      <p:grpSpPr>
-        <a:xfrm>
-          <a:off x="0" y="0"/>
-          <a:ext cx="0" cy="0"/>
-          <a:chOff x="0" y="0"/>
-          <a:chExt cx="0" cy="0"/>
-        </a:xfrm>
-      </p:grpSpPr>
-      <p:sp>
-        <p:nvSpPr>
-          <p:cNvPr id="367" name="Google Shape;367;p59"/>
-          <p:cNvSpPr txBox="1">
-            <a:spLocks noGrp="1"/>
-          </p:cNvSpPr>
-          <p:nvPr>
-            <p:ph type="title"/>
-          </p:nvPr>
-        </p:nvSpPr>
-        <p:spPr>
-          <a:xfrm>
-            <a:off x="411920" y="207747"/>
-            <a:ext cx="11368000" cy="762000"/>
-          </a:xfrm>
-          <a:prstGeom prst="rect">
-            <a:avLst/>
-          </a:prstGeom>
-        </p:spPr>
-        <p:txBody>
-          <a:bodyPr spcFirstLastPara="1" vert="horz" wrap="square" lIns="91433" tIns="45700" rIns="91433" bIns="45700" rtlCol="0" anchor="ctr" anchorCtr="0">
-            <a:noAutofit/>
-          </a:bodyPr>
-          <a:lstStyle/>
-          <a:p>
-            <a:r>
-              <a:rPr lang="ko"/>
-              <a:t>NIST Round 2 - Classic McEliece</a:t>
-            </a:r>
-            <a:endParaRPr/>
-          </a:p>
-        </p:txBody>
-      </p:sp>
-      <p:sp>
-        <p:nvSpPr>
-          <p:cNvPr id="368" name="Google Shape;368;p59"/>
-          <p:cNvSpPr txBox="1">
-            <a:spLocks noGrp="1"/>
-          </p:cNvSpPr>
-          <p:nvPr>
-            <p:ph type="body" idx="1"/>
-          </p:nvPr>
-        </p:nvSpPr>
-        <p:spPr>
-          <a:xfrm>
-            <a:off x="301832" y="1043195"/>
-            <a:ext cx="11369600" cy="5363888"/>
-          </a:xfrm>
-          <a:prstGeom prst="rect">
-            <a:avLst/>
-          </a:prstGeom>
-        </p:spPr>
-        <p:txBody>
-          <a:bodyPr spcFirstLastPara="1" vert="horz" wrap="square" lIns="91433" tIns="45700" rIns="91433" bIns="45700" rtlCol="0" anchor="t" anchorCtr="0">
-            <a:noAutofit/>
-          </a:bodyPr>
-          <a:lstStyle/>
-          <a:p>
-            <a:pPr marL="228594" indent="-228594">
-              <a:lnSpc>
-                <a:spcPct val="100000"/>
-              </a:lnSpc>
-              <a:spcBef>
-                <a:spcPts val="0"/>
-              </a:spcBef>
-              <a:buSzPts val="1100"/>
-            </a:pPr>
-            <a:r>
-              <a:rPr lang="ko" altLang="en-US" sz="1800" dirty="0"/>
-              <a:t>최초의 코드기반암호 </a:t>
-            </a:r>
-            <a:r>
-              <a:rPr lang="en-US" altLang="ko" sz="1800" dirty="0" err="1"/>
-              <a:t>McEliece</a:t>
-            </a:r>
-            <a:r>
-              <a:rPr lang="ko" altLang="en-US" sz="1800" dirty="0"/>
-              <a:t>의 업그레이드 버전</a:t>
-            </a:r>
-            <a:br>
-              <a:rPr lang="en-US" altLang="ko" sz="1800" dirty="0"/>
-            </a:br>
-            <a:endParaRPr lang="en-US" altLang="ko" sz="1800" dirty="0"/>
-          </a:p>
-          <a:p>
-            <a:pPr marL="228594" indent="-228594">
-              <a:lnSpc>
-                <a:spcPct val="100000"/>
-              </a:lnSpc>
-              <a:spcBef>
-                <a:spcPts val="0"/>
-              </a:spcBef>
-              <a:buSzPts val="1100"/>
-            </a:pPr>
-            <a:r>
-              <a:rPr lang="ko-KR" altLang="en-US" sz="1800" dirty="0"/>
-              <a:t>많은 </a:t>
-            </a:r>
-            <a:r>
-              <a:rPr lang="ko-KR" altLang="en-US" sz="1800" dirty="0" err="1"/>
-              <a:t>암호팀들이</a:t>
-            </a:r>
-            <a:r>
-              <a:rPr lang="ko-KR" altLang="en-US" sz="1800" dirty="0"/>
-              <a:t> </a:t>
-            </a:r>
-            <a:r>
-              <a:rPr lang="en" altLang="ko-KR" sz="1800" dirty="0" err="1"/>
-              <a:t>McEliece</a:t>
-            </a:r>
-            <a:r>
-              <a:rPr lang="ko-KR" altLang="en-US" sz="1800" dirty="0"/>
-              <a:t>의 시스템에서 </a:t>
-            </a:r>
-            <a:r>
-              <a:rPr lang="ko-KR" altLang="en-US" sz="1800" dirty="0" err="1"/>
-              <a:t>공개키의</a:t>
-            </a:r>
-            <a:r>
-              <a:rPr lang="ko-KR" altLang="en-US" sz="1800" dirty="0"/>
-              <a:t> 크기를 줄이기 위해 바이너리 </a:t>
-            </a:r>
-            <a:r>
-              <a:rPr lang="en" altLang="ko-KR" sz="1800" dirty="0" err="1"/>
-              <a:t>Goppa</a:t>
-            </a:r>
-            <a:r>
-              <a:rPr lang="en" altLang="ko-KR" sz="1800" dirty="0"/>
-              <a:t> </a:t>
-            </a:r>
-            <a:r>
-              <a:rPr lang="ko-KR" altLang="en-US" sz="1800" dirty="0"/>
-              <a:t>코드를</a:t>
-            </a:r>
-            <a:endParaRPr lang="en-US" altLang="ko-KR" sz="1800" dirty="0"/>
-          </a:p>
-          <a:p>
-            <a:pPr marL="0" indent="0">
-              <a:lnSpc>
-                <a:spcPct val="100000"/>
-              </a:lnSpc>
-              <a:spcBef>
-                <a:spcPts val="0"/>
-              </a:spcBef>
-              <a:buSzPts val="1100"/>
-              <a:buNone/>
-            </a:pPr>
-            <a:r>
-              <a:rPr lang="ko-KR" altLang="en-US" sz="1800" dirty="0"/>
-              <a:t>    다른 코드 군으로 대체 할 것을 제안했다</a:t>
-            </a:r>
-            <a:r>
-              <a:rPr lang="en-US" altLang="ko-KR" sz="1800" dirty="0"/>
-              <a:t>. </a:t>
-            </a:r>
-            <a:r>
-              <a:rPr lang="ko-KR" altLang="en-US" sz="1800" dirty="0"/>
-              <a:t> </a:t>
-            </a:r>
-            <a:endParaRPr lang="en-US" altLang="ko-KR" sz="1800" dirty="0">
-              <a:sym typeface="Wingdings" pitchFamily="2" charset="2"/>
-            </a:endParaRPr>
-          </a:p>
-          <a:p>
-            <a:pPr marL="0" indent="0">
-              <a:lnSpc>
-                <a:spcPct val="100000"/>
-              </a:lnSpc>
-              <a:spcBef>
-                <a:spcPts val="0"/>
-              </a:spcBef>
-              <a:buSzPts val="1100"/>
-              <a:buNone/>
-            </a:pPr>
-            <a:r>
-              <a:rPr lang="ko-KR" altLang="en-US" sz="1800" dirty="0"/>
-              <a:t>        </a:t>
-            </a:r>
-            <a:r>
-              <a:rPr lang="en-US" altLang="ko-KR" sz="1800" dirty="0"/>
-              <a:t>-</a:t>
-            </a:r>
-            <a:r>
-              <a:rPr lang="ko-KR" altLang="en-US" sz="1800" dirty="0"/>
-              <a:t> 이러한 제안 중 많은 부분이 개인 키가 복구되는 취약점이 드러남</a:t>
-            </a:r>
-          </a:p>
-          <a:p>
-            <a:pPr marL="0" indent="0">
-              <a:lnSpc>
-                <a:spcPct val="100000"/>
-              </a:lnSpc>
-              <a:spcBef>
-                <a:spcPts val="0"/>
-              </a:spcBef>
-              <a:buSzPts val="1100"/>
-              <a:buNone/>
-            </a:pPr>
-            <a:endParaRPr sz="1800" dirty="0"/>
-          </a:p>
-          <a:p>
-            <a:pPr marL="228594" indent="-228594">
-              <a:lnSpc>
-                <a:spcPct val="100000"/>
-              </a:lnSpc>
-              <a:spcBef>
-                <a:spcPts val="0"/>
-              </a:spcBef>
-              <a:buSzPts val="1100"/>
-            </a:pPr>
-            <a:r>
-              <a:rPr lang="ko" altLang="en-US" sz="1800" dirty="0"/>
-              <a:t>핵심강점은 보안</a:t>
-            </a:r>
-            <a:br>
-              <a:rPr lang="en-US" altLang="ko" sz="1800" dirty="0"/>
-            </a:br>
-            <a:r>
-              <a:rPr lang="en-US" altLang="ko" sz="1800" dirty="0"/>
-              <a:t>- </a:t>
-            </a:r>
-            <a:r>
-              <a:rPr lang="ko" altLang="en-US" sz="1800" dirty="0"/>
-              <a:t>기존의 </a:t>
-            </a:r>
-            <a:r>
-              <a:rPr lang="en-US" altLang="ko" sz="1800" dirty="0" err="1"/>
-              <a:t>Goppa</a:t>
-            </a:r>
-            <a:r>
-              <a:rPr lang="en-US" altLang="ko" sz="1800" dirty="0"/>
-              <a:t> </a:t>
-            </a:r>
-            <a:r>
-              <a:rPr lang="ko" altLang="en-US" sz="1800" dirty="0"/>
-              <a:t>코드 대신 다른 코드를 사용함으로써 효율성을 늘리는 것보다 </a:t>
-            </a:r>
-            <a:r>
-              <a:rPr lang="ko-KR" altLang="en-US" sz="1800" dirty="0" err="1"/>
-              <a:t>오랜기간</a:t>
-            </a:r>
-            <a:r>
-              <a:rPr lang="ko-KR" altLang="en-US" sz="1800" dirty="0"/>
-              <a:t> </a:t>
-            </a:r>
-            <a:r>
-              <a:rPr lang="ko" altLang="en-US" sz="1800" dirty="0"/>
-              <a:t>안전성을 지속한 </a:t>
-            </a:r>
-            <a:br>
-              <a:rPr lang="en-US" altLang="ko" sz="1800" dirty="0"/>
-            </a:br>
-            <a:r>
-              <a:rPr lang="en-US" altLang="ko" sz="1800" dirty="0"/>
-              <a:t>  </a:t>
-            </a:r>
-            <a:r>
-              <a:rPr lang="en-US" altLang="ko" sz="1800" dirty="0" err="1"/>
-              <a:t>Goppa</a:t>
-            </a:r>
-            <a:r>
-              <a:rPr lang="en-US" altLang="ko" sz="1800" dirty="0"/>
-              <a:t> </a:t>
-            </a:r>
-            <a:r>
-              <a:rPr lang="ko" altLang="en-US" sz="1800" dirty="0"/>
-              <a:t>코드 사용을 고수</a:t>
-            </a:r>
-            <a:endParaRPr lang="en-US" altLang="ko" sz="1800" dirty="0"/>
-          </a:p>
-          <a:p>
-            <a:pPr marL="228594" indent="-228594">
-              <a:lnSpc>
-                <a:spcPct val="100000"/>
-              </a:lnSpc>
-              <a:spcBef>
-                <a:spcPts val="0"/>
-              </a:spcBef>
-              <a:buSzPts val="1100"/>
-            </a:pPr>
-            <a:endParaRPr lang="en-US" altLang="ko-KR" sz="1800" dirty="0"/>
-          </a:p>
-          <a:p>
-            <a:pPr marL="228594" indent="-228594">
-              <a:lnSpc>
-                <a:spcPct val="100000"/>
-              </a:lnSpc>
-              <a:spcBef>
-                <a:spcPts val="0"/>
-              </a:spcBef>
-              <a:buSzPts val="1100"/>
-            </a:pPr>
-            <a:r>
-              <a:rPr lang="ko-KR" altLang="en-US" sz="1800" dirty="0"/>
-              <a:t>구현입장에선 키 생성</a:t>
-            </a:r>
-            <a:r>
-              <a:rPr lang="en-US" altLang="ko-KR" sz="1800" dirty="0"/>
-              <a:t>, </a:t>
-            </a:r>
-            <a:r>
-              <a:rPr lang="ko-KR" altLang="en-US" sz="1800" dirty="0" err="1"/>
-              <a:t>배포비용에</a:t>
-            </a:r>
-            <a:r>
-              <a:rPr lang="ko-KR" altLang="en-US" sz="1800" dirty="0"/>
-              <a:t> 투자해야 하지만 암</a:t>
-            </a:r>
-            <a:r>
-              <a:rPr lang="en-US" altLang="ko-KR" sz="1800" dirty="0"/>
-              <a:t>,</a:t>
-            </a:r>
-            <a:r>
-              <a:rPr lang="ko-KR" altLang="en-US" sz="1800" dirty="0" err="1"/>
-              <a:t>복호화</a:t>
-            </a:r>
-            <a:r>
-              <a:rPr lang="ko-KR" altLang="en-US" sz="1800" dirty="0"/>
-              <a:t> 속도가 빠르고 </a:t>
-            </a:r>
-            <a:endParaRPr lang="en-US" altLang="ko-KR" sz="1800" dirty="0"/>
-          </a:p>
-          <a:p>
-            <a:pPr marL="0" indent="0">
-              <a:lnSpc>
-                <a:spcPct val="100000"/>
-              </a:lnSpc>
-              <a:spcBef>
-                <a:spcPts val="0"/>
-              </a:spcBef>
-              <a:buSzPts val="1100"/>
-              <a:buNone/>
-            </a:pPr>
-            <a:r>
-              <a:rPr lang="ko-KR" altLang="en-US" sz="1800" dirty="0"/>
-              <a:t>    </a:t>
-            </a:r>
-            <a:r>
-              <a:rPr lang="ko-KR" altLang="en-US" sz="1800" dirty="0" err="1"/>
-              <a:t>양자내성</a:t>
-            </a:r>
-            <a:r>
-              <a:rPr lang="ko-KR" altLang="en-US" sz="1800" dirty="0"/>
-              <a:t> 암호 중 암호문이 매우 </a:t>
-            </a:r>
-            <a:r>
-              <a:rPr lang="ko-KR" altLang="en-US" sz="1800" dirty="0" err="1"/>
-              <a:t>작은편</a:t>
-            </a:r>
-            <a:endParaRPr lang="en-US" altLang="ko-KR" sz="1800" dirty="0"/>
-          </a:p>
-          <a:p>
-            <a:pPr marL="0" indent="0">
-              <a:lnSpc>
-                <a:spcPct val="100000"/>
-              </a:lnSpc>
-              <a:spcBef>
-                <a:spcPts val="0"/>
-              </a:spcBef>
-              <a:buSzPts val="1100"/>
-              <a:buNone/>
-            </a:pPr>
-            <a:r>
-              <a:rPr lang="ko-KR" altLang="en-US" sz="1800" dirty="0"/>
-              <a:t>         </a:t>
-            </a:r>
-            <a:r>
-              <a:rPr lang="en-US" altLang="ko-KR" sz="1800" dirty="0"/>
-              <a:t>-</a:t>
-            </a:r>
-            <a:r>
-              <a:rPr lang="ko-KR" altLang="en-US" sz="1800" dirty="0"/>
-              <a:t> 한번 키 교환이 성립되면 효율적으로 안전한 통신이 가능</a:t>
-            </a:r>
-          </a:p>
-          <a:p>
-            <a:pPr marL="0" indent="0">
-              <a:lnSpc>
-                <a:spcPct val="100000"/>
-              </a:lnSpc>
-              <a:spcBef>
-                <a:spcPts val="0"/>
-              </a:spcBef>
-              <a:buSzPts val="1100"/>
-              <a:buNone/>
-            </a:pPr>
-            <a:endParaRPr lang="en-US" altLang="ko-KR" sz="1800" dirty="0"/>
-          </a:p>
-          <a:p>
-            <a:pPr marL="228594" indent="-228594">
-              <a:lnSpc>
-                <a:spcPct val="100000"/>
-              </a:lnSpc>
-              <a:spcBef>
-                <a:spcPts val="0"/>
-              </a:spcBef>
-              <a:buSzPts val="1100"/>
-            </a:pPr>
-            <a:endParaRPr lang="ko-KR" altLang="en-US" sz="1800" dirty="0"/>
-          </a:p>
-        </p:txBody>
-      </p:sp>
-    </p:spTree>
-    <p:extLst>
-      <p:ext uri="{BB962C8B-B14F-4D97-AF65-F5344CB8AC3E}">
-        <p14:creationId xmlns:p14="http://schemas.microsoft.com/office/powerpoint/2010/main" val="1064191705"/>
-      </p:ext>
-    </p:extLst>
-  </p:cSld>
-  <p:clrMapOvr>
-    <a:masterClrMapping/>
-  </p:clrMapOvr>
-</p:sld>
-</file>
-
-<file path=ppt/slides/slide21.xml><?xml version="1.0" encoding="utf-8"?>
-<p:sld xmlns:a="http://schemas.openxmlformats.org/drawingml/2006/main" xmlns:r="http://schemas.openxmlformats.org/officeDocument/2006/relationships" xmlns:p="http://schemas.openxmlformats.org/presentationml/2006/main">
-  <p:cSld>
-    <p:spTree>
-      <p:nvGrpSpPr>
-        <p:cNvPr id="1" name="Shape 408"/>
-        <p:cNvGrpSpPr/>
-        <p:nvPr/>
-      </p:nvGrpSpPr>
-      <p:grpSpPr>
-        <a:xfrm>
-          <a:off x="0" y="0"/>
-          <a:ext cx="0" cy="0"/>
-          <a:chOff x="0" y="0"/>
-          <a:chExt cx="0" cy="0"/>
-        </a:xfrm>
-      </p:grpSpPr>
-      <p:sp>
-        <p:nvSpPr>
-          <p:cNvPr id="409" name="Google Shape;409;p66"/>
-          <p:cNvSpPr txBox="1">
-            <a:spLocks noGrp="1"/>
-          </p:cNvSpPr>
-          <p:nvPr>
-            <p:ph type="title"/>
-          </p:nvPr>
-        </p:nvSpPr>
-        <p:spPr>
-          <a:xfrm>
-            <a:off x="411920" y="207747"/>
-            <a:ext cx="11368000" cy="762000"/>
-          </a:xfrm>
-          <a:prstGeom prst="rect">
-            <a:avLst/>
-          </a:prstGeom>
-        </p:spPr>
-        <p:txBody>
-          <a:bodyPr spcFirstLastPara="1" vert="horz" wrap="square" lIns="91433" tIns="45700" rIns="91433" bIns="45700" rtlCol="0" anchor="ctr" anchorCtr="0">
-            <a:noAutofit/>
-          </a:bodyPr>
-          <a:lstStyle/>
-          <a:p>
-            <a:r>
-              <a:rPr lang="ko"/>
-              <a:t>NIST Round 2 - Classic McEliece</a:t>
-            </a:r>
-            <a:endParaRPr/>
-          </a:p>
-        </p:txBody>
-      </p:sp>
-      <p:pic>
-        <p:nvPicPr>
-          <p:cNvPr id="410" name="Google Shape;410;p66"/>
-          <p:cNvPicPr preferRelativeResize="0"/>
-          <p:nvPr/>
-        </p:nvPicPr>
-        <p:blipFill>
-          <a:blip r:embed="rId3">
-            <a:alphaModFix/>
-          </a:blip>
-          <a:stretch>
-            <a:fillRect/>
-          </a:stretch>
-        </p:blipFill>
-        <p:spPr>
-          <a:xfrm>
-            <a:off x="1854751" y="2454106"/>
-            <a:ext cx="8482499" cy="1949791"/>
-          </a:xfrm>
-          <a:prstGeom prst="rect">
-            <a:avLst/>
-          </a:prstGeom>
-          <a:noFill/>
-          <a:ln>
-            <a:noFill/>
-          </a:ln>
-        </p:spPr>
-      </p:pic>
-      <p:sp>
-        <p:nvSpPr>
-          <p:cNvPr id="411" name="Google Shape;411;p66"/>
-          <p:cNvSpPr txBox="1"/>
-          <p:nvPr/>
-        </p:nvSpPr>
-        <p:spPr>
-          <a:xfrm>
-            <a:off x="411932" y="1187433"/>
-            <a:ext cx="6376493" cy="809600"/>
-          </a:xfrm>
-          <a:prstGeom prst="rect">
-            <a:avLst/>
-          </a:prstGeom>
-          <a:noFill/>
-          <a:ln>
-            <a:noFill/>
-          </a:ln>
-        </p:spPr>
-        <p:txBody>
-          <a:bodyPr spcFirstLastPara="1" wrap="square" lIns="121900" tIns="121900" rIns="121900" bIns="121900" anchor="t" anchorCtr="0">
-            <a:noAutofit/>
-          </a:bodyPr>
-          <a:lstStyle/>
-          <a:p>
-            <a:r>
-              <a:rPr lang="en-US" altLang="ko" sz="1600" dirty="0">
-                <a:latin typeface="Malgun Gothic"/>
-                <a:ea typeface="Malgun Gothic"/>
-                <a:cs typeface="Malgun Gothic"/>
-                <a:sym typeface="Malgun Gothic"/>
-              </a:rPr>
-              <a:t>Classic </a:t>
-            </a:r>
-            <a:r>
-              <a:rPr lang="en-US" altLang="ko" sz="1600" dirty="0" err="1">
-                <a:latin typeface="Malgun Gothic"/>
-                <a:ea typeface="Malgun Gothic"/>
-                <a:cs typeface="Malgun Gothic"/>
-                <a:sym typeface="Malgun Gothic"/>
-              </a:rPr>
-              <a:t>McEliece</a:t>
-            </a:r>
-            <a:r>
-              <a:rPr lang="en-US" altLang="ko" sz="1600" dirty="0">
-                <a:latin typeface="Malgun Gothic"/>
-                <a:ea typeface="Malgun Gothic"/>
-                <a:cs typeface="Malgun Gothic"/>
-                <a:sym typeface="Malgun Gothic"/>
-              </a:rPr>
-              <a:t> </a:t>
-            </a:r>
-            <a:r>
-              <a:rPr lang="ko-KR" altLang="en-US" sz="1600" dirty="0">
-                <a:latin typeface="Malgun Gothic"/>
-                <a:ea typeface="Malgun Gothic"/>
-                <a:cs typeface="Malgun Gothic"/>
-                <a:sym typeface="Malgun Gothic"/>
-              </a:rPr>
-              <a:t>성능 비교</a:t>
-            </a:r>
-          </a:p>
-        </p:txBody>
-      </p:sp>
-      <p:sp>
-        <p:nvSpPr>
-          <p:cNvPr id="2" name="TextBox 1">
-            <a:extLst>
-              <a:ext uri="{FF2B5EF4-FFF2-40B4-BE49-F238E27FC236}">
-                <a16:creationId xmlns:a16="http://schemas.microsoft.com/office/drawing/2014/main" id="{2AEE8917-6F88-F047-B1F8-C1499448995A}"/>
-              </a:ext>
-            </a:extLst>
-          </p:cNvPr>
-          <p:cNvSpPr txBox="1"/>
-          <p:nvPr/>
-        </p:nvSpPr>
-        <p:spPr>
-          <a:xfrm>
-            <a:off x="9141639" y="2084774"/>
-            <a:ext cx="1146468" cy="369332"/>
-          </a:xfrm>
-          <a:prstGeom prst="rect">
-            <a:avLst/>
-          </a:prstGeom>
-          <a:noFill/>
-        </p:spPr>
-        <p:txBody>
-          <a:bodyPr wrap="none" rtlCol="0">
-            <a:spAutoFit/>
-          </a:bodyPr>
-          <a:lstStyle/>
-          <a:p>
-            <a:r>
-              <a:rPr kumimoji="1" lang="ko-KR" altLang="en-US" dirty="0"/>
-              <a:t>단위 </a:t>
-            </a:r>
-            <a:r>
-              <a:rPr kumimoji="1" lang="en-US" altLang="ko-KR" dirty="0"/>
-              <a:t>:</a:t>
-            </a:r>
-            <a:r>
-              <a:rPr kumimoji="1" lang="ko-KR" altLang="en-US" dirty="0"/>
-              <a:t> </a:t>
-            </a:r>
-            <a:r>
-              <a:rPr kumimoji="1" lang="en-US" altLang="ko-KR" dirty="0" err="1"/>
-              <a:t>ms</a:t>
-            </a:r>
-            <a:endParaRPr kumimoji="1" lang="ko-KR" altLang="en-US" dirty="0"/>
-          </a:p>
-        </p:txBody>
-      </p:sp>
-    </p:spTree>
-    <p:extLst>
-      <p:ext uri="{BB962C8B-B14F-4D97-AF65-F5344CB8AC3E}">
-        <p14:creationId xmlns:p14="http://schemas.microsoft.com/office/powerpoint/2010/main" val="1248713402"/>
-      </p:ext>
-    </p:extLst>
-  </p:cSld>
-  <p:clrMapOvr>
-    <a:masterClrMapping/>
-  </p:clrMapOvr>
-</p:sld>
-</file>
-
-<file path=ppt/slides/slide22.xml><?xml version="1.0" encoding="utf-8"?>
-<p:sld xmlns:a="http://schemas.openxmlformats.org/drawingml/2006/main" xmlns:r="http://schemas.openxmlformats.org/officeDocument/2006/relationships" xmlns:p="http://schemas.openxmlformats.org/presentationml/2006/main">
-  <p:cSld>
-    <p:spTree>
-      <p:nvGrpSpPr>
-        <p:cNvPr id="1" name="Shape 372"/>
-        <p:cNvGrpSpPr/>
-        <p:nvPr/>
-      </p:nvGrpSpPr>
-      <p:grpSpPr>
-        <a:xfrm>
-          <a:off x="0" y="0"/>
-          <a:ext cx="0" cy="0"/>
-          <a:chOff x="0" y="0"/>
-          <a:chExt cx="0" cy="0"/>
-        </a:xfrm>
-      </p:grpSpPr>
-      <p:sp>
-        <p:nvSpPr>
-          <p:cNvPr id="373" name="Google Shape;373;p60"/>
-          <p:cNvSpPr txBox="1">
-            <a:spLocks noGrp="1"/>
-          </p:cNvSpPr>
-          <p:nvPr>
-            <p:ph type="title"/>
-          </p:nvPr>
-        </p:nvSpPr>
-        <p:spPr>
-          <a:xfrm>
-            <a:off x="411920" y="207747"/>
-            <a:ext cx="11368000" cy="762000"/>
-          </a:xfrm>
-          <a:prstGeom prst="rect">
-            <a:avLst/>
-          </a:prstGeom>
-        </p:spPr>
-        <p:txBody>
-          <a:bodyPr spcFirstLastPara="1" vert="horz" wrap="square" lIns="91433" tIns="45700" rIns="91433" bIns="45700" rtlCol="0" anchor="ctr" anchorCtr="0">
-            <a:noAutofit/>
-          </a:bodyPr>
-          <a:lstStyle/>
-          <a:p>
-            <a:r>
-              <a:rPr lang="ko"/>
-              <a:t>NIST Round 2 - BIKE</a:t>
-            </a:r>
-            <a:endParaRPr/>
-          </a:p>
-        </p:txBody>
-      </p:sp>
-      <p:sp>
-        <p:nvSpPr>
-          <p:cNvPr id="374" name="Google Shape;374;p60"/>
-          <p:cNvSpPr txBox="1">
-            <a:spLocks noGrp="1"/>
-          </p:cNvSpPr>
-          <p:nvPr>
-            <p:ph type="body" idx="1"/>
-          </p:nvPr>
-        </p:nvSpPr>
-        <p:spPr>
-          <a:xfrm>
-            <a:off x="411162" y="1152525"/>
-            <a:ext cx="11611209" cy="5057600"/>
-          </a:xfrm>
-          <a:prstGeom prst="rect">
-            <a:avLst/>
-          </a:prstGeom>
-        </p:spPr>
-        <p:txBody>
-          <a:bodyPr spcFirstLastPara="1" vert="horz" wrap="square" lIns="91433" tIns="45700" rIns="91433" bIns="45700" rtlCol="0" anchor="t" anchorCtr="0">
-            <a:noAutofit/>
-          </a:bodyPr>
-          <a:lstStyle/>
-          <a:p>
-            <a:pPr marL="228594" indent="-228594">
-              <a:lnSpc>
-                <a:spcPct val="100000"/>
-              </a:lnSpc>
-              <a:spcBef>
-                <a:spcPts val="0"/>
-              </a:spcBef>
-              <a:buSzPts val="1100"/>
-            </a:pPr>
-            <a:r>
-              <a:rPr lang="en-US" altLang="ko" sz="1800" dirty="0"/>
-              <a:t>BIKE</a:t>
-            </a:r>
-            <a:r>
-              <a:rPr lang="ko" altLang="en-US" sz="1800" dirty="0"/>
-              <a:t>의 모든 버전에서는 </a:t>
-            </a:r>
-            <a:r>
-              <a:rPr lang="en-US" altLang="ko" sz="1800" dirty="0"/>
-              <a:t>Bit-Flipping </a:t>
-            </a:r>
-            <a:r>
-              <a:rPr lang="ko" altLang="en-US" sz="1800" dirty="0"/>
-              <a:t>디코더를 통해 복호를 효율적으로 수행하는 </a:t>
-            </a:r>
-            <a:r>
-              <a:rPr lang="en-US" altLang="ko" sz="1800" dirty="0"/>
-              <a:t>QC-MDPC </a:t>
-            </a:r>
-            <a:r>
-              <a:rPr lang="ko" altLang="en-US" sz="1800" dirty="0"/>
-              <a:t>코드를 사용</a:t>
-            </a:r>
-            <a:br>
-              <a:rPr lang="en-US" altLang="ko" sz="1800" dirty="0"/>
-            </a:br>
-            <a:r>
-              <a:rPr lang="en-US" altLang="ko" sz="1800" dirty="0"/>
-              <a:t>- Bit-Flipping </a:t>
-            </a:r>
-            <a:r>
-              <a:rPr lang="ko" altLang="en-US" sz="1800" dirty="0"/>
-              <a:t>디코더는 가장 틀린 위치가 무엇인지 추정하고</a:t>
-            </a:r>
-            <a:r>
-              <a:rPr lang="en-US" altLang="ko" sz="1800" dirty="0"/>
-              <a:t>, </a:t>
-            </a:r>
-            <a:r>
-              <a:rPr lang="ko" altLang="en-US" sz="1800" dirty="0"/>
-              <a:t>뒤집어서 그 결과가 이전보다 좋았는</a:t>
-            </a:r>
-            <a:r>
-              <a:rPr lang="ko-KR" altLang="en-US" sz="1800" dirty="0"/>
-              <a:t>지   </a:t>
-            </a:r>
-            <a:br>
-              <a:rPr lang="en-US" altLang="ko-KR" sz="1800" dirty="0"/>
-            </a:br>
-            <a:r>
-              <a:rPr lang="en-US" altLang="ko-KR" sz="1800" dirty="0"/>
-              <a:t>  </a:t>
-            </a:r>
-            <a:r>
-              <a:rPr lang="ko-KR" altLang="en-US" sz="1800" dirty="0"/>
-              <a:t>작은 </a:t>
-            </a:r>
-            <a:r>
-              <a:rPr lang="en-US" altLang="ko" sz="1800" dirty="0"/>
-              <a:t>syndrome weight </a:t>
-            </a:r>
-            <a:r>
-              <a:rPr lang="ko" altLang="en-US" sz="1800" dirty="0"/>
-              <a:t>관찰</a:t>
-            </a:r>
-            <a:endParaRPr lang="en-US" altLang="ko" sz="1800" dirty="0"/>
-          </a:p>
-          <a:p>
-            <a:pPr marL="228594" indent="-228594">
-              <a:lnSpc>
-                <a:spcPct val="100000"/>
-              </a:lnSpc>
-              <a:spcBef>
-                <a:spcPts val="0"/>
-              </a:spcBef>
-              <a:buSzPts val="1100"/>
-            </a:pPr>
-            <a:endParaRPr lang="en-US" altLang="ko" sz="1800" dirty="0"/>
-          </a:p>
-          <a:p>
-            <a:pPr marL="228594" indent="-228594">
-              <a:lnSpc>
-                <a:spcPct val="100000"/>
-              </a:lnSpc>
-              <a:spcBef>
-                <a:spcPts val="0"/>
-              </a:spcBef>
-              <a:buSzPts val="1100"/>
-            </a:pPr>
-            <a:r>
-              <a:rPr lang="en-US" altLang="ko" sz="1800" dirty="0"/>
-              <a:t>Round 1</a:t>
-            </a:r>
-            <a:r>
-              <a:rPr lang="ko" altLang="en-US" sz="1800" dirty="0"/>
-              <a:t>에서는 비교적 높은 복호 실패율을 보여줬</a:t>
-            </a:r>
-            <a:r>
-              <a:rPr lang="ko-KR" altLang="en-US" sz="1800" dirty="0"/>
-              <a:t>음</a:t>
-            </a:r>
-            <a:br>
-              <a:rPr lang="en-US" altLang="ko" sz="1800" dirty="0"/>
-            </a:br>
-            <a:endParaRPr lang="en-US" altLang="ko" sz="1800" dirty="0"/>
-          </a:p>
-          <a:p>
-            <a:pPr marL="228594" indent="-228594">
-              <a:lnSpc>
-                <a:spcPct val="100000"/>
-              </a:lnSpc>
-              <a:spcBef>
-                <a:spcPts val="0"/>
-              </a:spcBef>
-              <a:buSzPts val="1100"/>
-            </a:pPr>
-            <a:r>
-              <a:rPr lang="en-US" altLang="ko" sz="1800" dirty="0"/>
-              <a:t>Round 2</a:t>
-            </a:r>
-            <a:r>
-              <a:rPr lang="ko" altLang="en-US" sz="1800" dirty="0"/>
-              <a:t>에서</a:t>
-            </a:r>
-            <a:r>
-              <a:rPr lang="ko-KR" altLang="en-US" sz="1800" dirty="0"/>
-              <a:t>는</a:t>
-            </a:r>
-            <a:r>
-              <a:rPr lang="ko" altLang="en-US" sz="1800" dirty="0"/>
-              <a:t> 향상된 </a:t>
-            </a:r>
-            <a:r>
-              <a:rPr lang="en-US" altLang="ko" sz="1800" dirty="0"/>
-              <a:t>Backflip </a:t>
-            </a:r>
-            <a:r>
-              <a:rPr lang="ko" altLang="en-US" sz="1800" dirty="0"/>
-              <a:t>디코더라는 향상된 디코딩 기술을 적용함으로써 무시가능한 수준의 </a:t>
-            </a:r>
-            <a:endParaRPr lang="en-US" altLang="ko" sz="1800" dirty="0"/>
-          </a:p>
-          <a:p>
-            <a:pPr marL="0" indent="0">
-              <a:lnSpc>
-                <a:spcPct val="100000"/>
-              </a:lnSpc>
-              <a:spcBef>
-                <a:spcPts val="0"/>
-              </a:spcBef>
-              <a:buSzPts val="1100"/>
-              <a:buNone/>
-            </a:pPr>
-            <a:r>
-              <a:rPr lang="ko" altLang="en-US" sz="1800" dirty="0"/>
-              <a:t>   복호실패율을 </a:t>
-            </a:r>
-            <a:r>
-              <a:rPr lang="ko-KR" altLang="en-US" sz="1800" dirty="0"/>
-              <a:t>달성함</a:t>
-            </a:r>
-            <a:br>
-              <a:rPr lang="en-US" altLang="ko" sz="1800" dirty="0"/>
-            </a:br>
-            <a:endParaRPr sz="1800" dirty="0"/>
-          </a:p>
-          <a:p>
-            <a:pPr marL="228594" indent="-228594">
-              <a:lnSpc>
-                <a:spcPct val="100000"/>
-              </a:lnSpc>
-              <a:spcBef>
-                <a:spcPts val="0"/>
-              </a:spcBef>
-              <a:buSzPts val="1100"/>
-            </a:pPr>
-            <a:r>
-              <a:rPr lang="en-US" altLang="ko" sz="1800" dirty="0"/>
-              <a:t>BIKE</a:t>
-            </a:r>
-            <a:r>
-              <a:rPr lang="ko-KR" altLang="en-US" sz="1800" dirty="0"/>
-              <a:t>는 </a:t>
-            </a:r>
-            <a:r>
-              <a:rPr lang="en-US" altLang="ko-KR" sz="1800" dirty="0"/>
-              <a:t>CPA - 1,</a:t>
-            </a:r>
-            <a:r>
-              <a:rPr lang="ko-KR" altLang="en-US" sz="1800" dirty="0"/>
-              <a:t> </a:t>
-            </a:r>
-            <a:r>
-              <a:rPr lang="en-US" altLang="ko-KR" sz="1800" dirty="0"/>
-              <a:t>2,</a:t>
-            </a:r>
-            <a:r>
-              <a:rPr lang="ko-KR" altLang="en-US" sz="1800" dirty="0"/>
-              <a:t> </a:t>
-            </a:r>
-            <a:r>
-              <a:rPr lang="en-US" altLang="ko-KR" sz="1800" dirty="0"/>
-              <a:t>3, CCA – 1, 2, 3</a:t>
-            </a:r>
-            <a:r>
-              <a:rPr lang="ko-KR" altLang="en-US" sz="1800" dirty="0"/>
-              <a:t> 버전을 제공</a:t>
-            </a:r>
-            <a:endParaRPr lang="en-US" altLang="ko-KR" sz="1800" dirty="0"/>
-          </a:p>
-          <a:p>
-            <a:pPr marL="0" indent="0">
-              <a:lnSpc>
-                <a:spcPct val="100000"/>
-              </a:lnSpc>
-              <a:spcBef>
-                <a:spcPts val="0"/>
-              </a:spcBef>
-              <a:buSzPts val="1100"/>
-              <a:buNone/>
-            </a:pPr>
-            <a:r>
-              <a:rPr lang="ko-KR" altLang="en-US" sz="1800" dirty="0"/>
-              <a:t>     </a:t>
-            </a:r>
-            <a:r>
-              <a:rPr lang="en-US" altLang="ko-KR" sz="1800" dirty="0"/>
-              <a:t>-</a:t>
-            </a:r>
-            <a:r>
-              <a:rPr lang="ko-KR" altLang="en-US" sz="1800" dirty="0"/>
-              <a:t> 버전 </a:t>
-            </a:r>
-            <a:r>
-              <a:rPr lang="en-US" altLang="ko-KR" sz="1800" dirty="0"/>
-              <a:t>1</a:t>
-            </a:r>
-            <a:r>
-              <a:rPr lang="ko-KR" altLang="en-US" sz="1800" dirty="0"/>
-              <a:t> </a:t>
-            </a:r>
-            <a:r>
-              <a:rPr lang="en-US" altLang="ko-KR" sz="1800" dirty="0"/>
-              <a:t>:</a:t>
-            </a:r>
-            <a:r>
-              <a:rPr lang="ko-KR" altLang="en-US" sz="1800" dirty="0"/>
-              <a:t> 빠른 임시 키를 사용</a:t>
-            </a:r>
-            <a:endParaRPr lang="en-US" altLang="ko-KR" sz="1800" dirty="0"/>
-          </a:p>
-          <a:p>
-            <a:pPr marL="0" indent="0">
-              <a:lnSpc>
-                <a:spcPct val="100000"/>
-              </a:lnSpc>
-              <a:spcBef>
-                <a:spcPts val="0"/>
-              </a:spcBef>
-              <a:buSzPts val="1100"/>
-              <a:buNone/>
-            </a:pPr>
-            <a:r>
-              <a:rPr lang="ko-KR" altLang="en-US" sz="1800" dirty="0"/>
-              <a:t>     </a:t>
-            </a:r>
-            <a:r>
-              <a:rPr lang="en-US" altLang="ko-KR" sz="1800" dirty="0"/>
-              <a:t>-</a:t>
-            </a:r>
-            <a:r>
-              <a:rPr lang="ko-KR" altLang="en-US" sz="1800" dirty="0"/>
-              <a:t> 버전 </a:t>
-            </a:r>
-            <a:r>
-              <a:rPr lang="en-US" altLang="ko-KR" sz="1800" dirty="0"/>
-              <a:t>2</a:t>
-            </a:r>
-            <a:r>
-              <a:rPr lang="ko-KR" altLang="en-US" sz="1800" dirty="0"/>
-              <a:t> </a:t>
-            </a:r>
-            <a:r>
-              <a:rPr lang="en-US" altLang="ko-KR" sz="1800" dirty="0"/>
-              <a:t>:</a:t>
-            </a:r>
-            <a:r>
-              <a:rPr lang="ko-KR" altLang="en-US" sz="1800" dirty="0"/>
-              <a:t> 키 생성에 약간 더 높은 비용을 요구하지만 더 안전한 정적 키 사용</a:t>
-            </a:r>
-          </a:p>
-          <a:p>
-            <a:pPr marL="0" indent="0">
-              <a:lnSpc>
-                <a:spcPct val="100000"/>
-              </a:lnSpc>
-              <a:spcBef>
-                <a:spcPts val="0"/>
-              </a:spcBef>
-              <a:buSzPts val="1100"/>
-              <a:buNone/>
-            </a:pPr>
-            <a:endParaRPr lang="en-US" altLang="ko" sz="1800" dirty="0"/>
-          </a:p>
-        </p:txBody>
-      </p:sp>
-      <p:sp>
-        <p:nvSpPr>
-          <p:cNvPr id="2" name="직사각형 1">
-            <a:extLst>
-              <a:ext uri="{FF2B5EF4-FFF2-40B4-BE49-F238E27FC236}">
-                <a16:creationId xmlns:a16="http://schemas.microsoft.com/office/drawing/2014/main" id="{6D9ECAB0-7251-C24D-9B01-1292449C2FDE}"/>
-              </a:ext>
-            </a:extLst>
-          </p:cNvPr>
-          <p:cNvSpPr/>
-          <p:nvPr/>
-        </p:nvSpPr>
-        <p:spPr>
-          <a:xfrm>
-            <a:off x="711200" y="5059144"/>
-            <a:ext cx="6096000" cy="646331"/>
-          </a:xfrm>
-          <a:prstGeom prst="rect">
-            <a:avLst/>
-          </a:prstGeom>
-        </p:spPr>
-        <p:txBody>
-          <a:bodyPr>
-            <a:spAutoFit/>
-          </a:bodyPr>
-          <a:lstStyle/>
-          <a:p>
-            <a:r>
-              <a:rPr lang="en" altLang="ko-KR" dirty="0">
-                <a:latin typeface="MalgunGothic"/>
-              </a:rPr>
-              <a:t>BIKE-2</a:t>
-            </a:r>
-            <a:r>
-              <a:rPr lang="ko-KR" altLang="en-US" dirty="0">
-                <a:latin typeface="MalgunGothic"/>
-              </a:rPr>
-              <a:t>의 </a:t>
-            </a:r>
-            <a:r>
-              <a:rPr lang="ko-KR" altLang="en-US" dirty="0" err="1">
-                <a:latin typeface="MalgunGothic"/>
-              </a:rPr>
-              <a:t>정적키</a:t>
-            </a:r>
-            <a:r>
-              <a:rPr lang="ko-KR" altLang="en-US" dirty="0">
-                <a:latin typeface="MalgunGothic"/>
-              </a:rPr>
-              <a:t> 선택을 더 추천한다고 함</a:t>
-            </a:r>
-            <a:r>
-              <a:rPr lang="en-US" altLang="ko-KR" dirty="0">
-                <a:latin typeface="MalgunGothic"/>
-              </a:rPr>
-              <a:t>. </a:t>
-            </a:r>
-            <a:br>
-              <a:rPr lang="en-US" altLang="ko-KR" dirty="0">
-                <a:latin typeface="MalgunGothic"/>
-              </a:rPr>
-            </a:br>
-            <a:r>
-              <a:rPr lang="ko-KR" altLang="en-US" dirty="0">
-                <a:latin typeface="MalgunGothic"/>
-              </a:rPr>
-              <a:t>그 이유는 사실 </a:t>
-            </a:r>
-            <a:r>
-              <a:rPr lang="en" altLang="ko-KR" dirty="0">
-                <a:latin typeface="MalgunGothic"/>
-              </a:rPr>
-              <a:t>Classic </a:t>
-            </a:r>
-            <a:r>
-              <a:rPr lang="en" altLang="ko-KR" dirty="0" err="1">
-                <a:latin typeface="MalgunGothic"/>
-              </a:rPr>
-              <a:t>McEliece</a:t>
-            </a:r>
-            <a:r>
-              <a:rPr lang="ko-KR" altLang="en-US" dirty="0">
-                <a:latin typeface="MalgunGothic"/>
-              </a:rPr>
-              <a:t>가 주장하는 이유와 같음</a:t>
-            </a:r>
-            <a:endParaRPr lang="ko-KR" altLang="en-US" dirty="0"/>
-          </a:p>
-        </p:txBody>
-      </p:sp>
-    </p:spTree>
-    <p:extLst>
-      <p:ext uri="{BB962C8B-B14F-4D97-AF65-F5344CB8AC3E}">
-        <p14:creationId xmlns:p14="http://schemas.microsoft.com/office/powerpoint/2010/main" val="4240069730"/>
-      </p:ext>
-    </p:extLst>
-  </p:cSld>
-  <p:clrMapOvr>
-    <a:masterClrMapping/>
-  </p:clrMapOvr>
-</p:sld>
-</file>
-
-<file path=ppt/slides/slide23.xml><?xml version="1.0" encoding="utf-8"?>
-<p:sld xmlns:a="http://schemas.openxmlformats.org/drawingml/2006/main" xmlns:r="http://schemas.openxmlformats.org/officeDocument/2006/relationships" xmlns:p="http://schemas.openxmlformats.org/presentationml/2006/main">
-  <p:cSld>
-    <p:spTree>
-      <p:nvGrpSpPr>
         <p:cNvPr id="1" name="Shape 415"/>
         <p:cNvGrpSpPr/>
         <p:nvPr/>
@@ -15363,7 +14404,7 @@
 </p:sld>
 </file>
 
-<file path=ppt/slides/slide24.xml><?xml version="1.0" encoding="utf-8"?>
+<file path=ppt/slides/slide21.xml><?xml version="1.0" encoding="utf-8"?>
 <p:sld xmlns:a="http://schemas.openxmlformats.org/drawingml/2006/main" xmlns:r="http://schemas.openxmlformats.org/officeDocument/2006/relationships" xmlns:p="http://schemas.openxmlformats.org/presentationml/2006/main">
   <p:cSld>
     <p:spTree>
@@ -15506,7 +14547,7 @@
 </p:sld>
 </file>
 
-<file path=ppt/slides/slide25.xml><?xml version="1.0" encoding="utf-8"?>
+<file path=ppt/slides/slide22.xml><?xml version="1.0" encoding="utf-8"?>
 <p:sld xmlns:a="http://schemas.openxmlformats.org/drawingml/2006/main" xmlns:r="http://schemas.openxmlformats.org/officeDocument/2006/relationships" xmlns:p="http://schemas.openxmlformats.org/presentationml/2006/main">
   <p:cSld>
     <p:spTree>
@@ -15911,7 +14952,7 @@
 </p:sld>
 </file>
 
-<file path=ppt/slides/slide26.xml><?xml version="1.0" encoding="utf-8"?>
+<file path=ppt/slides/slide23.xml><?xml version="1.0" encoding="utf-8"?>
 <p:sld xmlns:a="http://schemas.openxmlformats.org/drawingml/2006/main" xmlns:r="http://schemas.openxmlformats.org/officeDocument/2006/relationships" xmlns:p="http://schemas.openxmlformats.org/presentationml/2006/main">
   <p:cSld>
     <p:spTree>
@@ -16054,7 +15095,7 @@
 </p:sld>
 </file>
 
-<file path=ppt/slides/slide27.xml><?xml version="1.0" encoding="utf-8"?>
+<file path=ppt/slides/slide24.xml><?xml version="1.0" encoding="utf-8"?>
 <p:sld xmlns:a="http://schemas.openxmlformats.org/drawingml/2006/main" xmlns:r="http://schemas.openxmlformats.org/officeDocument/2006/relationships" xmlns:p="http://schemas.openxmlformats.org/presentationml/2006/main">
   <p:cSld>
     <p:spTree>
@@ -16223,7 +15264,7 @@
 </p:sld>
 </file>
 
-<file path=ppt/slides/slide28.xml><?xml version="1.0" encoding="utf-8"?>
+<file path=ppt/slides/slide25.xml><?xml version="1.0" encoding="utf-8"?>
 <p:sld xmlns:a="http://schemas.openxmlformats.org/drawingml/2006/main" xmlns:r="http://schemas.openxmlformats.org/officeDocument/2006/relationships" xmlns:p="http://schemas.openxmlformats.org/presentationml/2006/main">
   <p:cSld>
     <p:spTree>
@@ -16375,7 +15416,7 @@
 </p:sld>
 </file>
 
-<file path=ppt/slides/slide29.xml><?xml version="1.0" encoding="utf-8"?>
+<file path=ppt/slides/slide26.xml><?xml version="1.0" encoding="utf-8"?>
 <p:sld xmlns:a="http://schemas.openxmlformats.org/drawingml/2006/main" xmlns:r="http://schemas.openxmlformats.org/officeDocument/2006/relationships" xmlns:p="http://schemas.openxmlformats.org/presentationml/2006/main">
   <p:cSld>
     <p:spTree>
@@ -16517,6 +15558,1182 @@
     <p:extLst>
       <p:ext uri="{BB962C8B-B14F-4D97-AF65-F5344CB8AC3E}">
         <p14:creationId xmlns:p14="http://schemas.microsoft.com/office/powerpoint/2010/main" val="3500654243"/>
+      </p:ext>
+    </p:extLst>
+  </p:cSld>
+  <p:clrMapOvr>
+    <a:masterClrMapping/>
+  </p:clrMapOvr>
+</p:sld>
+</file>
+
+<file path=ppt/slides/slide27.xml><?xml version="1.0" encoding="utf-8"?>
+<p:sld xmlns:a="http://schemas.openxmlformats.org/drawingml/2006/main" xmlns:r="http://schemas.openxmlformats.org/officeDocument/2006/relationships" xmlns:p="http://schemas.openxmlformats.org/presentationml/2006/main">
+  <p:cSld>
+    <p:spTree>
+      <p:nvGrpSpPr>
+        <p:cNvPr id="1" name=""/>
+        <p:cNvGrpSpPr/>
+        <p:nvPr/>
+      </p:nvGrpSpPr>
+      <p:grpSpPr>
+        <a:xfrm>
+          <a:off x="0" y="0"/>
+          <a:ext cx="0" cy="0"/>
+          <a:chOff x="0" y="0"/>
+          <a:chExt cx="0" cy="0"/>
+        </a:xfrm>
+      </p:grpSpPr>
+      <p:sp>
+        <p:nvSpPr>
+          <p:cNvPr id="2" name="제목 1">
+            <a:extLst>
+              <a:ext uri="{FF2B5EF4-FFF2-40B4-BE49-F238E27FC236}">
+                <a16:creationId xmlns:a16="http://schemas.microsoft.com/office/drawing/2014/main" id="{AF7E9844-8E1A-BE4C-9BDC-4664ECC513D3}"/>
+              </a:ext>
+            </a:extLst>
+          </p:cNvPr>
+          <p:cNvSpPr>
+            <a:spLocks noGrp="1"/>
+          </p:cNvSpPr>
+          <p:nvPr>
+            <p:ph type="title"/>
+          </p:nvPr>
+        </p:nvSpPr>
+        <p:spPr/>
+        <p:txBody>
+          <a:bodyPr/>
+          <a:lstStyle/>
+          <a:p>
+            <a:r>
+              <a:rPr kumimoji="1" lang="ko-KR" altLang="en-US" dirty="0"/>
+              <a:t>결론</a:t>
+            </a:r>
+          </a:p>
+        </p:txBody>
+      </p:sp>
+      <p:sp>
+        <p:nvSpPr>
+          <p:cNvPr id="4" name="직사각형 3">
+            <a:extLst>
+              <a:ext uri="{FF2B5EF4-FFF2-40B4-BE49-F238E27FC236}">
+                <a16:creationId xmlns:a16="http://schemas.microsoft.com/office/drawing/2014/main" id="{38F5FDAE-3509-B042-9D1E-34B95EC5C1DD}"/>
+              </a:ext>
+            </a:extLst>
+          </p:cNvPr>
+          <p:cNvSpPr/>
+          <p:nvPr/>
+        </p:nvSpPr>
+        <p:spPr>
+          <a:xfrm>
+            <a:off x="280741" y="1278909"/>
+            <a:ext cx="11911259" cy="1585049"/>
+          </a:xfrm>
+          <a:prstGeom prst="rect">
+            <a:avLst/>
+          </a:prstGeom>
+        </p:spPr>
+        <p:txBody>
+          <a:bodyPr wrap="square">
+            <a:spAutoFit/>
+          </a:bodyPr>
+          <a:lstStyle/>
+          <a:p>
+            <a:pPr marL="380990" indent="-380990">
+              <a:buFont typeface="Arial" panose="020B0604020202020204" pitchFamily="34" charset="0"/>
+              <a:buChar char="•"/>
+            </a:pPr>
+            <a:r>
+              <a:rPr lang="ko-KR" altLang="en-US" sz="2000" b="1" dirty="0">
+                <a:latin typeface="MalgunGothic"/>
+              </a:rPr>
+              <a:t>어떤 코드를 사용하는가</a:t>
+            </a:r>
+            <a:r>
+              <a:rPr lang="en-US" altLang="ko-KR" sz="2000" b="1" dirty="0">
+                <a:latin typeface="MalgunGothic"/>
+              </a:rPr>
+              <a:t>?</a:t>
+            </a:r>
+          </a:p>
+          <a:p>
+            <a:pPr marL="380990" indent="-380990">
+              <a:buFont typeface="Arial" panose="020B0604020202020204" pitchFamily="34" charset="0"/>
+              <a:buChar char="•"/>
+            </a:pPr>
+            <a:endParaRPr lang="en-US" altLang="ko-KR" sz="1000" dirty="0">
+              <a:latin typeface="MalgunGothic"/>
+            </a:endParaRPr>
+          </a:p>
+          <a:p>
+            <a:endParaRPr lang="en-US" altLang="ko-KR" sz="300" dirty="0">
+              <a:latin typeface="MalgunGothic"/>
+            </a:endParaRPr>
+          </a:p>
+          <a:p>
+            <a:r>
+              <a:rPr lang="ko-KR" altLang="en-US" dirty="0">
+                <a:latin typeface="MalgunGothic"/>
+              </a:rPr>
+              <a:t>         </a:t>
+            </a:r>
+            <a:r>
+              <a:rPr lang="en-US" altLang="ko-KR" dirty="0">
+                <a:latin typeface="MalgunGothic"/>
+              </a:rPr>
+              <a:t>-</a:t>
+            </a:r>
+            <a:r>
+              <a:rPr lang="ko-KR" altLang="en-US" dirty="0">
+                <a:latin typeface="MalgunGothic"/>
+              </a:rPr>
+              <a:t> </a:t>
+            </a:r>
+            <a:r>
+              <a:rPr lang="en" altLang="ko-KR" b="1" dirty="0" err="1">
+                <a:latin typeface="MalgunGothic"/>
+              </a:rPr>
+              <a:t>Goppa</a:t>
+            </a:r>
+            <a:r>
+              <a:rPr lang="en" altLang="ko-KR" b="1" dirty="0">
+                <a:latin typeface="MalgunGothic"/>
+              </a:rPr>
+              <a:t> </a:t>
+            </a:r>
+            <a:r>
+              <a:rPr lang="ko-KR" altLang="en-US" b="1" dirty="0">
+                <a:latin typeface="MalgunGothic"/>
+              </a:rPr>
+              <a:t>코드</a:t>
+            </a:r>
+            <a:r>
+              <a:rPr lang="ko-KR" altLang="en-US" dirty="0">
+                <a:latin typeface="MalgunGothic"/>
+              </a:rPr>
+              <a:t> </a:t>
+            </a:r>
+            <a:r>
+              <a:rPr lang="en-US" altLang="ko-KR" dirty="0">
+                <a:latin typeface="MalgunGothic"/>
+              </a:rPr>
+              <a:t>:</a:t>
+            </a:r>
+            <a:r>
+              <a:rPr lang="ko-KR" altLang="en-US" dirty="0">
+                <a:latin typeface="MalgunGothic"/>
+              </a:rPr>
+              <a:t>  역사를 내세운 뛰어난 </a:t>
+            </a:r>
+            <a:r>
+              <a:rPr lang="ko-KR" altLang="en-US" dirty="0" err="1">
+                <a:latin typeface="MalgunGothic"/>
+              </a:rPr>
+              <a:t>보안성이</a:t>
+            </a:r>
+            <a:r>
+              <a:rPr lang="ko-KR" altLang="en-US" dirty="0">
+                <a:latin typeface="MalgunGothic"/>
+              </a:rPr>
+              <a:t> 강점</a:t>
+            </a:r>
+            <a:r>
+              <a:rPr lang="en-US" altLang="ko-KR" dirty="0">
+                <a:latin typeface="MalgunGothic"/>
+              </a:rPr>
+              <a:t>,</a:t>
+            </a:r>
+            <a:r>
+              <a:rPr lang="ko-KR" altLang="en-US" dirty="0">
+                <a:latin typeface="MalgunGothic"/>
+              </a:rPr>
+              <a:t> 하지만 효율성이 떨어짐</a:t>
+            </a:r>
+            <a:endParaRPr lang="en-US" altLang="ko-KR" dirty="0">
+              <a:latin typeface="MalgunGothic"/>
+            </a:endParaRPr>
+          </a:p>
+          <a:p>
+            <a:endParaRPr lang="en-US" altLang="ko-KR" sz="1000" dirty="0">
+              <a:latin typeface="MalgunGothic"/>
+            </a:endParaRPr>
+          </a:p>
+          <a:p>
+            <a:r>
+              <a:rPr lang="ko-KR" altLang="en-US" dirty="0">
+                <a:latin typeface="MalgunGothic"/>
+              </a:rPr>
+              <a:t>         </a:t>
+            </a:r>
+            <a:r>
+              <a:rPr lang="en-US" altLang="ko-KR" dirty="0">
+                <a:latin typeface="MalgunGothic"/>
+              </a:rPr>
+              <a:t>-</a:t>
+            </a:r>
+            <a:r>
+              <a:rPr lang="ko-KR" altLang="en-US" dirty="0">
+                <a:latin typeface="MalgunGothic"/>
+              </a:rPr>
+              <a:t> </a:t>
+            </a:r>
+            <a:r>
+              <a:rPr lang="en" altLang="ko-KR" b="1" dirty="0">
+                <a:latin typeface="MalgunGothic"/>
+              </a:rPr>
+              <a:t>QC </a:t>
+            </a:r>
+            <a:r>
+              <a:rPr lang="ko-KR" altLang="en-US" b="1" dirty="0">
+                <a:latin typeface="MalgunGothic"/>
+              </a:rPr>
+              <a:t>시리즈</a:t>
+            </a:r>
+            <a:r>
+              <a:rPr lang="en-US" altLang="ko-KR" b="1" dirty="0">
+                <a:latin typeface="MalgunGothic"/>
+              </a:rPr>
+              <a:t>, </a:t>
+            </a:r>
+            <a:r>
+              <a:rPr lang="en" altLang="ko-KR" b="1" dirty="0">
+                <a:latin typeface="MalgunGothic"/>
+              </a:rPr>
+              <a:t>MDPC, LDPC </a:t>
+            </a:r>
+            <a:r>
+              <a:rPr lang="ko-KR" altLang="en-US" b="1" dirty="0">
+                <a:latin typeface="MalgunGothic"/>
+              </a:rPr>
+              <a:t>등의 새로운 코드 </a:t>
+            </a:r>
+            <a:r>
+              <a:rPr lang="en-US" altLang="ko-KR" dirty="0">
+                <a:latin typeface="MalgunGothic"/>
+              </a:rPr>
+              <a:t>:</a:t>
+            </a:r>
+            <a:r>
+              <a:rPr lang="ko-KR" altLang="en-US" dirty="0">
+                <a:latin typeface="MalgunGothic"/>
+              </a:rPr>
+              <a:t> 성능이 </a:t>
+            </a:r>
+            <a:r>
+              <a:rPr lang="en" altLang="ko-KR" dirty="0" err="1">
+                <a:latin typeface="MalgunGothic"/>
+              </a:rPr>
+              <a:t>Goppa</a:t>
+            </a:r>
+            <a:r>
+              <a:rPr lang="en" altLang="ko-KR" dirty="0">
+                <a:latin typeface="MalgunGothic"/>
+              </a:rPr>
+              <a:t> </a:t>
+            </a:r>
+            <a:r>
+              <a:rPr lang="ko-KR" altLang="en-US" dirty="0">
+                <a:latin typeface="MalgunGothic"/>
+              </a:rPr>
+              <a:t>코드에 비해 비교적 높음</a:t>
+            </a:r>
+            <a:r>
+              <a:rPr lang="en-US" altLang="ko-KR" dirty="0">
+                <a:latin typeface="MalgunGothic"/>
+              </a:rPr>
+              <a:t>,</a:t>
+            </a:r>
+            <a:r>
+              <a:rPr lang="ko-KR" altLang="en-US" dirty="0">
+                <a:latin typeface="MalgunGothic"/>
+              </a:rPr>
+              <a:t> 하지만 검증된 </a:t>
+            </a:r>
+            <a:endParaRPr lang="en-US" altLang="ko-KR" dirty="0">
+              <a:latin typeface="MalgunGothic"/>
+            </a:endParaRPr>
+          </a:p>
+          <a:p>
+            <a:r>
+              <a:rPr lang="ko-KR" altLang="en-US" dirty="0">
+                <a:latin typeface="MalgunGothic"/>
+              </a:rPr>
+              <a:t>               기간이 길지 않기 때문에 지속적인 안전성 검증이 필요할 것 </a:t>
+            </a:r>
+            <a:endParaRPr lang="ko-KR" altLang="en-US" dirty="0"/>
+          </a:p>
+        </p:txBody>
+      </p:sp>
+      <p:sp>
+        <p:nvSpPr>
+          <p:cNvPr id="3" name="TextBox 2">
+            <a:extLst>
+              <a:ext uri="{FF2B5EF4-FFF2-40B4-BE49-F238E27FC236}">
+                <a16:creationId xmlns:a16="http://schemas.microsoft.com/office/drawing/2014/main" id="{B08FB707-C77E-4148-B917-337FD92421D7}"/>
+              </a:ext>
+            </a:extLst>
+          </p:cNvPr>
+          <p:cNvSpPr txBox="1"/>
+          <p:nvPr/>
+        </p:nvSpPr>
+        <p:spPr>
+          <a:xfrm>
+            <a:off x="411920" y="3030301"/>
+            <a:ext cx="11588168" cy="3323987"/>
+          </a:xfrm>
+          <a:prstGeom prst="rect">
+            <a:avLst/>
+          </a:prstGeom>
+          <a:noFill/>
+        </p:spPr>
+        <p:txBody>
+          <a:bodyPr wrap="square" rtlCol="0">
+            <a:spAutoFit/>
+          </a:bodyPr>
+          <a:lstStyle/>
+          <a:p>
+            <a:pPr marL="285750" indent="-285750">
+              <a:buFont typeface="Arial" panose="020B0604020202020204" pitchFamily="34" charset="0"/>
+              <a:buChar char="•"/>
+            </a:pPr>
+            <a:r>
+              <a:rPr lang="ko-KR" altLang="en-US" sz="2000" dirty="0"/>
+              <a:t>구현 환경에 따른 암호 적합성 평가</a:t>
+            </a:r>
+            <a:endParaRPr lang="en-US" altLang="ko-KR" sz="2000" dirty="0"/>
+          </a:p>
+          <a:p>
+            <a:pPr marL="285750" indent="-285750">
+              <a:buFont typeface="Arial" panose="020B0604020202020204" pitchFamily="34" charset="0"/>
+              <a:buChar char="•"/>
+            </a:pPr>
+            <a:endParaRPr lang="en-US" altLang="ko-KR" sz="1000" dirty="0"/>
+          </a:p>
+          <a:p>
+            <a:r>
+              <a:rPr lang="ko-KR" altLang="en-US" sz="2000" dirty="0"/>
+              <a:t>      </a:t>
+            </a:r>
+            <a:r>
+              <a:rPr lang="en-US" altLang="ko-KR" dirty="0"/>
+              <a:t>-</a:t>
+            </a:r>
+            <a:r>
+              <a:rPr lang="ko-KR" altLang="en-US" dirty="0"/>
+              <a:t> 각 코드기반암호의 성능평가를 고성능 </a:t>
+            </a:r>
+            <a:r>
+              <a:rPr lang="en" altLang="ko-KR" dirty="0"/>
+              <a:t>Intel </a:t>
+            </a:r>
+            <a:r>
+              <a:rPr lang="ko-KR" altLang="en-US" dirty="0"/>
+              <a:t>프로세서와 저전력 모바일 </a:t>
+            </a:r>
+            <a:r>
+              <a:rPr lang="en-US" altLang="ko-KR" dirty="0"/>
+              <a:t>ARM</a:t>
+            </a:r>
+            <a:r>
+              <a:rPr lang="ko-KR" altLang="en-US" dirty="0"/>
+              <a:t> 프로세서에서 수행</a:t>
+            </a:r>
+            <a:endParaRPr lang="en-US" altLang="ko-KR" dirty="0"/>
+          </a:p>
+          <a:p>
+            <a:endParaRPr lang="en-US" altLang="ko-KR" sz="1000" dirty="0"/>
+          </a:p>
+          <a:p>
+            <a:r>
+              <a:rPr lang="en-US" altLang="ko-KR" dirty="0"/>
+              <a:t> 	-</a:t>
+            </a:r>
+            <a:r>
+              <a:rPr lang="ko-KR" altLang="en-US" dirty="0"/>
+              <a:t> </a:t>
+            </a:r>
+            <a:r>
+              <a:rPr lang="en" altLang="ko-KR" b="1" dirty="0"/>
+              <a:t>Intel NUC </a:t>
+            </a:r>
+            <a:r>
+              <a:rPr lang="ko-KR" altLang="en-US" b="1" dirty="0"/>
+              <a:t>와 같은 고사양의 환경</a:t>
+            </a:r>
+            <a:r>
+              <a:rPr lang="ko-KR" altLang="en-US" dirty="0"/>
+              <a:t>에서는 디바이스의 메모리 공간이 여유롭기 때문에 </a:t>
+            </a:r>
+            <a:endParaRPr lang="en-US" altLang="ko-KR" dirty="0"/>
+          </a:p>
+          <a:p>
+            <a:r>
+              <a:rPr lang="en-US" altLang="ko-KR" dirty="0"/>
+              <a:t>	</a:t>
+            </a:r>
+            <a:r>
+              <a:rPr lang="ko-KR" altLang="en-US" dirty="0"/>
+              <a:t>  코드기반암호의 단점인 대규모의 큰 키를 수용할 수 있음</a:t>
+            </a:r>
+            <a:endParaRPr lang="en-US" altLang="ko-KR" dirty="0"/>
+          </a:p>
+          <a:p>
+            <a:endParaRPr lang="en-US" altLang="ko-KR" sz="1000" dirty="0"/>
+          </a:p>
+          <a:p>
+            <a:pPr marL="285750" indent="-285750">
+              <a:buFont typeface="Arial" panose="020B0604020202020204" pitchFamily="34" charset="0"/>
+              <a:buChar char="•"/>
+            </a:pPr>
+            <a:r>
+              <a:rPr lang="ko-KR" altLang="en-US" sz="2000" dirty="0"/>
+              <a:t>구현 시나리오 </a:t>
+            </a:r>
+            <a:r>
+              <a:rPr lang="en-US" altLang="ko-KR" sz="2000" dirty="0"/>
+              <a:t>:</a:t>
+            </a:r>
+            <a:r>
+              <a:rPr lang="ko-KR" altLang="en-US" sz="2000" dirty="0"/>
+              <a:t> </a:t>
+            </a:r>
+            <a:r>
+              <a:rPr lang="ko-KR" altLang="en-US" sz="2000" b="1" dirty="0"/>
+              <a:t>고성능 </a:t>
+            </a:r>
+            <a:r>
+              <a:rPr lang="en-US" altLang="ko-KR" sz="2000" b="1" dirty="0"/>
+              <a:t>Intel </a:t>
+            </a:r>
+            <a:r>
+              <a:rPr lang="ko-KR" altLang="en-US" sz="2000" b="1" dirty="0"/>
+              <a:t>프로세서</a:t>
+            </a:r>
+            <a:endParaRPr lang="en-US" altLang="ko-KR" sz="2000" b="1" dirty="0"/>
+          </a:p>
+          <a:p>
+            <a:pPr marL="285750" indent="-285750">
+              <a:buFont typeface="Arial" panose="020B0604020202020204" pitchFamily="34" charset="0"/>
+              <a:buChar char="•"/>
+            </a:pPr>
+            <a:endParaRPr lang="en-US" altLang="ko-KR" sz="1000" dirty="0"/>
+          </a:p>
+          <a:p>
+            <a:r>
+              <a:rPr lang="ko-KR" altLang="en-US" dirty="0"/>
+              <a:t>        </a:t>
+            </a:r>
+            <a:r>
+              <a:rPr lang="en-US" altLang="ko-KR" dirty="0"/>
+              <a:t>-</a:t>
+            </a:r>
+            <a:r>
+              <a:rPr lang="ko-KR" altLang="en-US" dirty="0"/>
+              <a:t> 우선 키 생성</a:t>
+            </a:r>
+            <a:r>
+              <a:rPr lang="en-US" altLang="ko-KR" dirty="0"/>
+              <a:t>, </a:t>
+            </a:r>
+            <a:r>
+              <a:rPr lang="ko-KR" altLang="en-US" dirty="0" err="1"/>
+              <a:t>배포비용에</a:t>
+            </a:r>
+            <a:r>
+              <a:rPr lang="ko-KR" altLang="en-US" dirty="0"/>
+              <a:t> 투자를 수행하고 나면 개인키</a:t>
+            </a:r>
+            <a:r>
+              <a:rPr lang="en-US" altLang="ko-KR" dirty="0"/>
+              <a:t>, </a:t>
+            </a:r>
+            <a:r>
+              <a:rPr lang="ko-KR" altLang="en-US" dirty="0"/>
+              <a:t>공개키 쌍은 오랜 기간 동안 배치될 수 있음</a:t>
+            </a:r>
+            <a:r>
+              <a:rPr lang="en-US" altLang="ko-KR" dirty="0"/>
+              <a:t>.</a:t>
+            </a:r>
+            <a:r>
+              <a:rPr lang="ko-KR" altLang="en-US" dirty="0"/>
+              <a:t> </a:t>
+            </a:r>
+            <a:endParaRPr lang="en-US" altLang="ko-KR" dirty="0"/>
+          </a:p>
+          <a:p>
+            <a:r>
+              <a:rPr lang="ko-KR" altLang="en-US" dirty="0"/>
+              <a:t>          따라서 코드기반암호 중 보수적인 </a:t>
+            </a:r>
+            <a:r>
+              <a:rPr lang="en" altLang="ko-KR" dirty="0" err="1"/>
+              <a:t>Goppa</a:t>
+            </a:r>
+            <a:r>
+              <a:rPr lang="en" altLang="ko-KR" dirty="0"/>
+              <a:t> </a:t>
+            </a:r>
+            <a:r>
+              <a:rPr lang="ko-KR" altLang="en-US" dirty="0"/>
+              <a:t>코드를 사용하여 키 생성 비용에 많은 투자가 필요하지만 </a:t>
+            </a:r>
+            <a:endParaRPr lang="en-US" altLang="ko-KR" dirty="0"/>
+          </a:p>
+          <a:p>
+            <a:r>
+              <a:rPr lang="ko-KR" altLang="en-US" dirty="0"/>
+              <a:t>          상대적으로 준수한 암</a:t>
+            </a:r>
+            <a:r>
+              <a:rPr lang="en-US" altLang="ko-KR" dirty="0"/>
+              <a:t>, </a:t>
+            </a:r>
+            <a:r>
+              <a:rPr lang="ko-KR" altLang="en-US" dirty="0" err="1"/>
+              <a:t>복호화</a:t>
+            </a:r>
+            <a:r>
+              <a:rPr lang="ko-KR" altLang="en-US" dirty="0"/>
+              <a:t> 성능을 가지고 있는 </a:t>
+            </a:r>
+            <a:r>
+              <a:rPr lang="en" altLang="ko-KR" dirty="0"/>
+              <a:t>Classic </a:t>
+            </a:r>
+            <a:r>
+              <a:rPr lang="en" altLang="ko-KR" dirty="0" err="1"/>
+              <a:t>McEliece</a:t>
+            </a:r>
+            <a:r>
+              <a:rPr lang="ko-KR" altLang="en-US" dirty="0"/>
+              <a:t>와 </a:t>
+            </a:r>
+            <a:r>
+              <a:rPr lang="en" altLang="ko-KR" dirty="0"/>
+              <a:t>NTS-KEM</a:t>
+            </a:r>
+            <a:r>
+              <a:rPr lang="ko-KR" altLang="en-US" dirty="0"/>
+              <a:t>이 적합해 보임</a:t>
+            </a:r>
+            <a:endParaRPr lang="ko-KR" altLang="en-US" sz="2000" dirty="0"/>
+          </a:p>
+          <a:p>
+            <a:r>
+              <a:rPr lang="ko-KR" altLang="en-US" sz="2000" dirty="0"/>
+              <a:t> </a:t>
+            </a:r>
+          </a:p>
+        </p:txBody>
+      </p:sp>
+    </p:spTree>
+    <p:extLst>
+      <p:ext uri="{BB962C8B-B14F-4D97-AF65-F5344CB8AC3E}">
+        <p14:creationId xmlns:p14="http://schemas.microsoft.com/office/powerpoint/2010/main" val="2643197494"/>
+      </p:ext>
+    </p:extLst>
+  </p:cSld>
+  <p:clrMapOvr>
+    <a:masterClrMapping/>
+  </p:clrMapOvr>
+</p:sld>
+</file>
+
+<file path=ppt/slides/slide28.xml><?xml version="1.0" encoding="utf-8"?>
+<p:sld xmlns:a="http://schemas.openxmlformats.org/drawingml/2006/main" xmlns:r="http://schemas.openxmlformats.org/officeDocument/2006/relationships" xmlns:p="http://schemas.openxmlformats.org/presentationml/2006/main">
+  <p:cSld>
+    <p:spTree>
+      <p:nvGrpSpPr>
+        <p:cNvPr id="1" name=""/>
+        <p:cNvGrpSpPr/>
+        <p:nvPr/>
+      </p:nvGrpSpPr>
+      <p:grpSpPr>
+        <a:xfrm>
+          <a:off x="0" y="0"/>
+          <a:ext cx="0" cy="0"/>
+          <a:chOff x="0" y="0"/>
+          <a:chExt cx="0" cy="0"/>
+        </a:xfrm>
+      </p:grpSpPr>
+      <p:sp>
+        <p:nvSpPr>
+          <p:cNvPr id="2" name="제목 1">
+            <a:extLst>
+              <a:ext uri="{FF2B5EF4-FFF2-40B4-BE49-F238E27FC236}">
+                <a16:creationId xmlns:a16="http://schemas.microsoft.com/office/drawing/2014/main" id="{256B3C64-00D6-1541-9926-D422C8CA9F00}"/>
+              </a:ext>
+            </a:extLst>
+          </p:cNvPr>
+          <p:cNvSpPr>
+            <a:spLocks noGrp="1"/>
+          </p:cNvSpPr>
+          <p:nvPr>
+            <p:ph type="title"/>
+          </p:nvPr>
+        </p:nvSpPr>
+        <p:spPr/>
+        <p:txBody>
+          <a:bodyPr/>
+          <a:lstStyle/>
+          <a:p>
+            <a:r>
+              <a:rPr kumimoji="1" lang="ko-KR" altLang="en-US" dirty="0"/>
+              <a:t>결론</a:t>
+            </a:r>
+          </a:p>
+        </p:txBody>
+      </p:sp>
+      <p:sp>
+        <p:nvSpPr>
+          <p:cNvPr id="5" name="직사각형 4">
+            <a:extLst>
+              <a:ext uri="{FF2B5EF4-FFF2-40B4-BE49-F238E27FC236}">
+                <a16:creationId xmlns:a16="http://schemas.microsoft.com/office/drawing/2014/main" id="{38A69CA4-CBCC-A343-9A51-6439C7D7EB96}"/>
+              </a:ext>
+            </a:extLst>
+          </p:cNvPr>
+          <p:cNvSpPr/>
+          <p:nvPr/>
+        </p:nvSpPr>
+        <p:spPr>
+          <a:xfrm>
+            <a:off x="411920" y="1212333"/>
+            <a:ext cx="11450571" cy="1461939"/>
+          </a:xfrm>
+          <a:prstGeom prst="rect">
+            <a:avLst/>
+          </a:prstGeom>
+        </p:spPr>
+        <p:txBody>
+          <a:bodyPr wrap="none">
+            <a:spAutoFit/>
+          </a:bodyPr>
+          <a:lstStyle/>
+          <a:p>
+            <a:pPr marL="285750" indent="-285750">
+              <a:buFont typeface="Arial" panose="020B0604020202020204" pitchFamily="34" charset="0"/>
+              <a:buChar char="•"/>
+            </a:pPr>
+            <a:r>
+              <a:rPr lang="ko-KR" altLang="en-US" sz="2000" b="1" dirty="0"/>
+              <a:t>저전력 </a:t>
+            </a:r>
+            <a:r>
+              <a:rPr lang="en-US" altLang="ko-KR" sz="2000" b="1" dirty="0"/>
+              <a:t>ARM </a:t>
+            </a:r>
+            <a:r>
+              <a:rPr lang="ko-KR" altLang="en-US" sz="2000" b="1" dirty="0"/>
+              <a:t>프로세서</a:t>
+            </a:r>
+            <a:endParaRPr lang="en-US" altLang="ko-KR" sz="2000" b="1" dirty="0"/>
+          </a:p>
+          <a:p>
+            <a:pPr marL="285750" indent="-285750">
+              <a:buFont typeface="Arial" panose="020B0604020202020204" pitchFamily="34" charset="0"/>
+              <a:buChar char="•"/>
+            </a:pPr>
+            <a:endParaRPr lang="en-US" altLang="ko-KR" sz="1000" dirty="0"/>
+          </a:p>
+          <a:p>
+            <a:pPr marL="742950" lvl="1" indent="-285750">
+              <a:buFontTx/>
+              <a:buChar char="-"/>
+            </a:pPr>
+            <a:r>
+              <a:rPr lang="ko-KR" altLang="en-US" dirty="0"/>
+              <a:t>성능평가 결과</a:t>
+            </a:r>
+            <a:r>
+              <a:rPr lang="en-US" altLang="ko-KR" dirty="0"/>
+              <a:t>, </a:t>
+            </a:r>
+            <a:r>
+              <a:rPr lang="en" altLang="ko-KR" dirty="0"/>
+              <a:t>ARM </a:t>
+            </a:r>
+            <a:r>
+              <a:rPr lang="ko-KR" altLang="en-US" dirty="0"/>
+              <a:t>프로세서 상에서 키 생성</a:t>
+            </a:r>
+            <a:r>
+              <a:rPr lang="en-US" altLang="ko-KR" dirty="0"/>
+              <a:t>, </a:t>
+            </a:r>
+            <a:r>
+              <a:rPr lang="ko-KR" altLang="en-US" dirty="0"/>
+              <a:t>암호화</a:t>
+            </a:r>
+            <a:r>
+              <a:rPr lang="en-US" altLang="ko-KR" dirty="0"/>
+              <a:t>/</a:t>
+            </a:r>
+            <a:r>
+              <a:rPr lang="ko-KR" altLang="en-US" dirty="0"/>
+              <a:t>복 호화 속도가 </a:t>
+            </a:r>
+            <a:r>
+              <a:rPr lang="en" altLang="ko-KR" dirty="0"/>
+              <a:t>Intel </a:t>
+            </a:r>
+            <a:r>
+              <a:rPr lang="ko-KR" altLang="en-US" dirty="0"/>
+              <a:t>프로세서보다 약 </a:t>
+            </a:r>
+            <a:r>
+              <a:rPr lang="en-US" altLang="ko-KR" dirty="0"/>
+              <a:t>10</a:t>
+            </a:r>
+            <a:r>
+              <a:rPr lang="ko-KR" altLang="en-US" dirty="0"/>
+              <a:t>배 느림</a:t>
+            </a:r>
+            <a:endParaRPr lang="en-US" altLang="ko-KR" dirty="0"/>
+          </a:p>
+          <a:p>
+            <a:pPr marL="742950" lvl="1" indent="-285750">
+              <a:buFontTx/>
+              <a:buChar char="-"/>
+            </a:pPr>
+            <a:endParaRPr lang="en-US" altLang="ko-KR" sz="500" dirty="0"/>
+          </a:p>
+          <a:p>
+            <a:pPr marL="1200150" lvl="2" indent="-285750">
+              <a:buFontTx/>
+              <a:buChar char="-"/>
+            </a:pPr>
+            <a:r>
+              <a:rPr lang="ko-KR" altLang="en-US" dirty="0"/>
+              <a:t>암호의 효율성이 떨어질수록 이 </a:t>
+            </a:r>
+            <a:r>
+              <a:rPr lang="en-US" altLang="ko-KR" dirty="0"/>
+              <a:t>10 </a:t>
+            </a:r>
+            <a:r>
+              <a:rPr lang="ko-KR" altLang="en-US" dirty="0"/>
+              <a:t>배의 수치는 더 큼</a:t>
+            </a:r>
+            <a:r>
+              <a:rPr lang="en-US" altLang="ko-KR" dirty="0"/>
+              <a:t>,</a:t>
+            </a:r>
+            <a:r>
+              <a:rPr lang="ko-KR" altLang="en-US" dirty="0"/>
+              <a:t> 때문에 저전력 환경 디바이스에 느린 속도의 </a:t>
+            </a:r>
+            <a:endParaRPr lang="en-US" altLang="ko-KR" dirty="0"/>
+          </a:p>
+          <a:p>
+            <a:pPr lvl="2"/>
+            <a:r>
+              <a:rPr lang="ko-KR" altLang="en-US" dirty="0"/>
+              <a:t>     암호를 탑재하기엔 무리가 있음</a:t>
+            </a:r>
+          </a:p>
+        </p:txBody>
+      </p:sp>
+      <p:sp>
+        <p:nvSpPr>
+          <p:cNvPr id="6" name="TextBox 5">
+            <a:extLst>
+              <a:ext uri="{FF2B5EF4-FFF2-40B4-BE49-F238E27FC236}">
+                <a16:creationId xmlns:a16="http://schemas.microsoft.com/office/drawing/2014/main" id="{DF1107FE-19FA-E74C-B764-A979A3828BD8}"/>
+              </a:ext>
+            </a:extLst>
+          </p:cNvPr>
+          <p:cNvSpPr txBox="1"/>
+          <p:nvPr/>
+        </p:nvSpPr>
+        <p:spPr>
+          <a:xfrm>
+            <a:off x="790222" y="2782669"/>
+            <a:ext cx="11418510" cy="1708160"/>
+          </a:xfrm>
+          <a:prstGeom prst="rect">
+            <a:avLst/>
+          </a:prstGeom>
+          <a:noFill/>
+        </p:spPr>
+        <p:txBody>
+          <a:bodyPr wrap="none" rtlCol="0">
+            <a:spAutoFit/>
+          </a:bodyPr>
+          <a:lstStyle/>
+          <a:p>
+            <a:r>
+              <a:rPr kumimoji="1" lang="en-US" altLang="ko-KR" dirty="0"/>
+              <a:t>-</a:t>
+            </a:r>
+            <a:r>
+              <a:rPr kumimoji="1" lang="ko-KR" altLang="en-US" dirty="0"/>
+              <a:t> </a:t>
+            </a:r>
+            <a:r>
+              <a:rPr lang="ko-KR" altLang="en-US" dirty="0"/>
+              <a:t>이렇게 제한된 상황에 어떤 암호가 </a:t>
+            </a:r>
+            <a:r>
+              <a:rPr lang="ko-KR" altLang="en-US" dirty="0" err="1"/>
+              <a:t>적합한지는</a:t>
+            </a:r>
+            <a:r>
+              <a:rPr lang="ko-KR" altLang="en-US" dirty="0"/>
+              <a:t> 통신과정에서 암호문을 얼마나 자주 교환 하느냐가 매우 중요 </a:t>
+            </a:r>
+            <a:endParaRPr kumimoji="1" lang="en-US" altLang="ko-KR" dirty="0"/>
+          </a:p>
+          <a:p>
+            <a:endParaRPr kumimoji="1" lang="en-US" altLang="ko-KR" sz="1000" dirty="0"/>
+          </a:p>
+          <a:p>
+            <a:r>
+              <a:rPr kumimoji="1" lang="ko-KR" altLang="en-US" dirty="0"/>
+              <a:t>         </a:t>
+            </a:r>
+            <a:r>
+              <a:rPr kumimoji="1" lang="en-US" altLang="ko-KR" dirty="0"/>
+              <a:t>-</a:t>
+            </a:r>
+            <a:r>
+              <a:rPr kumimoji="1" lang="ko-KR" altLang="en-US" dirty="0"/>
+              <a:t> </a:t>
+            </a:r>
+            <a:r>
+              <a:rPr lang="ko-KR" altLang="en-US" dirty="0"/>
+              <a:t>주기적으로 잦은 통신이 필요하다면 우선 느린 암</a:t>
+            </a:r>
+            <a:r>
+              <a:rPr lang="en-US" altLang="ko-KR" dirty="0"/>
+              <a:t>, </a:t>
+            </a:r>
+            <a:r>
+              <a:rPr lang="ko-KR" altLang="en-US" dirty="0" err="1"/>
+              <a:t>복호화</a:t>
+            </a:r>
+            <a:r>
+              <a:rPr lang="ko-KR" altLang="en-US" dirty="0"/>
+              <a:t> 속도를 가진 후보는 고려해 볼 수도 없음</a:t>
+            </a:r>
+            <a:endParaRPr lang="en-US" altLang="ko-KR" dirty="0"/>
+          </a:p>
+          <a:p>
+            <a:endParaRPr lang="en-US" altLang="ko-KR" sz="500" dirty="0"/>
+          </a:p>
+          <a:p>
+            <a:r>
+              <a:rPr lang="ko-KR" altLang="en-US" dirty="0"/>
+              <a:t>         </a:t>
+            </a:r>
+            <a:r>
+              <a:rPr lang="en-US" altLang="ko-KR" dirty="0"/>
+              <a:t>-</a:t>
+            </a:r>
+            <a:r>
+              <a:rPr lang="ko-KR" altLang="en-US" dirty="0"/>
+              <a:t> 저장 공간이 허용하는 선에서 안전하고 장기간 사용 가능한 키를 사용한 빠른 통신이 이상적 </a:t>
+            </a:r>
+            <a:endParaRPr lang="en-US" altLang="ko-KR" dirty="0"/>
+          </a:p>
+          <a:p>
+            <a:r>
+              <a:rPr lang="ko-KR" altLang="en-US" dirty="0"/>
+              <a:t>           하지만 여건이 충족되지 않는다면 </a:t>
+            </a:r>
+            <a:r>
+              <a:rPr lang="en" altLang="ko-KR" dirty="0"/>
+              <a:t>ROLLO</a:t>
+            </a:r>
+            <a:r>
+              <a:rPr lang="ko-KR" altLang="en-US" dirty="0"/>
+              <a:t>와 </a:t>
+            </a:r>
+            <a:r>
+              <a:rPr lang="en" altLang="ko-KR" dirty="0"/>
+              <a:t>RQC</a:t>
+            </a:r>
+            <a:r>
+              <a:rPr lang="ko-KR" altLang="en-US" dirty="0"/>
+              <a:t>와 같이 효율성을 중시한 코드기반암호가 최선일 것</a:t>
+            </a:r>
+          </a:p>
+          <a:p>
+            <a:endParaRPr lang="en-US" altLang="ko-KR" dirty="0"/>
+          </a:p>
+        </p:txBody>
+      </p:sp>
+      <p:sp>
+        <p:nvSpPr>
+          <p:cNvPr id="7" name="TextBox 6">
+            <a:extLst>
+              <a:ext uri="{FF2B5EF4-FFF2-40B4-BE49-F238E27FC236}">
+                <a16:creationId xmlns:a16="http://schemas.microsoft.com/office/drawing/2014/main" id="{390A731C-A1D4-C841-9B10-25AD9C74056F}"/>
+              </a:ext>
+            </a:extLst>
+          </p:cNvPr>
+          <p:cNvSpPr txBox="1"/>
+          <p:nvPr/>
+        </p:nvSpPr>
+        <p:spPr>
+          <a:xfrm>
+            <a:off x="530577" y="4620275"/>
+            <a:ext cx="11450571" cy="1200329"/>
+          </a:xfrm>
+          <a:prstGeom prst="rect">
+            <a:avLst/>
+          </a:prstGeom>
+          <a:noFill/>
+        </p:spPr>
+        <p:txBody>
+          <a:bodyPr wrap="square" rtlCol="0">
+            <a:spAutoFit/>
+          </a:bodyPr>
+          <a:lstStyle/>
+          <a:p>
+            <a:pPr marL="285750" indent="-285750">
+              <a:buFont typeface="Arial" panose="020B0604020202020204" pitchFamily="34" charset="0"/>
+              <a:buChar char="•"/>
+            </a:pPr>
+            <a:r>
+              <a:rPr lang="ko-KR" altLang="en-US" dirty="0"/>
+              <a:t>코드기반암호를 저전력 환경에서 사용하기 위해선 </a:t>
+            </a:r>
+            <a:r>
+              <a:rPr lang="en" altLang="ko-KR" dirty="0"/>
+              <a:t>QC</a:t>
+            </a:r>
+            <a:r>
+              <a:rPr lang="ko-KR" altLang="en-US" dirty="0"/>
+              <a:t>시리즈 코드가 새롭게 </a:t>
+            </a:r>
+            <a:r>
+              <a:rPr lang="ko-KR" altLang="en-US" dirty="0" err="1"/>
+              <a:t>등장하였듯</a:t>
+            </a:r>
+            <a:r>
+              <a:rPr lang="ko-KR" altLang="en-US" dirty="0"/>
+              <a:t> 더 많은 연구가 필요</a:t>
+            </a:r>
+            <a:r>
+              <a:rPr lang="en-US" altLang="ko-KR" dirty="0"/>
+              <a:t> </a:t>
+            </a:r>
+          </a:p>
+          <a:p>
+            <a:pPr marL="285750" indent="-285750">
+              <a:buFont typeface="Arial" panose="020B0604020202020204" pitchFamily="34" charset="0"/>
+              <a:buChar char="•"/>
+            </a:pPr>
+            <a:endParaRPr lang="en-US" altLang="ko-KR" dirty="0"/>
+          </a:p>
+          <a:p>
+            <a:pPr marL="285750" indent="-285750">
+              <a:buFont typeface="Arial" panose="020B0604020202020204" pitchFamily="34" charset="0"/>
+              <a:buChar char="•"/>
+            </a:pPr>
+            <a:r>
+              <a:rPr lang="ko-KR" altLang="en-US" dirty="0"/>
+              <a:t>혹은 코드기반암호가 아닌 보다 더 효율적인 다른 기법의 양자내성암호 선택도 고려해야 함</a:t>
+            </a:r>
+          </a:p>
+          <a:p>
+            <a:endParaRPr kumimoji="1" lang="ko-KR" altLang="en-US" dirty="0"/>
+          </a:p>
+        </p:txBody>
+      </p:sp>
+    </p:spTree>
+    <p:extLst>
+      <p:ext uri="{BB962C8B-B14F-4D97-AF65-F5344CB8AC3E}">
+        <p14:creationId xmlns:p14="http://schemas.microsoft.com/office/powerpoint/2010/main" val="3113494741"/>
+      </p:ext>
+    </p:extLst>
+  </p:cSld>
+  <p:clrMapOvr>
+    <a:masterClrMapping/>
+  </p:clrMapOvr>
+</p:sld>
+</file>
+
+<file path=ppt/slides/slide29.xml><?xml version="1.0" encoding="utf-8"?>
+<p:sld xmlns:a="http://schemas.openxmlformats.org/drawingml/2006/main" xmlns:r="http://schemas.openxmlformats.org/officeDocument/2006/relationships" xmlns:p="http://schemas.openxmlformats.org/presentationml/2006/main">
+  <p:cSld>
+    <p:spTree>
+      <p:nvGrpSpPr>
+        <p:cNvPr id="1" name=""/>
+        <p:cNvGrpSpPr/>
+        <p:nvPr/>
+      </p:nvGrpSpPr>
+      <p:grpSpPr>
+        <a:xfrm>
+          <a:off x="0" y="0"/>
+          <a:ext cx="0" cy="0"/>
+          <a:chOff x="0" y="0"/>
+          <a:chExt cx="0" cy="0"/>
+        </a:xfrm>
+      </p:grpSpPr>
+      <p:sp>
+        <p:nvSpPr>
+          <p:cNvPr id="2" name="제목 1">
+            <a:extLst>
+              <a:ext uri="{FF2B5EF4-FFF2-40B4-BE49-F238E27FC236}">
+                <a16:creationId xmlns:a16="http://schemas.microsoft.com/office/drawing/2014/main" id="{7A4067CE-6E44-C442-9765-4690D1E5CA5E}"/>
+              </a:ext>
+            </a:extLst>
+          </p:cNvPr>
+          <p:cNvSpPr>
+            <a:spLocks noGrp="1"/>
+          </p:cNvSpPr>
+          <p:nvPr>
+            <p:ph type="title"/>
+          </p:nvPr>
+        </p:nvSpPr>
+        <p:spPr/>
+        <p:txBody>
+          <a:bodyPr/>
+          <a:lstStyle/>
+          <a:p>
+            <a:r>
+              <a:rPr kumimoji="1" lang="ko-KR" altLang="en-US" dirty="0"/>
+              <a:t>결론</a:t>
+            </a:r>
+          </a:p>
+        </p:txBody>
+      </p:sp>
+      <p:sp>
+        <p:nvSpPr>
+          <p:cNvPr id="4" name="직사각형 3">
+            <a:extLst>
+              <a:ext uri="{FF2B5EF4-FFF2-40B4-BE49-F238E27FC236}">
+                <a16:creationId xmlns:a16="http://schemas.microsoft.com/office/drawing/2014/main" id="{CDB2B544-77DA-9542-BA24-D57828FC63AF}"/>
+              </a:ext>
+            </a:extLst>
+          </p:cNvPr>
+          <p:cNvSpPr/>
+          <p:nvPr/>
+        </p:nvSpPr>
+        <p:spPr>
+          <a:xfrm>
+            <a:off x="411921" y="1383564"/>
+            <a:ext cx="11368160" cy="2862322"/>
+          </a:xfrm>
+          <a:prstGeom prst="rect">
+            <a:avLst/>
+          </a:prstGeom>
+        </p:spPr>
+        <p:txBody>
+          <a:bodyPr wrap="square">
+            <a:spAutoFit/>
+          </a:bodyPr>
+          <a:lstStyle/>
+          <a:p>
+            <a:pPr marL="285750" indent="-285750">
+              <a:buFont typeface="Arial" panose="020B0604020202020204" pitchFamily="34" charset="0"/>
+              <a:buChar char="•"/>
+            </a:pPr>
+            <a:r>
+              <a:rPr lang="ko-KR" altLang="en-US" sz="2000" dirty="0"/>
+              <a:t>각 암호의 특성과 성능의 관계 에 대하여 분석해 본 결과</a:t>
+            </a:r>
+            <a:r>
+              <a:rPr lang="en-US" altLang="ko-KR" sz="2000" dirty="0"/>
+              <a:t>, </a:t>
+            </a:r>
+          </a:p>
+          <a:p>
+            <a:r>
+              <a:rPr lang="ko-KR" altLang="en-US" sz="2000" dirty="0"/>
+              <a:t>    이 두 가지 환경에서조차 사용되기 적합한 암호들이 구분되었음</a:t>
+            </a:r>
+            <a:endParaRPr lang="en-US" altLang="ko-KR" sz="2000" dirty="0"/>
+          </a:p>
+          <a:p>
+            <a:pPr marL="285750" indent="-285750">
+              <a:buFont typeface="Arial" panose="020B0604020202020204" pitchFamily="34" charset="0"/>
+              <a:buChar char="•"/>
+            </a:pPr>
+            <a:endParaRPr lang="en-US" altLang="ko-KR" sz="2000" dirty="0"/>
+          </a:p>
+          <a:p>
+            <a:pPr marL="285750" indent="-285750">
+              <a:buFont typeface="Arial" panose="020B0604020202020204" pitchFamily="34" charset="0"/>
+              <a:buChar char="•"/>
+            </a:pPr>
+            <a:r>
+              <a:rPr lang="ko-KR" altLang="en-US" sz="2000" dirty="0"/>
+              <a:t>하지만 실제로 더욱 다양한 환경의 디바이스가 존재하기 때문에 각 분야에 알맞은 </a:t>
+            </a:r>
+            <a:endParaRPr lang="en-US" altLang="ko-KR" sz="2000" dirty="0"/>
+          </a:p>
+          <a:p>
+            <a:r>
+              <a:rPr lang="ko-KR" altLang="en-US" sz="2000" dirty="0"/>
+              <a:t>    양자내성암호가 필요할 것</a:t>
+            </a:r>
+            <a:r>
+              <a:rPr lang="en-US" altLang="ko-KR" sz="2000" dirty="0"/>
+              <a:t> </a:t>
+            </a:r>
+            <a:r>
+              <a:rPr lang="ko-KR" altLang="en-US" sz="2000" dirty="0"/>
+              <a:t>따라서 이번 </a:t>
+            </a:r>
+            <a:r>
+              <a:rPr lang="en" altLang="ko-KR" sz="2000" dirty="0"/>
+              <a:t>NIST</a:t>
+            </a:r>
+            <a:r>
+              <a:rPr lang="ko-KR" altLang="en-US" sz="2000" dirty="0"/>
+              <a:t>의 표준 화 작업에선 하나가 아닌 여러가지의 </a:t>
+            </a:r>
+            <a:endParaRPr lang="en-US" altLang="ko-KR" sz="2000" dirty="0"/>
+          </a:p>
+          <a:p>
+            <a:r>
+              <a:rPr lang="ko-KR" altLang="en-US" sz="2000" dirty="0"/>
+              <a:t>    양자내성암호가 다양한 분야에서 각자의 특성에 맞게 표준화되어 활용될 것</a:t>
+            </a:r>
+            <a:endParaRPr lang="en-US" altLang="ko-KR" sz="2000" dirty="0"/>
+          </a:p>
+          <a:p>
+            <a:pPr marL="285750" indent="-285750">
+              <a:buFont typeface="Arial" panose="020B0604020202020204" pitchFamily="34" charset="0"/>
+              <a:buChar char="•"/>
+            </a:pPr>
+            <a:endParaRPr lang="en-US" altLang="ko-KR" sz="2000" dirty="0"/>
+          </a:p>
+          <a:p>
+            <a:pPr marL="285750" indent="-285750">
+              <a:buFont typeface="Arial" panose="020B0604020202020204" pitchFamily="34" charset="0"/>
+              <a:buChar char="•"/>
+            </a:pPr>
+            <a:r>
+              <a:rPr lang="ko-KR" altLang="en-US" sz="2000" dirty="0"/>
+              <a:t>우리는 다가오는 이 양자 후 시대를 위한 </a:t>
+            </a:r>
+            <a:r>
+              <a:rPr lang="en" altLang="ko-KR" sz="2000" dirty="0"/>
+              <a:t>NIST</a:t>
+            </a:r>
+            <a:r>
+              <a:rPr lang="ko-KR" altLang="en-US" sz="2000" dirty="0"/>
+              <a:t>의 표준화 작업에 관심을 갖고 지켜봐야 하며 </a:t>
+            </a:r>
+            <a:endParaRPr lang="en-US" altLang="ko-KR" sz="2000" dirty="0"/>
+          </a:p>
+          <a:p>
+            <a:r>
+              <a:rPr lang="ko-KR" altLang="en-US" sz="2000" dirty="0"/>
+              <a:t>    양자내성암호에 대한 지속적인 연구 또한 필요</a:t>
+            </a:r>
+          </a:p>
+        </p:txBody>
+      </p:sp>
+    </p:spTree>
+    <p:extLst>
+      <p:ext uri="{BB962C8B-B14F-4D97-AF65-F5344CB8AC3E}">
+        <p14:creationId xmlns:p14="http://schemas.microsoft.com/office/powerpoint/2010/main" val="1345183013"/>
       </p:ext>
     </p:extLst>
   </p:cSld>
@@ -16713,549 +16930,10 @@
           <a:chExt cx="0" cy="0"/>
         </a:xfrm>
       </p:grpSpPr>
-      <p:sp>
-        <p:nvSpPr>
-          <p:cNvPr id="2" name="제목 1">
-            <a:extLst>
-              <a:ext uri="{FF2B5EF4-FFF2-40B4-BE49-F238E27FC236}">
-                <a16:creationId xmlns:a16="http://schemas.microsoft.com/office/drawing/2014/main" id="{AF7E9844-8E1A-BE4C-9BDC-4664ECC513D3}"/>
-              </a:ext>
-            </a:extLst>
-          </p:cNvPr>
-          <p:cNvSpPr>
-            <a:spLocks noGrp="1"/>
-          </p:cNvSpPr>
-          <p:nvPr>
-            <p:ph type="title"/>
-          </p:nvPr>
-        </p:nvSpPr>
-        <p:spPr/>
-        <p:txBody>
-          <a:bodyPr/>
-          <a:lstStyle/>
-          <a:p>
-            <a:r>
-              <a:rPr kumimoji="1" lang="ko-KR" altLang="en-US" dirty="0"/>
-              <a:t>결론</a:t>
-            </a:r>
-          </a:p>
-        </p:txBody>
-      </p:sp>
-      <p:sp>
-        <p:nvSpPr>
-          <p:cNvPr id="4" name="직사각형 3">
-            <a:extLst>
-              <a:ext uri="{FF2B5EF4-FFF2-40B4-BE49-F238E27FC236}">
-                <a16:creationId xmlns:a16="http://schemas.microsoft.com/office/drawing/2014/main" id="{38F5FDAE-3509-B042-9D1E-34B95EC5C1DD}"/>
-              </a:ext>
-            </a:extLst>
-          </p:cNvPr>
-          <p:cNvSpPr/>
-          <p:nvPr/>
-        </p:nvSpPr>
-        <p:spPr>
-          <a:xfrm>
-            <a:off x="280741" y="1278909"/>
-            <a:ext cx="11911259" cy="1585049"/>
-          </a:xfrm>
-          <a:prstGeom prst="rect">
-            <a:avLst/>
-          </a:prstGeom>
-        </p:spPr>
-        <p:txBody>
-          <a:bodyPr wrap="square">
-            <a:spAutoFit/>
-          </a:bodyPr>
-          <a:lstStyle/>
-          <a:p>
-            <a:pPr marL="380990" indent="-380990">
-              <a:buFont typeface="Arial" panose="020B0604020202020204" pitchFamily="34" charset="0"/>
-              <a:buChar char="•"/>
-            </a:pPr>
-            <a:r>
-              <a:rPr lang="ko-KR" altLang="en-US" sz="2000" b="1" dirty="0">
-                <a:latin typeface="MalgunGothic"/>
-              </a:rPr>
-              <a:t>어떤 코드를 사용하는가</a:t>
-            </a:r>
-            <a:r>
-              <a:rPr lang="en-US" altLang="ko-KR" sz="2000" b="1" dirty="0">
-                <a:latin typeface="MalgunGothic"/>
-              </a:rPr>
-              <a:t>?</a:t>
-            </a:r>
-          </a:p>
-          <a:p>
-            <a:pPr marL="380990" indent="-380990">
-              <a:buFont typeface="Arial" panose="020B0604020202020204" pitchFamily="34" charset="0"/>
-              <a:buChar char="•"/>
-            </a:pPr>
-            <a:endParaRPr lang="en-US" altLang="ko-KR" sz="1000" dirty="0">
-              <a:latin typeface="MalgunGothic"/>
-            </a:endParaRPr>
-          </a:p>
-          <a:p>
-            <a:endParaRPr lang="en-US" altLang="ko-KR" sz="300" dirty="0">
-              <a:latin typeface="MalgunGothic"/>
-            </a:endParaRPr>
-          </a:p>
-          <a:p>
-            <a:r>
-              <a:rPr lang="ko-KR" altLang="en-US" dirty="0">
-                <a:latin typeface="MalgunGothic"/>
-              </a:rPr>
-              <a:t>         </a:t>
-            </a:r>
-            <a:r>
-              <a:rPr lang="en-US" altLang="ko-KR" dirty="0">
-                <a:latin typeface="MalgunGothic"/>
-              </a:rPr>
-              <a:t>-</a:t>
-            </a:r>
-            <a:r>
-              <a:rPr lang="ko-KR" altLang="en-US" dirty="0">
-                <a:latin typeface="MalgunGothic"/>
-              </a:rPr>
-              <a:t> </a:t>
-            </a:r>
-            <a:r>
-              <a:rPr lang="en" altLang="ko-KR" b="1" dirty="0" err="1">
-                <a:latin typeface="MalgunGothic"/>
-              </a:rPr>
-              <a:t>Goppa</a:t>
-            </a:r>
-            <a:r>
-              <a:rPr lang="en" altLang="ko-KR" b="1" dirty="0">
-                <a:latin typeface="MalgunGothic"/>
-              </a:rPr>
-              <a:t> </a:t>
-            </a:r>
-            <a:r>
-              <a:rPr lang="ko-KR" altLang="en-US" b="1" dirty="0">
-                <a:latin typeface="MalgunGothic"/>
-              </a:rPr>
-              <a:t>코드</a:t>
-            </a:r>
-            <a:r>
-              <a:rPr lang="ko-KR" altLang="en-US" dirty="0">
-                <a:latin typeface="MalgunGothic"/>
-              </a:rPr>
-              <a:t> </a:t>
-            </a:r>
-            <a:r>
-              <a:rPr lang="en-US" altLang="ko-KR" dirty="0">
-                <a:latin typeface="MalgunGothic"/>
-              </a:rPr>
-              <a:t>:</a:t>
-            </a:r>
-            <a:r>
-              <a:rPr lang="ko-KR" altLang="en-US" dirty="0">
-                <a:latin typeface="MalgunGothic"/>
-              </a:rPr>
-              <a:t>  역사를 내세운 뛰어난 </a:t>
-            </a:r>
-            <a:r>
-              <a:rPr lang="ko-KR" altLang="en-US" dirty="0" err="1">
-                <a:latin typeface="MalgunGothic"/>
-              </a:rPr>
-              <a:t>보안성이</a:t>
-            </a:r>
-            <a:r>
-              <a:rPr lang="ko-KR" altLang="en-US" dirty="0">
-                <a:latin typeface="MalgunGothic"/>
-              </a:rPr>
-              <a:t> 강점</a:t>
-            </a:r>
-            <a:r>
-              <a:rPr lang="en-US" altLang="ko-KR" dirty="0">
-                <a:latin typeface="MalgunGothic"/>
-              </a:rPr>
-              <a:t>,</a:t>
-            </a:r>
-            <a:r>
-              <a:rPr lang="ko-KR" altLang="en-US" dirty="0">
-                <a:latin typeface="MalgunGothic"/>
-              </a:rPr>
-              <a:t> 하지만 효율성이 떨어짐</a:t>
-            </a:r>
-            <a:endParaRPr lang="en-US" altLang="ko-KR" dirty="0">
-              <a:latin typeface="MalgunGothic"/>
-            </a:endParaRPr>
-          </a:p>
-          <a:p>
-            <a:endParaRPr lang="en-US" altLang="ko-KR" sz="1000" dirty="0">
-              <a:latin typeface="MalgunGothic"/>
-            </a:endParaRPr>
-          </a:p>
-          <a:p>
-            <a:r>
-              <a:rPr lang="ko-KR" altLang="en-US" dirty="0">
-                <a:latin typeface="MalgunGothic"/>
-              </a:rPr>
-              <a:t>         </a:t>
-            </a:r>
-            <a:r>
-              <a:rPr lang="en-US" altLang="ko-KR" dirty="0">
-                <a:latin typeface="MalgunGothic"/>
-              </a:rPr>
-              <a:t>-</a:t>
-            </a:r>
-            <a:r>
-              <a:rPr lang="ko-KR" altLang="en-US" dirty="0">
-                <a:latin typeface="MalgunGothic"/>
-              </a:rPr>
-              <a:t> </a:t>
-            </a:r>
-            <a:r>
-              <a:rPr lang="en" altLang="ko-KR" b="1" dirty="0">
-                <a:latin typeface="MalgunGothic"/>
-              </a:rPr>
-              <a:t>QC </a:t>
-            </a:r>
-            <a:r>
-              <a:rPr lang="ko-KR" altLang="en-US" b="1" dirty="0">
-                <a:latin typeface="MalgunGothic"/>
-              </a:rPr>
-              <a:t>시리즈</a:t>
-            </a:r>
-            <a:r>
-              <a:rPr lang="en-US" altLang="ko-KR" b="1" dirty="0">
-                <a:latin typeface="MalgunGothic"/>
-              </a:rPr>
-              <a:t>, </a:t>
-            </a:r>
-            <a:r>
-              <a:rPr lang="en" altLang="ko-KR" b="1" dirty="0">
-                <a:latin typeface="MalgunGothic"/>
-              </a:rPr>
-              <a:t>MDPC, LDPC </a:t>
-            </a:r>
-            <a:r>
-              <a:rPr lang="ko-KR" altLang="en-US" b="1" dirty="0">
-                <a:latin typeface="MalgunGothic"/>
-              </a:rPr>
-              <a:t>등의 새로운 코드 </a:t>
-            </a:r>
-            <a:r>
-              <a:rPr lang="en-US" altLang="ko-KR" dirty="0">
-                <a:latin typeface="MalgunGothic"/>
-              </a:rPr>
-              <a:t>:</a:t>
-            </a:r>
-            <a:r>
-              <a:rPr lang="ko-KR" altLang="en-US" dirty="0">
-                <a:latin typeface="MalgunGothic"/>
-              </a:rPr>
-              <a:t> 성능이 </a:t>
-            </a:r>
-            <a:r>
-              <a:rPr lang="en" altLang="ko-KR" dirty="0" err="1">
-                <a:latin typeface="MalgunGothic"/>
-              </a:rPr>
-              <a:t>Goppa</a:t>
-            </a:r>
-            <a:r>
-              <a:rPr lang="en" altLang="ko-KR" dirty="0">
-                <a:latin typeface="MalgunGothic"/>
-              </a:rPr>
-              <a:t> </a:t>
-            </a:r>
-            <a:r>
-              <a:rPr lang="ko-KR" altLang="en-US" dirty="0">
-                <a:latin typeface="MalgunGothic"/>
-              </a:rPr>
-              <a:t>코드에 비해 비교적 높음</a:t>
-            </a:r>
-            <a:r>
-              <a:rPr lang="en-US" altLang="ko-KR" dirty="0">
-                <a:latin typeface="MalgunGothic"/>
-              </a:rPr>
-              <a:t>,</a:t>
-            </a:r>
-            <a:r>
-              <a:rPr lang="ko-KR" altLang="en-US" dirty="0">
-                <a:latin typeface="MalgunGothic"/>
-              </a:rPr>
-              <a:t> 하지만 검증된 </a:t>
-            </a:r>
-            <a:endParaRPr lang="en-US" altLang="ko-KR" dirty="0">
-              <a:latin typeface="MalgunGothic"/>
-            </a:endParaRPr>
-          </a:p>
-          <a:p>
-            <a:r>
-              <a:rPr lang="ko-KR" altLang="en-US" dirty="0">
-                <a:latin typeface="MalgunGothic"/>
-              </a:rPr>
-              <a:t>               기간이 길지 않기 때문에 지속적인 안전성 검증이 필요할 것 </a:t>
-            </a:r>
-            <a:endParaRPr lang="ko-KR" altLang="en-US" dirty="0"/>
-          </a:p>
-        </p:txBody>
-      </p:sp>
-      <p:sp>
-        <p:nvSpPr>
-          <p:cNvPr id="3" name="TextBox 2">
-            <a:extLst>
-              <a:ext uri="{FF2B5EF4-FFF2-40B4-BE49-F238E27FC236}">
-                <a16:creationId xmlns:a16="http://schemas.microsoft.com/office/drawing/2014/main" id="{B08FB707-C77E-4148-B917-337FD92421D7}"/>
-              </a:ext>
-            </a:extLst>
-          </p:cNvPr>
-          <p:cNvSpPr txBox="1"/>
-          <p:nvPr/>
-        </p:nvSpPr>
-        <p:spPr>
-          <a:xfrm>
-            <a:off x="411920" y="3030301"/>
-            <a:ext cx="11588168" cy="3323987"/>
-          </a:xfrm>
-          <a:prstGeom prst="rect">
-            <a:avLst/>
-          </a:prstGeom>
-          <a:noFill/>
-        </p:spPr>
-        <p:txBody>
-          <a:bodyPr wrap="square" rtlCol="0">
-            <a:spAutoFit/>
-          </a:bodyPr>
-          <a:lstStyle/>
-          <a:p>
-            <a:pPr marL="285750" indent="-285750">
-              <a:buFont typeface="Arial" panose="020B0604020202020204" pitchFamily="34" charset="0"/>
-              <a:buChar char="•"/>
-            </a:pPr>
-            <a:r>
-              <a:rPr lang="ko-KR" altLang="en-US" sz="2000" dirty="0"/>
-              <a:t>구현 환경에 따른 암호 적합성 평가</a:t>
-            </a:r>
-            <a:endParaRPr lang="en-US" altLang="ko-KR" sz="2000" dirty="0"/>
-          </a:p>
-          <a:p>
-            <a:pPr marL="285750" indent="-285750">
-              <a:buFont typeface="Arial" panose="020B0604020202020204" pitchFamily="34" charset="0"/>
-              <a:buChar char="•"/>
-            </a:pPr>
-            <a:endParaRPr lang="en-US" altLang="ko-KR" sz="1000" dirty="0"/>
-          </a:p>
-          <a:p>
-            <a:r>
-              <a:rPr lang="ko-KR" altLang="en-US" sz="2000" dirty="0"/>
-              <a:t>      </a:t>
-            </a:r>
-            <a:r>
-              <a:rPr lang="en-US" altLang="ko-KR" dirty="0"/>
-              <a:t>-</a:t>
-            </a:r>
-            <a:r>
-              <a:rPr lang="ko-KR" altLang="en-US" dirty="0"/>
-              <a:t> 각 코드기반암호의 성능평가를 고성능 </a:t>
-            </a:r>
-            <a:r>
-              <a:rPr lang="en" altLang="ko-KR" dirty="0"/>
-              <a:t>Intel </a:t>
-            </a:r>
-            <a:r>
-              <a:rPr lang="ko-KR" altLang="en-US" dirty="0"/>
-              <a:t>프로세서와 저전력 모바일 </a:t>
-            </a:r>
-            <a:r>
-              <a:rPr lang="en-US" altLang="ko-KR" dirty="0"/>
-              <a:t>ARM</a:t>
-            </a:r>
-            <a:r>
-              <a:rPr lang="ko-KR" altLang="en-US" dirty="0"/>
-              <a:t> 프로세서에서 수행</a:t>
-            </a:r>
-            <a:endParaRPr lang="en-US" altLang="ko-KR" dirty="0"/>
-          </a:p>
-          <a:p>
-            <a:endParaRPr lang="en-US" altLang="ko-KR" sz="1000" dirty="0"/>
-          </a:p>
-          <a:p>
-            <a:r>
-              <a:rPr lang="en-US" altLang="ko-KR" dirty="0"/>
-              <a:t> 	-</a:t>
-            </a:r>
-            <a:r>
-              <a:rPr lang="ko-KR" altLang="en-US" dirty="0"/>
-              <a:t> </a:t>
-            </a:r>
-            <a:r>
-              <a:rPr lang="en" altLang="ko-KR" b="1" dirty="0"/>
-              <a:t>Intel NUC </a:t>
-            </a:r>
-            <a:r>
-              <a:rPr lang="ko-KR" altLang="en-US" b="1" dirty="0"/>
-              <a:t>와 같은 고사양의 환경</a:t>
-            </a:r>
-            <a:r>
-              <a:rPr lang="ko-KR" altLang="en-US" dirty="0"/>
-              <a:t>에서는 디바이스의 메모리 공간이 여유롭기 때문에 </a:t>
-            </a:r>
-            <a:endParaRPr lang="en-US" altLang="ko-KR" dirty="0"/>
-          </a:p>
-          <a:p>
-            <a:r>
-              <a:rPr lang="en-US" altLang="ko-KR" dirty="0"/>
-              <a:t>	</a:t>
-            </a:r>
-            <a:r>
-              <a:rPr lang="ko-KR" altLang="en-US" dirty="0"/>
-              <a:t>  코드기반암호의 단점인 대규모의 큰 키를 수용할 수 있음</a:t>
-            </a:r>
-            <a:endParaRPr lang="en-US" altLang="ko-KR" dirty="0"/>
-          </a:p>
-          <a:p>
-            <a:endParaRPr lang="en-US" altLang="ko-KR" sz="1000" dirty="0"/>
-          </a:p>
-          <a:p>
-            <a:pPr marL="285750" indent="-285750">
-              <a:buFont typeface="Arial" panose="020B0604020202020204" pitchFamily="34" charset="0"/>
-              <a:buChar char="•"/>
-            </a:pPr>
-            <a:r>
-              <a:rPr lang="ko-KR" altLang="en-US" sz="2000" dirty="0"/>
-              <a:t>구현 시나리오 </a:t>
-            </a:r>
-            <a:r>
-              <a:rPr lang="en-US" altLang="ko-KR" sz="2000" dirty="0"/>
-              <a:t>:</a:t>
-            </a:r>
-            <a:r>
-              <a:rPr lang="ko-KR" altLang="en-US" sz="2000" dirty="0"/>
-              <a:t> 고성능 </a:t>
-            </a:r>
-            <a:r>
-              <a:rPr lang="en-US" altLang="ko-KR" sz="2000" dirty="0"/>
-              <a:t>Intel </a:t>
-            </a:r>
-            <a:r>
-              <a:rPr lang="ko-KR" altLang="en-US" sz="2000" dirty="0"/>
-              <a:t>프로세서</a:t>
-            </a:r>
-            <a:endParaRPr lang="en-US" altLang="ko-KR" sz="2000" dirty="0"/>
-          </a:p>
-          <a:p>
-            <a:pPr marL="285750" indent="-285750">
-              <a:buFont typeface="Arial" panose="020B0604020202020204" pitchFamily="34" charset="0"/>
-              <a:buChar char="•"/>
-            </a:pPr>
-            <a:endParaRPr lang="en-US" altLang="ko-KR" sz="1000" dirty="0"/>
-          </a:p>
-          <a:p>
-            <a:r>
-              <a:rPr lang="ko-KR" altLang="en-US" dirty="0"/>
-              <a:t>        </a:t>
-            </a:r>
-            <a:r>
-              <a:rPr lang="en-US" altLang="ko-KR" dirty="0"/>
-              <a:t>-</a:t>
-            </a:r>
-            <a:r>
-              <a:rPr lang="ko-KR" altLang="en-US" dirty="0"/>
-              <a:t> 우선 키 생성</a:t>
-            </a:r>
-            <a:r>
-              <a:rPr lang="en-US" altLang="ko-KR" dirty="0"/>
-              <a:t>, </a:t>
-            </a:r>
-            <a:r>
-              <a:rPr lang="ko-KR" altLang="en-US" dirty="0" err="1"/>
-              <a:t>배포비용에</a:t>
-            </a:r>
-            <a:r>
-              <a:rPr lang="ko-KR" altLang="en-US" dirty="0"/>
-              <a:t> 투자를 수행하고 나면 개인키</a:t>
-            </a:r>
-            <a:r>
-              <a:rPr lang="en-US" altLang="ko-KR" dirty="0"/>
-              <a:t>, </a:t>
-            </a:r>
-            <a:r>
-              <a:rPr lang="ko-KR" altLang="en-US" dirty="0"/>
-              <a:t>공개키 쌍은 오랜 기간 동안 배치될 수 있음</a:t>
-            </a:r>
-            <a:r>
-              <a:rPr lang="en-US" altLang="ko-KR" dirty="0"/>
-              <a:t>.</a:t>
-            </a:r>
-            <a:r>
-              <a:rPr lang="ko-KR" altLang="en-US" dirty="0"/>
-              <a:t> </a:t>
-            </a:r>
-            <a:endParaRPr lang="en-US" altLang="ko-KR" dirty="0"/>
-          </a:p>
-          <a:p>
-            <a:r>
-              <a:rPr lang="ko-KR" altLang="en-US" dirty="0"/>
-              <a:t>          따라서 코드기반암호 중 보수적인 </a:t>
-            </a:r>
-            <a:r>
-              <a:rPr lang="en" altLang="ko-KR" dirty="0" err="1"/>
-              <a:t>Goppa</a:t>
-            </a:r>
-            <a:r>
-              <a:rPr lang="en" altLang="ko-KR" dirty="0"/>
-              <a:t> </a:t>
-            </a:r>
-            <a:r>
-              <a:rPr lang="ko-KR" altLang="en-US" dirty="0"/>
-              <a:t>코드를 사용하여 키 생성 비용에 많은 투자가 필요하지만 </a:t>
-            </a:r>
-            <a:endParaRPr lang="en-US" altLang="ko-KR" dirty="0"/>
-          </a:p>
-          <a:p>
-            <a:r>
-              <a:rPr lang="ko-KR" altLang="en-US" dirty="0"/>
-              <a:t>          상대적으로 준수한 암</a:t>
-            </a:r>
-            <a:r>
-              <a:rPr lang="en-US" altLang="ko-KR" dirty="0"/>
-              <a:t>, </a:t>
-            </a:r>
-            <a:r>
-              <a:rPr lang="ko-KR" altLang="en-US" dirty="0" err="1"/>
-              <a:t>복호화</a:t>
-            </a:r>
-            <a:r>
-              <a:rPr lang="ko-KR" altLang="en-US" dirty="0"/>
-              <a:t> 성능을 가지고 있는 </a:t>
-            </a:r>
-            <a:r>
-              <a:rPr lang="en" altLang="ko-KR" dirty="0"/>
-              <a:t>Classic </a:t>
-            </a:r>
-            <a:r>
-              <a:rPr lang="en" altLang="ko-KR" dirty="0" err="1"/>
-              <a:t>McEliece</a:t>
-            </a:r>
-            <a:r>
-              <a:rPr lang="ko-KR" altLang="en-US" dirty="0"/>
-              <a:t>와 </a:t>
-            </a:r>
-            <a:r>
-              <a:rPr lang="en" altLang="ko-KR" dirty="0"/>
-              <a:t>NTS-KEM</a:t>
-            </a:r>
-            <a:r>
-              <a:rPr lang="ko-KR" altLang="en-US" dirty="0"/>
-              <a:t>이 적합해 보임</a:t>
-            </a:r>
-            <a:endParaRPr lang="ko-KR" altLang="en-US" sz="2000" dirty="0"/>
-          </a:p>
-          <a:p>
-            <a:r>
-              <a:rPr lang="ko-KR" altLang="en-US" sz="2000" dirty="0"/>
-              <a:t> </a:t>
-            </a:r>
-          </a:p>
-        </p:txBody>
-      </p:sp>
     </p:spTree>
     <p:extLst>
       <p:ext uri="{BB962C8B-B14F-4D97-AF65-F5344CB8AC3E}">
-        <p14:creationId xmlns:p14="http://schemas.microsoft.com/office/powerpoint/2010/main" val="2643197494"/>
+        <p14:creationId xmlns:p14="http://schemas.microsoft.com/office/powerpoint/2010/main" val="4034499981"/>
       </p:ext>
     </p:extLst>
   </p:cSld>
@@ -17266,609 +16944,6 @@
 </file>
 
 <file path=ppt/slides/slide31.xml><?xml version="1.0" encoding="utf-8"?>
-<p:sld xmlns:a="http://schemas.openxmlformats.org/drawingml/2006/main" xmlns:r="http://schemas.openxmlformats.org/officeDocument/2006/relationships" xmlns:p="http://schemas.openxmlformats.org/presentationml/2006/main">
-  <p:cSld>
-    <p:spTree>
-      <p:nvGrpSpPr>
-        <p:cNvPr id="1" name=""/>
-        <p:cNvGrpSpPr/>
-        <p:nvPr/>
-      </p:nvGrpSpPr>
-      <p:grpSpPr>
-        <a:xfrm>
-          <a:off x="0" y="0"/>
-          <a:ext cx="0" cy="0"/>
-          <a:chOff x="0" y="0"/>
-          <a:chExt cx="0" cy="0"/>
-        </a:xfrm>
-      </p:grpSpPr>
-      <p:sp>
-        <p:nvSpPr>
-          <p:cNvPr id="2" name="제목 1">
-            <a:extLst>
-              <a:ext uri="{FF2B5EF4-FFF2-40B4-BE49-F238E27FC236}">
-                <a16:creationId xmlns:a16="http://schemas.microsoft.com/office/drawing/2014/main" id="{256B3C64-00D6-1541-9926-D422C8CA9F00}"/>
-              </a:ext>
-            </a:extLst>
-          </p:cNvPr>
-          <p:cNvSpPr>
-            <a:spLocks noGrp="1"/>
-          </p:cNvSpPr>
-          <p:nvPr>
-            <p:ph type="title"/>
-          </p:nvPr>
-        </p:nvSpPr>
-        <p:spPr/>
-        <p:txBody>
-          <a:bodyPr/>
-          <a:lstStyle/>
-          <a:p>
-            <a:r>
-              <a:rPr kumimoji="1" lang="ko-KR" altLang="en-US" dirty="0"/>
-              <a:t>결론</a:t>
-            </a:r>
-          </a:p>
-        </p:txBody>
-      </p:sp>
-      <p:sp>
-        <p:nvSpPr>
-          <p:cNvPr id="5" name="직사각형 4">
-            <a:extLst>
-              <a:ext uri="{FF2B5EF4-FFF2-40B4-BE49-F238E27FC236}">
-                <a16:creationId xmlns:a16="http://schemas.microsoft.com/office/drawing/2014/main" id="{38A69CA4-CBCC-A343-9A51-6439C7D7EB96}"/>
-              </a:ext>
-            </a:extLst>
-          </p:cNvPr>
-          <p:cNvSpPr/>
-          <p:nvPr/>
-        </p:nvSpPr>
-        <p:spPr>
-          <a:xfrm>
-            <a:off x="411920" y="1212333"/>
-            <a:ext cx="11450571" cy="1461939"/>
-          </a:xfrm>
-          <a:prstGeom prst="rect">
-            <a:avLst/>
-          </a:prstGeom>
-        </p:spPr>
-        <p:txBody>
-          <a:bodyPr wrap="none">
-            <a:spAutoFit/>
-          </a:bodyPr>
-          <a:lstStyle/>
-          <a:p>
-            <a:pPr marL="285750" indent="-285750">
-              <a:buFont typeface="Arial" panose="020B0604020202020204" pitchFamily="34" charset="0"/>
-              <a:buChar char="•"/>
-            </a:pPr>
-            <a:r>
-              <a:rPr lang="ko-KR" altLang="en-US" sz="2000" b="1" dirty="0"/>
-              <a:t>저전력 </a:t>
-            </a:r>
-            <a:r>
-              <a:rPr lang="en-US" altLang="ko-KR" sz="2000" b="1" dirty="0"/>
-              <a:t>ARM </a:t>
-            </a:r>
-            <a:r>
-              <a:rPr lang="ko-KR" altLang="en-US" sz="2000" b="1" dirty="0"/>
-              <a:t>프로세서</a:t>
-            </a:r>
-            <a:endParaRPr lang="en-US" altLang="ko-KR" sz="2000" b="1" dirty="0"/>
-          </a:p>
-          <a:p>
-            <a:pPr marL="285750" indent="-285750">
-              <a:buFont typeface="Arial" panose="020B0604020202020204" pitchFamily="34" charset="0"/>
-              <a:buChar char="•"/>
-            </a:pPr>
-            <a:endParaRPr lang="en-US" altLang="ko-KR" sz="1000" dirty="0"/>
-          </a:p>
-          <a:p>
-            <a:pPr marL="742950" lvl="1" indent="-285750">
-              <a:buFontTx/>
-              <a:buChar char="-"/>
-            </a:pPr>
-            <a:r>
-              <a:rPr lang="ko-KR" altLang="en-US" dirty="0"/>
-              <a:t>성능평가 결과</a:t>
-            </a:r>
-            <a:r>
-              <a:rPr lang="en-US" altLang="ko-KR" dirty="0"/>
-              <a:t>, </a:t>
-            </a:r>
-            <a:r>
-              <a:rPr lang="en" altLang="ko-KR" dirty="0"/>
-              <a:t>ARM </a:t>
-            </a:r>
-            <a:r>
-              <a:rPr lang="ko-KR" altLang="en-US" dirty="0"/>
-              <a:t>프로세서 상에서 키 생성</a:t>
-            </a:r>
-            <a:r>
-              <a:rPr lang="en-US" altLang="ko-KR" dirty="0"/>
-              <a:t>, </a:t>
-            </a:r>
-            <a:r>
-              <a:rPr lang="ko-KR" altLang="en-US" dirty="0"/>
-              <a:t>암호화</a:t>
-            </a:r>
-            <a:r>
-              <a:rPr lang="en-US" altLang="ko-KR" dirty="0"/>
-              <a:t>/</a:t>
-            </a:r>
-            <a:r>
-              <a:rPr lang="ko-KR" altLang="en-US" dirty="0"/>
-              <a:t>복 호화 속도가 </a:t>
-            </a:r>
-            <a:r>
-              <a:rPr lang="en" altLang="ko-KR" dirty="0"/>
-              <a:t>Intel </a:t>
-            </a:r>
-            <a:r>
-              <a:rPr lang="ko-KR" altLang="en-US" dirty="0"/>
-              <a:t>프로세서보다 약 </a:t>
-            </a:r>
-            <a:r>
-              <a:rPr lang="en-US" altLang="ko-KR" dirty="0"/>
-              <a:t>10</a:t>
-            </a:r>
-            <a:r>
-              <a:rPr lang="ko-KR" altLang="en-US" dirty="0"/>
-              <a:t>배 느림</a:t>
-            </a:r>
-            <a:endParaRPr lang="en-US" altLang="ko-KR" dirty="0"/>
-          </a:p>
-          <a:p>
-            <a:pPr marL="742950" lvl="1" indent="-285750">
-              <a:buFontTx/>
-              <a:buChar char="-"/>
-            </a:pPr>
-            <a:endParaRPr lang="en-US" altLang="ko-KR" sz="500" dirty="0"/>
-          </a:p>
-          <a:p>
-            <a:pPr marL="1200150" lvl="2" indent="-285750">
-              <a:buFontTx/>
-              <a:buChar char="-"/>
-            </a:pPr>
-            <a:r>
-              <a:rPr lang="ko-KR" altLang="en-US" dirty="0"/>
-              <a:t>암호의 효율성이 떨어질수록 이 </a:t>
-            </a:r>
-            <a:r>
-              <a:rPr lang="en-US" altLang="ko-KR" dirty="0"/>
-              <a:t>10 </a:t>
-            </a:r>
-            <a:r>
-              <a:rPr lang="ko-KR" altLang="en-US" dirty="0"/>
-              <a:t>배의 수치는 더 큼</a:t>
-            </a:r>
-            <a:r>
-              <a:rPr lang="en-US" altLang="ko-KR" dirty="0"/>
-              <a:t>,</a:t>
-            </a:r>
-            <a:r>
-              <a:rPr lang="ko-KR" altLang="en-US" dirty="0"/>
-              <a:t> 때문에 저전력 환경 디바이스에 느린 속도의 </a:t>
-            </a:r>
-            <a:endParaRPr lang="en-US" altLang="ko-KR" dirty="0"/>
-          </a:p>
-          <a:p>
-            <a:pPr lvl="2"/>
-            <a:r>
-              <a:rPr lang="ko-KR" altLang="en-US" dirty="0"/>
-              <a:t>     암호를 탑재하기엔 무리가 있음</a:t>
-            </a:r>
-          </a:p>
-        </p:txBody>
-      </p:sp>
-      <p:sp>
-        <p:nvSpPr>
-          <p:cNvPr id="6" name="TextBox 5">
-            <a:extLst>
-              <a:ext uri="{FF2B5EF4-FFF2-40B4-BE49-F238E27FC236}">
-                <a16:creationId xmlns:a16="http://schemas.microsoft.com/office/drawing/2014/main" id="{DF1107FE-19FA-E74C-B764-A979A3828BD8}"/>
-              </a:ext>
-            </a:extLst>
-          </p:cNvPr>
-          <p:cNvSpPr txBox="1"/>
-          <p:nvPr/>
-        </p:nvSpPr>
-        <p:spPr>
-          <a:xfrm>
-            <a:off x="790222" y="2782669"/>
-            <a:ext cx="11418510" cy="1708160"/>
-          </a:xfrm>
-          <a:prstGeom prst="rect">
-            <a:avLst/>
-          </a:prstGeom>
-          <a:noFill/>
-        </p:spPr>
-        <p:txBody>
-          <a:bodyPr wrap="none" rtlCol="0">
-            <a:spAutoFit/>
-          </a:bodyPr>
-          <a:lstStyle/>
-          <a:p>
-            <a:r>
-              <a:rPr kumimoji="1" lang="en-US" altLang="ko-KR" dirty="0"/>
-              <a:t>-</a:t>
-            </a:r>
-            <a:r>
-              <a:rPr kumimoji="1" lang="ko-KR" altLang="en-US" dirty="0"/>
-              <a:t> </a:t>
-            </a:r>
-            <a:r>
-              <a:rPr lang="ko-KR" altLang="en-US" dirty="0"/>
-              <a:t>이렇게 제한된 상황에 어떤 암호가 </a:t>
-            </a:r>
-            <a:r>
-              <a:rPr lang="ko-KR" altLang="en-US" dirty="0" err="1"/>
-              <a:t>적합한지는</a:t>
-            </a:r>
-            <a:r>
-              <a:rPr lang="ko-KR" altLang="en-US" dirty="0"/>
-              <a:t> 통신과정에서 암호문을 얼마나 자주 교환 하느냐가 매우 중요 </a:t>
-            </a:r>
-            <a:endParaRPr kumimoji="1" lang="en-US" altLang="ko-KR" dirty="0"/>
-          </a:p>
-          <a:p>
-            <a:endParaRPr kumimoji="1" lang="en-US" altLang="ko-KR" sz="1000" dirty="0"/>
-          </a:p>
-          <a:p>
-            <a:r>
-              <a:rPr kumimoji="1" lang="ko-KR" altLang="en-US" dirty="0"/>
-              <a:t>         </a:t>
-            </a:r>
-            <a:r>
-              <a:rPr kumimoji="1" lang="en-US" altLang="ko-KR" dirty="0"/>
-              <a:t>-</a:t>
-            </a:r>
-            <a:r>
-              <a:rPr kumimoji="1" lang="ko-KR" altLang="en-US" dirty="0"/>
-              <a:t> </a:t>
-            </a:r>
-            <a:r>
-              <a:rPr lang="ko-KR" altLang="en-US" dirty="0"/>
-              <a:t>주기적으로 잦은 통신이 필요하다면 우선 느린 암</a:t>
-            </a:r>
-            <a:r>
-              <a:rPr lang="en-US" altLang="ko-KR" dirty="0"/>
-              <a:t>, </a:t>
-            </a:r>
-            <a:r>
-              <a:rPr lang="ko-KR" altLang="en-US" dirty="0" err="1"/>
-              <a:t>복호화</a:t>
-            </a:r>
-            <a:r>
-              <a:rPr lang="ko-KR" altLang="en-US" dirty="0"/>
-              <a:t> 속도를 가진 후보는 고려해 볼 수도 없음</a:t>
-            </a:r>
-            <a:endParaRPr lang="en-US" altLang="ko-KR" dirty="0"/>
-          </a:p>
-          <a:p>
-            <a:endParaRPr lang="en-US" altLang="ko-KR" sz="500" dirty="0"/>
-          </a:p>
-          <a:p>
-            <a:r>
-              <a:rPr lang="ko-KR" altLang="en-US" dirty="0"/>
-              <a:t>         </a:t>
-            </a:r>
-            <a:r>
-              <a:rPr lang="en-US" altLang="ko-KR" dirty="0"/>
-              <a:t>-</a:t>
-            </a:r>
-            <a:r>
-              <a:rPr lang="ko-KR" altLang="en-US" dirty="0"/>
-              <a:t> 저장 공간이 허용하는 선에서 안전하고 장기간 사용 가능한 키를 사용한 빠른 통신이 이상적 </a:t>
-            </a:r>
-            <a:endParaRPr lang="en-US" altLang="ko-KR" dirty="0"/>
-          </a:p>
-          <a:p>
-            <a:r>
-              <a:rPr lang="ko-KR" altLang="en-US" dirty="0"/>
-              <a:t>           하지만 여건이 충족되지 않는다면 </a:t>
-            </a:r>
-            <a:r>
-              <a:rPr lang="en" altLang="ko-KR" dirty="0"/>
-              <a:t>ROLLO</a:t>
-            </a:r>
-            <a:r>
-              <a:rPr lang="ko-KR" altLang="en-US" dirty="0"/>
-              <a:t>와 </a:t>
-            </a:r>
-            <a:r>
-              <a:rPr lang="en" altLang="ko-KR" dirty="0"/>
-              <a:t>RQC</a:t>
-            </a:r>
-            <a:r>
-              <a:rPr lang="ko-KR" altLang="en-US" dirty="0"/>
-              <a:t>와 같이 효율성을 중시한 코드기반암호가 최선일 것</a:t>
-            </a:r>
-          </a:p>
-          <a:p>
-            <a:endParaRPr lang="en-US" altLang="ko-KR" dirty="0"/>
-          </a:p>
-        </p:txBody>
-      </p:sp>
-      <p:sp>
-        <p:nvSpPr>
-          <p:cNvPr id="7" name="TextBox 6">
-            <a:extLst>
-              <a:ext uri="{FF2B5EF4-FFF2-40B4-BE49-F238E27FC236}">
-                <a16:creationId xmlns:a16="http://schemas.microsoft.com/office/drawing/2014/main" id="{390A731C-A1D4-C841-9B10-25AD9C74056F}"/>
-              </a:ext>
-            </a:extLst>
-          </p:cNvPr>
-          <p:cNvSpPr txBox="1"/>
-          <p:nvPr/>
-        </p:nvSpPr>
-        <p:spPr>
-          <a:xfrm>
-            <a:off x="530577" y="4620275"/>
-            <a:ext cx="11450571" cy="1200329"/>
-          </a:xfrm>
-          <a:prstGeom prst="rect">
-            <a:avLst/>
-          </a:prstGeom>
-          <a:noFill/>
-        </p:spPr>
-        <p:txBody>
-          <a:bodyPr wrap="square" rtlCol="0">
-            <a:spAutoFit/>
-          </a:bodyPr>
-          <a:lstStyle/>
-          <a:p>
-            <a:pPr marL="285750" indent="-285750">
-              <a:buFont typeface="Arial" panose="020B0604020202020204" pitchFamily="34" charset="0"/>
-              <a:buChar char="•"/>
-            </a:pPr>
-            <a:r>
-              <a:rPr lang="ko-KR" altLang="en-US" dirty="0"/>
-              <a:t>코드기반암호를 저전력 환경에서 사용하기 위해선 </a:t>
-            </a:r>
-            <a:r>
-              <a:rPr lang="en" altLang="ko-KR" dirty="0"/>
-              <a:t>QC</a:t>
-            </a:r>
-            <a:r>
-              <a:rPr lang="ko-KR" altLang="en-US" dirty="0"/>
-              <a:t>시리즈 코드가 새롭게 </a:t>
-            </a:r>
-            <a:r>
-              <a:rPr lang="ko-KR" altLang="en-US" dirty="0" err="1"/>
-              <a:t>등장하였듯</a:t>
-            </a:r>
-            <a:r>
-              <a:rPr lang="ko-KR" altLang="en-US" dirty="0"/>
-              <a:t> 더 많은 연구가 필요</a:t>
-            </a:r>
-            <a:r>
-              <a:rPr lang="en-US" altLang="ko-KR" dirty="0"/>
-              <a:t> </a:t>
-            </a:r>
-          </a:p>
-          <a:p>
-            <a:pPr marL="285750" indent="-285750">
-              <a:buFont typeface="Arial" panose="020B0604020202020204" pitchFamily="34" charset="0"/>
-              <a:buChar char="•"/>
-            </a:pPr>
-            <a:endParaRPr lang="en-US" altLang="ko-KR" dirty="0"/>
-          </a:p>
-          <a:p>
-            <a:pPr marL="285750" indent="-285750">
-              <a:buFont typeface="Arial" panose="020B0604020202020204" pitchFamily="34" charset="0"/>
-              <a:buChar char="•"/>
-            </a:pPr>
-            <a:r>
-              <a:rPr lang="ko-KR" altLang="en-US" dirty="0"/>
-              <a:t>혹은 코드기반암호가 아닌 보다 더 효율적인 다른 기법의 양자내성암호 선택도 고려해야 함</a:t>
-            </a:r>
-          </a:p>
-          <a:p>
-            <a:endParaRPr kumimoji="1" lang="ko-KR" altLang="en-US" dirty="0"/>
-          </a:p>
-        </p:txBody>
-      </p:sp>
-    </p:spTree>
-    <p:extLst>
-      <p:ext uri="{BB962C8B-B14F-4D97-AF65-F5344CB8AC3E}">
-        <p14:creationId xmlns:p14="http://schemas.microsoft.com/office/powerpoint/2010/main" val="3113494741"/>
-      </p:ext>
-    </p:extLst>
-  </p:cSld>
-  <p:clrMapOvr>
-    <a:masterClrMapping/>
-  </p:clrMapOvr>
-</p:sld>
-</file>
-
-<file path=ppt/slides/slide32.xml><?xml version="1.0" encoding="utf-8"?>
-<p:sld xmlns:a="http://schemas.openxmlformats.org/drawingml/2006/main" xmlns:r="http://schemas.openxmlformats.org/officeDocument/2006/relationships" xmlns:p="http://schemas.openxmlformats.org/presentationml/2006/main">
-  <p:cSld>
-    <p:spTree>
-      <p:nvGrpSpPr>
-        <p:cNvPr id="1" name=""/>
-        <p:cNvGrpSpPr/>
-        <p:nvPr/>
-      </p:nvGrpSpPr>
-      <p:grpSpPr>
-        <a:xfrm>
-          <a:off x="0" y="0"/>
-          <a:ext cx="0" cy="0"/>
-          <a:chOff x="0" y="0"/>
-          <a:chExt cx="0" cy="0"/>
-        </a:xfrm>
-      </p:grpSpPr>
-      <p:sp>
-        <p:nvSpPr>
-          <p:cNvPr id="2" name="제목 1">
-            <a:extLst>
-              <a:ext uri="{FF2B5EF4-FFF2-40B4-BE49-F238E27FC236}">
-                <a16:creationId xmlns:a16="http://schemas.microsoft.com/office/drawing/2014/main" id="{7A4067CE-6E44-C442-9765-4690D1E5CA5E}"/>
-              </a:ext>
-            </a:extLst>
-          </p:cNvPr>
-          <p:cNvSpPr>
-            <a:spLocks noGrp="1"/>
-          </p:cNvSpPr>
-          <p:nvPr>
-            <p:ph type="title"/>
-          </p:nvPr>
-        </p:nvSpPr>
-        <p:spPr/>
-        <p:txBody>
-          <a:bodyPr/>
-          <a:lstStyle/>
-          <a:p>
-            <a:r>
-              <a:rPr kumimoji="1" lang="ko-KR" altLang="en-US" dirty="0"/>
-              <a:t>결론</a:t>
-            </a:r>
-          </a:p>
-        </p:txBody>
-      </p:sp>
-      <p:sp>
-        <p:nvSpPr>
-          <p:cNvPr id="4" name="직사각형 3">
-            <a:extLst>
-              <a:ext uri="{FF2B5EF4-FFF2-40B4-BE49-F238E27FC236}">
-                <a16:creationId xmlns:a16="http://schemas.microsoft.com/office/drawing/2014/main" id="{CDB2B544-77DA-9542-BA24-D57828FC63AF}"/>
-              </a:ext>
-            </a:extLst>
-          </p:cNvPr>
-          <p:cNvSpPr/>
-          <p:nvPr/>
-        </p:nvSpPr>
-        <p:spPr>
-          <a:xfrm>
-            <a:off x="411921" y="1383564"/>
-            <a:ext cx="11368160" cy="2862322"/>
-          </a:xfrm>
-          <a:prstGeom prst="rect">
-            <a:avLst/>
-          </a:prstGeom>
-        </p:spPr>
-        <p:txBody>
-          <a:bodyPr wrap="square">
-            <a:spAutoFit/>
-          </a:bodyPr>
-          <a:lstStyle/>
-          <a:p>
-            <a:pPr marL="285750" indent="-285750">
-              <a:buFont typeface="Arial" panose="020B0604020202020204" pitchFamily="34" charset="0"/>
-              <a:buChar char="•"/>
-            </a:pPr>
-            <a:r>
-              <a:rPr lang="ko-KR" altLang="en-US" sz="2000" dirty="0"/>
-              <a:t>각 암호의 특성과 성능의 관계 에 대하여 분석해 본 결과</a:t>
-            </a:r>
-            <a:r>
-              <a:rPr lang="en-US" altLang="ko-KR" sz="2000" dirty="0"/>
-              <a:t>, </a:t>
-            </a:r>
-          </a:p>
-          <a:p>
-            <a:r>
-              <a:rPr lang="ko-KR" altLang="en-US" sz="2000" dirty="0"/>
-              <a:t>    이 두 가지 환경에서조차 사용되기 적합한 암호들이 구분되었음</a:t>
-            </a:r>
-            <a:endParaRPr lang="en-US" altLang="ko-KR" sz="2000" dirty="0"/>
-          </a:p>
-          <a:p>
-            <a:pPr marL="285750" indent="-285750">
-              <a:buFont typeface="Arial" panose="020B0604020202020204" pitchFamily="34" charset="0"/>
-              <a:buChar char="•"/>
-            </a:pPr>
-            <a:endParaRPr lang="en-US" altLang="ko-KR" sz="2000" dirty="0"/>
-          </a:p>
-          <a:p>
-            <a:pPr marL="285750" indent="-285750">
-              <a:buFont typeface="Arial" panose="020B0604020202020204" pitchFamily="34" charset="0"/>
-              <a:buChar char="•"/>
-            </a:pPr>
-            <a:r>
-              <a:rPr lang="ko-KR" altLang="en-US" sz="2000" dirty="0"/>
-              <a:t>하지만 실제로 더욱 다양한 환경의 디바이스가 존재하기 때문에 각 분야에 알맞은 </a:t>
-            </a:r>
-            <a:endParaRPr lang="en-US" altLang="ko-KR" sz="2000" dirty="0"/>
-          </a:p>
-          <a:p>
-            <a:r>
-              <a:rPr lang="ko-KR" altLang="en-US" sz="2000" dirty="0"/>
-              <a:t>    양자내성암호가 필요할 것</a:t>
-            </a:r>
-            <a:r>
-              <a:rPr lang="en-US" altLang="ko-KR" sz="2000" dirty="0"/>
-              <a:t> </a:t>
-            </a:r>
-            <a:r>
-              <a:rPr lang="ko-KR" altLang="en-US" sz="2000" dirty="0"/>
-              <a:t>따라서 이번 </a:t>
-            </a:r>
-            <a:r>
-              <a:rPr lang="en" altLang="ko-KR" sz="2000" dirty="0"/>
-              <a:t>NIST</a:t>
-            </a:r>
-            <a:r>
-              <a:rPr lang="ko-KR" altLang="en-US" sz="2000" dirty="0"/>
-              <a:t>의 표준 화 작업에선 하나가 아닌 여러가지의 </a:t>
-            </a:r>
-            <a:endParaRPr lang="en-US" altLang="ko-KR" sz="2000" dirty="0"/>
-          </a:p>
-          <a:p>
-            <a:r>
-              <a:rPr lang="ko-KR" altLang="en-US" sz="2000" dirty="0"/>
-              <a:t>    양자내성암호가 다양한 분야에서 각자의 특성에 맞게 표준화되어 활용될 것</a:t>
-            </a:r>
-            <a:endParaRPr lang="en-US" altLang="ko-KR" sz="2000" dirty="0"/>
-          </a:p>
-          <a:p>
-            <a:pPr marL="285750" indent="-285750">
-              <a:buFont typeface="Arial" panose="020B0604020202020204" pitchFamily="34" charset="0"/>
-              <a:buChar char="•"/>
-            </a:pPr>
-            <a:endParaRPr lang="en-US" altLang="ko-KR" sz="2000" dirty="0"/>
-          </a:p>
-          <a:p>
-            <a:pPr marL="285750" indent="-285750">
-              <a:buFont typeface="Arial" panose="020B0604020202020204" pitchFamily="34" charset="0"/>
-              <a:buChar char="•"/>
-            </a:pPr>
-            <a:r>
-              <a:rPr lang="ko-KR" altLang="en-US" sz="2000" dirty="0"/>
-              <a:t>우리는 다가오는 이 양자 후 시대를 위한 </a:t>
-            </a:r>
-            <a:r>
-              <a:rPr lang="en" altLang="ko-KR" sz="2000" dirty="0"/>
-              <a:t>NIST</a:t>
-            </a:r>
-            <a:r>
-              <a:rPr lang="ko-KR" altLang="en-US" sz="2000" dirty="0"/>
-              <a:t>의 표준화 작업에 관심을 갖고 지켜봐야 하며 </a:t>
-            </a:r>
-            <a:endParaRPr lang="en-US" altLang="ko-KR" sz="2000" dirty="0"/>
-          </a:p>
-          <a:p>
-            <a:r>
-              <a:rPr lang="ko-KR" altLang="en-US" sz="2000" dirty="0"/>
-              <a:t>    양자내성암호에 대한 지속적인 연구 또한 필요</a:t>
-            </a:r>
-          </a:p>
-        </p:txBody>
-      </p:sp>
-    </p:spTree>
-    <p:extLst>
-      <p:ext uri="{BB962C8B-B14F-4D97-AF65-F5344CB8AC3E}">
-        <p14:creationId xmlns:p14="http://schemas.microsoft.com/office/powerpoint/2010/main" val="1345183013"/>
-      </p:ext>
-    </p:extLst>
-  </p:cSld>
-  <p:clrMapOvr>
-    <a:masterClrMapping/>
-  </p:clrMapOvr>
-</p:sld>
-</file>
-
-<file path=ppt/slides/slide33.xml><?xml version="1.0" encoding="utf-8"?>
 <p:sld xmlns:a="http://schemas.openxmlformats.org/drawingml/2006/main" xmlns:r="http://schemas.openxmlformats.org/officeDocument/2006/relationships" xmlns:p="http://schemas.openxmlformats.org/presentationml/2006/main">
   <p:cSld>
     <p:spTree>
@@ -17899,13 +16974,15 @@
         </p:nvSpPr>
         <p:spPr>
           <a:xfrm>
-            <a:off x="4353791" y="4111896"/>
-            <a:ext cx="5870864" cy="861774"/>
+            <a:off x="3160568" y="2488836"/>
+            <a:ext cx="5870864" cy="923330"/>
           </a:xfrm>
           <a:prstGeom prst="rect">
             <a:avLst/>
           </a:prstGeom>
-          <a:noFill/>
+          <a:solidFill>
+            <a:schemeClr val="bg1"/>
+          </a:solidFill>
         </p:spPr>
         <p:txBody>
           <a:bodyPr wrap="square" rtlCol="0">
@@ -17913,8 +16990,9 @@
           </a:bodyPr>
           <a:lstStyle/>
           <a:p>
-            <a:r>
-              <a:rPr lang="ko-KR" altLang="en-US" sz="5000" b="1" dirty="0"/>
+            <a:pPr algn="ctr"/>
+            <a:r>
+              <a:rPr lang="ko-KR" altLang="en-US" sz="5400" dirty="0"/>
               <a:t>감사합니다</a:t>
             </a:r>
           </a:p>
@@ -17923,7 +17001,7 @@
     </p:spTree>
     <p:extLst>
       <p:ext uri="{BB962C8B-B14F-4D97-AF65-F5344CB8AC3E}">
-        <p14:creationId xmlns:p14="http://schemas.microsoft.com/office/powerpoint/2010/main" val="4034499981"/>
+        <p14:creationId xmlns:p14="http://schemas.microsoft.com/office/powerpoint/2010/main" val="1369339397"/>
       </p:ext>
     </p:extLst>
   </p:cSld>
@@ -17934,469 +17012,6 @@
 </file>
 
 <file path=ppt/slides/slide4.xml><?xml version="1.0" encoding="utf-8"?>
-<p:sld xmlns:a="http://schemas.openxmlformats.org/drawingml/2006/main" xmlns:r="http://schemas.openxmlformats.org/officeDocument/2006/relationships" xmlns:p="http://schemas.openxmlformats.org/presentationml/2006/main">
-  <p:cSld>
-    <p:spTree>
-      <p:nvGrpSpPr>
-        <p:cNvPr id="1" name=""/>
-        <p:cNvGrpSpPr/>
-        <p:nvPr/>
-      </p:nvGrpSpPr>
-      <p:grpSpPr>
-        <a:xfrm>
-          <a:off x="0" y="0"/>
-          <a:ext cx="0" cy="0"/>
-          <a:chOff x="0" y="0"/>
-          <a:chExt cx="0" cy="0"/>
-        </a:xfrm>
-      </p:grpSpPr>
-      <p:sp>
-        <p:nvSpPr>
-          <p:cNvPr id="2" name="제목 1"/>
-          <p:cNvSpPr>
-            <a:spLocks noGrp="1"/>
-          </p:cNvSpPr>
-          <p:nvPr>
-            <p:ph type="title"/>
-          </p:nvPr>
-        </p:nvSpPr>
-        <p:spPr/>
-        <p:txBody>
-          <a:bodyPr>
-            <a:normAutofit/>
-          </a:bodyPr>
-          <a:lstStyle/>
-          <a:p>
-            <a:r>
-              <a:rPr lang="ko-KR" altLang="en-US" sz="3000" dirty="0"/>
-              <a:t> 양자 컴퓨터</a:t>
-            </a:r>
-          </a:p>
-        </p:txBody>
-      </p:sp>
-      <p:sp>
-        <p:nvSpPr>
-          <p:cNvPr id="3" name="TextBox 2">
-            <a:extLst>
-              <a:ext uri="{FF2B5EF4-FFF2-40B4-BE49-F238E27FC236}">
-                <a16:creationId xmlns:a16="http://schemas.microsoft.com/office/drawing/2014/main" id="{F4F6CE13-665F-46AF-8516-D572F8163F2F}"/>
-              </a:ext>
-            </a:extLst>
-          </p:cNvPr>
-          <p:cNvSpPr txBox="1"/>
-          <p:nvPr/>
-        </p:nvSpPr>
-        <p:spPr>
-          <a:xfrm>
-            <a:off x="505439" y="1577048"/>
-            <a:ext cx="4436919" cy="430887"/>
-          </a:xfrm>
-          <a:prstGeom prst="rect">
-            <a:avLst/>
-          </a:prstGeom>
-          <a:noFill/>
-        </p:spPr>
-        <p:txBody>
-          <a:bodyPr wrap="square" rtlCol="0">
-            <a:spAutoFit/>
-          </a:bodyPr>
-          <a:lstStyle/>
-          <a:p>
-            <a:r>
-              <a:rPr lang="ko-KR" altLang="en-US" sz="2200" b="1" dirty="0"/>
-              <a:t>양자 컴퓨터가 중요한 이유</a:t>
-            </a:r>
-          </a:p>
-        </p:txBody>
-      </p:sp>
-      <p:sp>
-        <p:nvSpPr>
-          <p:cNvPr id="6" name="TextBox 5">
-            <a:extLst>
-              <a:ext uri="{FF2B5EF4-FFF2-40B4-BE49-F238E27FC236}">
-                <a16:creationId xmlns:a16="http://schemas.microsoft.com/office/drawing/2014/main" id="{0AA6961E-333B-4C10-BD4D-F757C438805B}"/>
-              </a:ext>
-            </a:extLst>
-          </p:cNvPr>
-          <p:cNvSpPr txBox="1"/>
-          <p:nvPr/>
-        </p:nvSpPr>
-        <p:spPr>
-          <a:xfrm>
-            <a:off x="770657" y="2148343"/>
-            <a:ext cx="10754593" cy="707886"/>
-          </a:xfrm>
-          <a:prstGeom prst="rect">
-            <a:avLst/>
-          </a:prstGeom>
-          <a:noFill/>
-        </p:spPr>
-        <p:txBody>
-          <a:bodyPr wrap="square" rtlCol="0">
-            <a:spAutoFit/>
-          </a:bodyPr>
-          <a:lstStyle/>
-          <a:p>
-            <a:r>
-              <a:rPr lang="ko-KR" altLang="en-US" sz="2000" dirty="0"/>
-              <a:t>기존 컴퓨터에서 연산속도의 한계로 수행 불가능했던 </a:t>
-            </a:r>
-            <a:endParaRPr lang="en-US" altLang="ko-KR" sz="2000" dirty="0"/>
-          </a:p>
-          <a:p>
-            <a:r>
-              <a:rPr lang="ko-KR" altLang="en-US" sz="2000" dirty="0"/>
-              <a:t>문제에 대하여</a:t>
-            </a:r>
-            <a:r>
-              <a:rPr lang="en-US" altLang="ko-KR" sz="2000" dirty="0"/>
-              <a:t> </a:t>
-            </a:r>
-            <a:r>
-              <a:rPr lang="ko-KR" altLang="en-US" sz="2000" dirty="0"/>
-              <a:t>뛰어난 해결능력을 가지고 있다</a:t>
-            </a:r>
-            <a:r>
-              <a:rPr lang="en-US" altLang="ko-KR" sz="2000" dirty="0"/>
-              <a:t>.</a:t>
-            </a:r>
-            <a:endParaRPr lang="ko-KR" altLang="en-US" sz="2000" dirty="0"/>
-          </a:p>
-        </p:txBody>
-      </p:sp>
-      <p:sp>
-        <p:nvSpPr>
-          <p:cNvPr id="7" name="TextBox 6">
-            <a:extLst>
-              <a:ext uri="{FF2B5EF4-FFF2-40B4-BE49-F238E27FC236}">
-                <a16:creationId xmlns:a16="http://schemas.microsoft.com/office/drawing/2014/main" id="{03A617F9-D659-416F-AE0D-0A0F99145121}"/>
-              </a:ext>
-            </a:extLst>
-          </p:cNvPr>
-          <p:cNvSpPr txBox="1"/>
-          <p:nvPr/>
-        </p:nvSpPr>
-        <p:spPr>
-          <a:xfrm>
-            <a:off x="578175" y="3314701"/>
-            <a:ext cx="6924061" cy="430887"/>
-          </a:xfrm>
-          <a:prstGeom prst="rect">
-            <a:avLst/>
-          </a:prstGeom>
-          <a:noFill/>
-        </p:spPr>
-        <p:txBody>
-          <a:bodyPr wrap="square" rtlCol="0">
-            <a:spAutoFit/>
-          </a:bodyPr>
-          <a:lstStyle/>
-          <a:p>
-            <a:r>
-              <a:rPr lang="ko-KR" altLang="en-US" sz="2200" b="1" dirty="0"/>
-              <a:t>양자 컴퓨터가 끼친 영향</a:t>
-            </a:r>
-          </a:p>
-        </p:txBody>
-      </p:sp>
-      <p:sp>
-        <p:nvSpPr>
-          <p:cNvPr id="8" name="TextBox 7">
-            <a:extLst>
-              <a:ext uri="{FF2B5EF4-FFF2-40B4-BE49-F238E27FC236}">
-                <a16:creationId xmlns:a16="http://schemas.microsoft.com/office/drawing/2014/main" id="{30A1109B-4132-4087-869D-60E8F9E22AB5}"/>
-              </a:ext>
-            </a:extLst>
-          </p:cNvPr>
-          <p:cNvSpPr txBox="1"/>
-          <p:nvPr/>
-        </p:nvSpPr>
-        <p:spPr>
-          <a:xfrm>
-            <a:off x="801830" y="3850117"/>
-            <a:ext cx="10642023" cy="707886"/>
-          </a:xfrm>
-          <a:prstGeom prst="rect">
-            <a:avLst/>
-          </a:prstGeom>
-          <a:noFill/>
-        </p:spPr>
-        <p:txBody>
-          <a:bodyPr wrap="square" rtlCol="0">
-            <a:spAutoFit/>
-          </a:bodyPr>
-          <a:lstStyle/>
-          <a:p>
-            <a:r>
-              <a:rPr lang="ko-KR" altLang="en-US" sz="2000" dirty="0"/>
-              <a:t>현재 사용되는 수학적 난제에 기반한 암호시스템들은 기존 컴퓨터가 풀어내기 매우 어렵다</a:t>
-            </a:r>
-            <a:r>
-              <a:rPr lang="en-US" altLang="ko-KR" sz="2000" dirty="0"/>
-              <a:t>. </a:t>
-            </a:r>
-            <a:r>
-              <a:rPr lang="ko-KR" altLang="en-US" sz="2000" dirty="0"/>
-              <a:t>하지만 양자 컴퓨터가 등장한다면  빠른 시간안에 풀어낼 수 있다</a:t>
-            </a:r>
-            <a:r>
-              <a:rPr lang="en-US" altLang="ko-KR" sz="2000" dirty="0"/>
-              <a:t>.</a:t>
-            </a:r>
-          </a:p>
-        </p:txBody>
-      </p:sp>
-      <p:grpSp>
-        <p:nvGrpSpPr>
-          <p:cNvPr id="14" name="그룹 13">
-            <a:extLst>
-              <a:ext uri="{FF2B5EF4-FFF2-40B4-BE49-F238E27FC236}">
-                <a16:creationId xmlns:a16="http://schemas.microsoft.com/office/drawing/2014/main" id="{812EAA98-E4ED-49B3-9192-A3818199B206}"/>
-              </a:ext>
-            </a:extLst>
-          </p:cNvPr>
-          <p:cNvGrpSpPr/>
-          <p:nvPr/>
-        </p:nvGrpSpPr>
-        <p:grpSpPr>
-          <a:xfrm>
-            <a:off x="4208319" y="5045109"/>
-            <a:ext cx="3084117" cy="430887"/>
-            <a:chOff x="4208319" y="5045109"/>
-            <a:chExt cx="3084117" cy="430887"/>
-          </a:xfrm>
-        </p:grpSpPr>
-        <p:sp>
-          <p:nvSpPr>
-            <p:cNvPr id="9" name="TextBox 8">
-              <a:extLst>
-                <a:ext uri="{FF2B5EF4-FFF2-40B4-BE49-F238E27FC236}">
-                  <a16:creationId xmlns:a16="http://schemas.microsoft.com/office/drawing/2014/main" id="{5ADFE88D-A34D-4F75-8FA9-6082D52F3A7C}"/>
-                </a:ext>
-              </a:extLst>
-            </p:cNvPr>
-            <p:cNvSpPr txBox="1"/>
-            <p:nvPr/>
-          </p:nvSpPr>
-          <p:spPr>
-            <a:xfrm>
-              <a:off x="4656609" y="5045109"/>
-              <a:ext cx="2533900" cy="430887"/>
-            </a:xfrm>
-            <a:prstGeom prst="rect">
-              <a:avLst/>
-            </a:prstGeom>
-            <a:noFill/>
-          </p:spPr>
-          <p:txBody>
-            <a:bodyPr wrap="square" rtlCol="0">
-              <a:spAutoFit/>
-            </a:bodyPr>
-            <a:lstStyle/>
-            <a:p>
-              <a:r>
-                <a:rPr lang="ko-KR" altLang="en-US" sz="2200" b="1" dirty="0"/>
-                <a:t>암호체계의 붕괴</a:t>
-              </a:r>
-            </a:p>
-          </p:txBody>
-        </p:sp>
-        <p:sp>
-          <p:nvSpPr>
-            <p:cNvPr id="12" name="곱하기 기호 11">
-              <a:extLst>
-                <a:ext uri="{FF2B5EF4-FFF2-40B4-BE49-F238E27FC236}">
-                  <a16:creationId xmlns:a16="http://schemas.microsoft.com/office/drawing/2014/main" id="{AAE1D429-029C-4BF2-B088-2B024EC1D472}"/>
-                </a:ext>
-              </a:extLst>
-            </p:cNvPr>
-            <p:cNvSpPr/>
-            <p:nvPr/>
-          </p:nvSpPr>
-          <p:spPr>
-            <a:xfrm>
-              <a:off x="4208319" y="5062745"/>
-              <a:ext cx="552200" cy="369332"/>
-            </a:xfrm>
-            <a:prstGeom prst="mathMultiply">
-              <a:avLst/>
-            </a:prstGeom>
-            <a:solidFill>
-              <a:srgbClr val="FF0000"/>
-            </a:solidFill>
-          </p:spPr>
-          <p:style>
-            <a:lnRef idx="2">
-              <a:schemeClr val="accent1">
-                <a:shade val="50000"/>
-              </a:schemeClr>
-            </a:lnRef>
-            <a:fillRef idx="1">
-              <a:schemeClr val="accent1"/>
-            </a:fillRef>
-            <a:effectRef idx="0">
-              <a:schemeClr val="accent1"/>
-            </a:effectRef>
-            <a:fontRef idx="minor">
-              <a:schemeClr val="lt1"/>
-            </a:fontRef>
-          </p:style>
-          <p:txBody>
-            <a:bodyPr rtlCol="0" anchor="ctr"/>
-            <a:lstStyle/>
-            <a:p>
-              <a:pPr algn="ctr"/>
-              <a:endParaRPr lang="ko-KR" altLang="en-US"/>
-            </a:p>
-          </p:txBody>
-        </p:sp>
-        <p:sp>
-          <p:nvSpPr>
-            <p:cNvPr id="13" name="곱하기 기호 12">
-              <a:extLst>
-                <a:ext uri="{FF2B5EF4-FFF2-40B4-BE49-F238E27FC236}">
-                  <a16:creationId xmlns:a16="http://schemas.microsoft.com/office/drawing/2014/main" id="{9C49F47F-756D-4545-834E-D1FC9847609B}"/>
-                </a:ext>
-              </a:extLst>
-            </p:cNvPr>
-            <p:cNvSpPr/>
-            <p:nvPr/>
-          </p:nvSpPr>
-          <p:spPr>
-            <a:xfrm>
-              <a:off x="6740236" y="5052355"/>
-              <a:ext cx="552200" cy="369332"/>
-            </a:xfrm>
-            <a:prstGeom prst="mathMultiply">
-              <a:avLst/>
-            </a:prstGeom>
-            <a:solidFill>
-              <a:srgbClr val="FF0000"/>
-            </a:solidFill>
-          </p:spPr>
-          <p:style>
-            <a:lnRef idx="2">
-              <a:schemeClr val="accent1">
-                <a:shade val="50000"/>
-              </a:schemeClr>
-            </a:lnRef>
-            <a:fillRef idx="1">
-              <a:schemeClr val="accent1"/>
-            </a:fillRef>
-            <a:effectRef idx="0">
-              <a:schemeClr val="accent1"/>
-            </a:effectRef>
-            <a:fontRef idx="minor">
-              <a:schemeClr val="lt1"/>
-            </a:fontRef>
-          </p:style>
-          <p:txBody>
-            <a:bodyPr rtlCol="0" anchor="ctr"/>
-            <a:lstStyle/>
-            <a:p>
-              <a:pPr algn="ctr"/>
-              <a:endParaRPr lang="ko-KR" altLang="en-US"/>
-            </a:p>
-          </p:txBody>
-        </p:sp>
-      </p:grpSp>
-    </p:spTree>
-    <p:extLst>
-      <p:ext uri="{BB962C8B-B14F-4D97-AF65-F5344CB8AC3E}">
-        <p14:creationId xmlns:p14="http://schemas.microsoft.com/office/powerpoint/2010/main" val="4030687276"/>
-      </p:ext>
-    </p:extLst>
-  </p:cSld>
-  <p:clrMapOvr>
-    <a:masterClrMapping/>
-  </p:clrMapOvr>
-  <p:timing>
-    <p:tnLst>
-      <p:par>
-        <p:cTn id="1" dur="indefinite" restart="never" nodeType="tmRoot">
-          <p:childTnLst>
-            <p:seq concurrent="1" nextAc="seek">
-              <p:cTn id="2" dur="indefinite" nodeType="mainSeq">
-                <p:childTnLst>
-                  <p:par>
-                    <p:cTn id="3" fill="hold">
-                      <p:stCondLst>
-                        <p:cond delay="indefinite"/>
-                      </p:stCondLst>
-                      <p:childTnLst>
-                        <p:par>
-                          <p:cTn id="4" fill="hold">
-                            <p:stCondLst>
-                              <p:cond delay="0"/>
-                            </p:stCondLst>
-                            <p:childTnLst>
-                              <p:par>
-                                <p:cTn id="5" presetID="10" presetClass="entr" presetSubtype="0" fill="hold" nodeType="clickEffect">
-                                  <p:stCondLst>
-                                    <p:cond delay="0"/>
-                                  </p:stCondLst>
-                                  <p:childTnLst>
-                                    <p:set>
-                                      <p:cBhvr>
-                                        <p:cTn id="6" dur="1" fill="hold">
-                                          <p:stCondLst>
-                                            <p:cond delay="0"/>
-                                          </p:stCondLst>
-                                        </p:cTn>
-                                        <p:tgtEl>
-                                          <p:spTgt spid="14"/>
-                                        </p:tgtEl>
-                                        <p:attrNameLst>
-                                          <p:attrName>style.visibility</p:attrName>
-                                        </p:attrNameLst>
-                                      </p:cBhvr>
-                                      <p:to>
-                                        <p:strVal val="visible"/>
-                                      </p:to>
-                                    </p:set>
-                                    <p:animEffect transition="in" filter="fade">
-                                      <p:cBhvr>
-                                        <p:cTn id="7" dur="500"/>
-                                        <p:tgtEl>
-                                          <p:spTgt spid="14"/>
-                                        </p:tgtEl>
-                                      </p:cBhvr>
-                                    </p:animEffect>
-                                  </p:childTnLst>
-                                </p:cTn>
-                              </p:par>
-                            </p:childTnLst>
-                          </p:cTn>
-                        </p:par>
-                      </p:childTnLst>
-                    </p:cTn>
-                  </p:par>
-                </p:childTnLst>
-              </p:cTn>
-              <p:prevCondLst>
-                <p:cond evt="onPrev" delay="0">
-                  <p:tgtEl>
-                    <p:sldTgt/>
-                  </p:tgtEl>
-                </p:cond>
-              </p:prevCondLst>
-              <p:nextCondLst>
-                <p:cond evt="onNext" delay="0">
-                  <p:tgtEl>
-                    <p:sldTgt/>
-                  </p:tgtEl>
-                </p:cond>
-              </p:nextCondLst>
-            </p:seq>
-          </p:childTnLst>
-        </p:cTn>
-      </p:par>
-    </p:tnLst>
-  </p:timing>
-</p:sld>
-</file>
-
-<file path=ppt/slides/slide5.xml><?xml version="1.0" encoding="utf-8"?>
 <p:sld xmlns:a="http://schemas.openxmlformats.org/drawingml/2006/main" xmlns:r="http://schemas.openxmlformats.org/officeDocument/2006/relationships" xmlns:p="http://schemas.openxmlformats.org/presentationml/2006/main">
   <p:cSld>
     <p:spTree>
@@ -18656,13 +17271,8 @@
           <a:p>
             <a:r>
               <a:rPr lang="ko-KR" altLang="en-US" dirty="0"/>
-              <a:t>확률로서 존재하는 것이 바로 </a:t>
-            </a:r>
-            <a:r>
-              <a:rPr lang="ko-KR" altLang="en-US" dirty="0" err="1"/>
-              <a:t>큐비트</a:t>
-            </a:r>
-            <a:endParaRPr lang="ko-KR" altLang="en-US" dirty="0"/>
+              <a:t>확률로서 존재</a:t>
+            </a:r>
           </a:p>
         </p:txBody>
       </p:sp>
@@ -18817,673 +17427,7 @@
 </p:sld>
 </file>
 
-<file path=ppt/slides/slide6.xml><?xml version="1.0" encoding="utf-8"?>
-<p:sld xmlns:a="http://schemas.openxmlformats.org/drawingml/2006/main" xmlns:r="http://schemas.openxmlformats.org/officeDocument/2006/relationships" xmlns:p="http://schemas.openxmlformats.org/presentationml/2006/main">
-  <p:cSld>
-    <p:spTree>
-      <p:nvGrpSpPr>
-        <p:cNvPr id="1" name=""/>
-        <p:cNvGrpSpPr/>
-        <p:nvPr/>
-      </p:nvGrpSpPr>
-      <p:grpSpPr>
-        <a:xfrm>
-          <a:off x="0" y="0"/>
-          <a:ext cx="0" cy="0"/>
-          <a:chOff x="0" y="0"/>
-          <a:chExt cx="0" cy="0"/>
-        </a:xfrm>
-      </p:grpSpPr>
-      <p:sp>
-        <p:nvSpPr>
-          <p:cNvPr id="2" name="제목 1"/>
-          <p:cNvSpPr>
-            <a:spLocks noGrp="1"/>
-          </p:cNvSpPr>
-          <p:nvPr>
-            <p:ph type="title"/>
-          </p:nvPr>
-        </p:nvSpPr>
-        <p:spPr/>
-        <p:txBody>
-          <a:bodyPr>
-            <a:normAutofit/>
-          </a:bodyPr>
-          <a:lstStyle/>
-          <a:p>
-            <a:r>
-              <a:rPr lang="ko-KR" altLang="en-US" sz="3000" dirty="0"/>
-              <a:t> 양자 컴퓨터 </a:t>
-            </a:r>
-            <a:r>
-              <a:rPr lang="en-US" altLang="ko-KR" sz="3000" dirty="0"/>
-              <a:t>: </a:t>
-            </a:r>
-            <a:r>
-              <a:rPr lang="ko-KR" altLang="en-US" sz="3000" dirty="0" err="1"/>
-              <a:t>큐비트</a:t>
-            </a:r>
-            <a:r>
-              <a:rPr lang="en-US" altLang="ko-KR" sz="3000" dirty="0"/>
-              <a:t> (Qubit)</a:t>
-            </a:r>
-            <a:endParaRPr lang="ko-KR" altLang="en-US" sz="3000" dirty="0"/>
-          </a:p>
-        </p:txBody>
-      </p:sp>
-      <p:grpSp>
-        <p:nvGrpSpPr>
-          <p:cNvPr id="4" name="그룹 3">
-            <a:extLst>
-              <a:ext uri="{FF2B5EF4-FFF2-40B4-BE49-F238E27FC236}">
-                <a16:creationId xmlns:a16="http://schemas.microsoft.com/office/drawing/2014/main" id="{8ABC1603-3A9D-4402-BF43-57EA9617CC61}"/>
-              </a:ext>
-            </a:extLst>
-          </p:cNvPr>
-          <p:cNvGrpSpPr/>
-          <p:nvPr/>
-        </p:nvGrpSpPr>
-        <p:grpSpPr>
-          <a:xfrm>
-            <a:off x="4565689" y="1783622"/>
-            <a:ext cx="5099135" cy="695774"/>
-            <a:chOff x="4724472" y="2373467"/>
-            <a:chExt cx="5099135" cy="695774"/>
-          </a:xfrm>
-        </p:grpSpPr>
-        <p:sp>
-          <p:nvSpPr>
-            <p:cNvPr id="12" name="TextBox 11">
-              <a:extLst>
-                <a:ext uri="{FF2B5EF4-FFF2-40B4-BE49-F238E27FC236}">
-                  <a16:creationId xmlns:a16="http://schemas.microsoft.com/office/drawing/2014/main" id="{CA50EC17-5BC0-491C-98AA-3DC6F91F1AB0}"/>
-                </a:ext>
-              </a:extLst>
-            </p:cNvPr>
-            <p:cNvSpPr txBox="1"/>
-            <p:nvPr/>
-          </p:nvSpPr>
-          <p:spPr>
-            <a:xfrm>
-              <a:off x="4724472" y="2638354"/>
-              <a:ext cx="2119264" cy="430887"/>
-            </a:xfrm>
-            <a:prstGeom prst="rect">
-              <a:avLst/>
-            </a:prstGeom>
-            <a:noFill/>
-          </p:spPr>
-          <p:txBody>
-            <a:bodyPr wrap="square" rtlCol="0">
-              <a:spAutoFit/>
-            </a:bodyPr>
-            <a:lstStyle/>
-            <a:p>
-              <a:r>
-                <a:rPr lang="en-US" altLang="ko-KR" sz="2200" b="1" dirty="0"/>
-                <a:t>0 ? 1?</a:t>
-              </a:r>
-            </a:p>
-          </p:txBody>
-        </p:sp>
-        <p:sp>
-          <p:nvSpPr>
-            <p:cNvPr id="13" name="화살표: 오른쪽 12">
-              <a:extLst>
-                <a:ext uri="{FF2B5EF4-FFF2-40B4-BE49-F238E27FC236}">
-                  <a16:creationId xmlns:a16="http://schemas.microsoft.com/office/drawing/2014/main" id="{1DFE906C-1969-4626-9452-8FB69CEC67FE}"/>
-                </a:ext>
-              </a:extLst>
-            </p:cNvPr>
-            <p:cNvSpPr/>
-            <p:nvPr/>
-          </p:nvSpPr>
-          <p:spPr>
-            <a:xfrm>
-              <a:off x="6235463" y="2687697"/>
-              <a:ext cx="1137037" cy="351611"/>
-            </a:xfrm>
-            <a:prstGeom prst="rightArrow">
-              <a:avLst/>
-            </a:prstGeom>
-          </p:spPr>
-          <p:style>
-            <a:lnRef idx="2">
-              <a:schemeClr val="accent1">
-                <a:shade val="50000"/>
-              </a:schemeClr>
-            </a:lnRef>
-            <a:fillRef idx="1">
-              <a:schemeClr val="accent1"/>
-            </a:fillRef>
-            <a:effectRef idx="0">
-              <a:schemeClr val="accent1"/>
-            </a:effectRef>
-            <a:fontRef idx="minor">
-              <a:schemeClr val="lt1"/>
-            </a:fontRef>
-          </p:style>
-          <p:txBody>
-            <a:bodyPr rtlCol="0" anchor="ctr"/>
-            <a:lstStyle/>
-            <a:p>
-              <a:pPr algn="ctr"/>
-              <a:endParaRPr lang="ko-KR" altLang="en-US"/>
-            </a:p>
-          </p:txBody>
-        </p:sp>
-        <p:sp>
-          <p:nvSpPr>
-            <p:cNvPr id="14" name="TextBox 13">
-              <a:extLst>
-                <a:ext uri="{FF2B5EF4-FFF2-40B4-BE49-F238E27FC236}">
-                  <a16:creationId xmlns:a16="http://schemas.microsoft.com/office/drawing/2014/main" id="{ADD882FF-82AB-418B-BD11-F0632999F3A8}"/>
-                </a:ext>
-              </a:extLst>
-            </p:cNvPr>
-            <p:cNvSpPr txBox="1"/>
-            <p:nvPr/>
-          </p:nvSpPr>
-          <p:spPr>
-            <a:xfrm>
-              <a:off x="6440087" y="2373467"/>
-              <a:ext cx="2119264" cy="338554"/>
-            </a:xfrm>
-            <a:prstGeom prst="rect">
-              <a:avLst/>
-            </a:prstGeom>
-            <a:noFill/>
-          </p:spPr>
-          <p:txBody>
-            <a:bodyPr wrap="square" rtlCol="0">
-              <a:spAutoFit/>
-            </a:bodyPr>
-            <a:lstStyle/>
-            <a:p>
-              <a:r>
-                <a:rPr lang="ko-KR" altLang="en-US" sz="1600" b="1" dirty="0"/>
-                <a:t>관측</a:t>
-              </a:r>
-              <a:endParaRPr lang="en-US" altLang="ko-KR" sz="1600" b="1" dirty="0"/>
-            </a:p>
-          </p:txBody>
-        </p:sp>
-        <p:sp>
-          <p:nvSpPr>
-            <p:cNvPr id="15" name="TextBox 14">
-              <a:extLst>
-                <a:ext uri="{FF2B5EF4-FFF2-40B4-BE49-F238E27FC236}">
-                  <a16:creationId xmlns:a16="http://schemas.microsoft.com/office/drawing/2014/main" id="{7E7C9F46-FE2B-4CF0-BE49-27C195EE7924}"/>
-                </a:ext>
-              </a:extLst>
-            </p:cNvPr>
-            <p:cNvSpPr txBox="1"/>
-            <p:nvPr/>
-          </p:nvSpPr>
-          <p:spPr>
-            <a:xfrm>
-              <a:off x="7704343" y="2608421"/>
-              <a:ext cx="2119264" cy="430887"/>
-            </a:xfrm>
-            <a:prstGeom prst="rect">
-              <a:avLst/>
-            </a:prstGeom>
-            <a:noFill/>
-          </p:spPr>
-          <p:txBody>
-            <a:bodyPr wrap="square" rtlCol="0">
-              <a:spAutoFit/>
-            </a:bodyPr>
-            <a:lstStyle/>
-            <a:p>
-              <a:r>
-                <a:rPr lang="en-US" altLang="ko-KR" sz="2200" b="1" dirty="0"/>
-                <a:t>1!</a:t>
-              </a:r>
-            </a:p>
-          </p:txBody>
-        </p:sp>
-      </p:grpSp>
-      <p:sp>
-        <p:nvSpPr>
-          <p:cNvPr id="5" name="TextBox 4">
-            <a:extLst>
-              <a:ext uri="{FF2B5EF4-FFF2-40B4-BE49-F238E27FC236}">
-                <a16:creationId xmlns:a16="http://schemas.microsoft.com/office/drawing/2014/main" id="{D7FA4CA2-8A75-4D4D-87ED-F35855CBDAD0}"/>
-              </a:ext>
-            </a:extLst>
-          </p:cNvPr>
-          <p:cNvSpPr txBox="1"/>
-          <p:nvPr/>
-        </p:nvSpPr>
-        <p:spPr>
-          <a:xfrm>
-            <a:off x="656948" y="1398711"/>
-            <a:ext cx="2627790" cy="400110"/>
-          </a:xfrm>
-          <a:prstGeom prst="rect">
-            <a:avLst/>
-          </a:prstGeom>
-          <a:noFill/>
-        </p:spPr>
-        <p:txBody>
-          <a:bodyPr wrap="square" rtlCol="0">
-            <a:spAutoFit/>
-          </a:bodyPr>
-          <a:lstStyle/>
-          <a:p>
-            <a:r>
-              <a:rPr lang="ko-KR" altLang="en-US" sz="2000" b="1" dirty="0"/>
-              <a:t>관측</a:t>
-            </a:r>
-          </a:p>
-        </p:txBody>
-      </p:sp>
-      <p:sp>
-        <p:nvSpPr>
-          <p:cNvPr id="16" name="TextBox 15">
-            <a:extLst>
-              <a:ext uri="{FF2B5EF4-FFF2-40B4-BE49-F238E27FC236}">
-                <a16:creationId xmlns:a16="http://schemas.microsoft.com/office/drawing/2014/main" id="{1C198CB5-EF75-4801-B969-9ECC2CF27966}"/>
-              </a:ext>
-            </a:extLst>
-          </p:cNvPr>
-          <p:cNvSpPr txBox="1"/>
-          <p:nvPr/>
-        </p:nvSpPr>
-        <p:spPr>
-          <a:xfrm>
-            <a:off x="830943" y="1896611"/>
-            <a:ext cx="4856085" cy="646331"/>
-          </a:xfrm>
-          <a:prstGeom prst="rect">
-            <a:avLst/>
-          </a:prstGeom>
-          <a:noFill/>
-        </p:spPr>
-        <p:txBody>
-          <a:bodyPr wrap="square" rtlCol="0">
-            <a:spAutoFit/>
-          </a:bodyPr>
-          <a:lstStyle/>
-          <a:p>
-            <a:r>
-              <a:rPr lang="ko-KR" altLang="en-US" dirty="0"/>
-              <a:t>확률상태로 존재하던 큐비트의 </a:t>
-            </a:r>
-            <a:endParaRPr lang="en-US" altLang="ko-KR" dirty="0"/>
-          </a:p>
-          <a:p>
-            <a:r>
-              <a:rPr lang="ko-KR" altLang="en-US" dirty="0"/>
-              <a:t>상태를</a:t>
-            </a:r>
-            <a:r>
-              <a:rPr lang="en-US" altLang="ko-KR" dirty="0"/>
-              <a:t> </a:t>
-            </a:r>
-            <a:r>
-              <a:rPr lang="ko-KR" altLang="en-US" dirty="0"/>
-              <a:t>결정하는 행위</a:t>
-            </a:r>
-          </a:p>
-        </p:txBody>
-      </p:sp>
-      <p:sp>
-        <p:nvSpPr>
-          <p:cNvPr id="17" name="TextBox 16">
-            <a:extLst>
-              <a:ext uri="{FF2B5EF4-FFF2-40B4-BE49-F238E27FC236}">
-                <a16:creationId xmlns:a16="http://schemas.microsoft.com/office/drawing/2014/main" id="{D0542362-F00E-4FD8-B303-002767546B78}"/>
-              </a:ext>
-            </a:extLst>
-          </p:cNvPr>
-          <p:cNvSpPr txBox="1"/>
-          <p:nvPr/>
-        </p:nvSpPr>
-        <p:spPr>
-          <a:xfrm>
-            <a:off x="656948" y="2874973"/>
-            <a:ext cx="2627790" cy="400110"/>
-          </a:xfrm>
-          <a:prstGeom prst="rect">
-            <a:avLst/>
-          </a:prstGeom>
-          <a:noFill/>
-        </p:spPr>
-        <p:txBody>
-          <a:bodyPr wrap="square" rtlCol="0">
-            <a:spAutoFit/>
-          </a:bodyPr>
-          <a:lstStyle/>
-          <a:p>
-            <a:r>
-              <a:rPr lang="ko-KR" altLang="en-US" sz="2000" b="1" dirty="0"/>
-              <a:t>얽힘</a:t>
-            </a:r>
-          </a:p>
-        </p:txBody>
-      </p:sp>
-      <p:sp>
-        <p:nvSpPr>
-          <p:cNvPr id="19" name="TextBox 18">
-            <a:extLst>
-              <a:ext uri="{FF2B5EF4-FFF2-40B4-BE49-F238E27FC236}">
-                <a16:creationId xmlns:a16="http://schemas.microsoft.com/office/drawing/2014/main" id="{83021C04-712F-48BD-96C8-CF2B292923A1}"/>
-              </a:ext>
-            </a:extLst>
-          </p:cNvPr>
-          <p:cNvSpPr txBox="1"/>
-          <p:nvPr/>
-        </p:nvSpPr>
-        <p:spPr>
-          <a:xfrm>
-            <a:off x="830943" y="3375899"/>
-            <a:ext cx="8449006" cy="1000274"/>
-          </a:xfrm>
-          <a:prstGeom prst="rect">
-            <a:avLst/>
-          </a:prstGeom>
-          <a:noFill/>
-        </p:spPr>
-        <p:txBody>
-          <a:bodyPr wrap="square" rtlCol="0">
-            <a:spAutoFit/>
-          </a:bodyPr>
-          <a:lstStyle/>
-          <a:p>
-            <a:r>
-              <a:rPr lang="ko-KR" altLang="en-US" dirty="0"/>
-              <a:t>관측으로 인해 큐비트의 상태가 결정 되었을 때</a:t>
-            </a:r>
-            <a:endParaRPr lang="en-US" altLang="ko-KR" dirty="0"/>
-          </a:p>
-          <a:p>
-            <a:r>
-              <a:rPr lang="ko-KR" altLang="en-US" dirty="0"/>
-              <a:t>관측된 큐비트와 얽혀 있는 다른 큐비트의 상태까지 결정되는 것</a:t>
-            </a:r>
-            <a:endParaRPr lang="en-US" altLang="ko-KR" dirty="0"/>
-          </a:p>
-          <a:p>
-            <a:endParaRPr lang="en-US" altLang="ko-KR" sz="500" dirty="0"/>
-          </a:p>
-          <a:p>
-            <a:r>
-              <a:rPr lang="en-US" altLang="ko-KR" dirty="0"/>
-              <a:t>                 </a:t>
-            </a:r>
-            <a:r>
-              <a:rPr lang="ko-KR" altLang="en-US" dirty="0"/>
-              <a:t>데이터가 한순간에 다른 곳으로 이동하는 것으로 보임  </a:t>
-            </a:r>
-          </a:p>
-        </p:txBody>
-      </p:sp>
-      <p:grpSp>
-        <p:nvGrpSpPr>
-          <p:cNvPr id="20" name="그룹 19">
-            <a:extLst>
-              <a:ext uri="{FF2B5EF4-FFF2-40B4-BE49-F238E27FC236}">
-                <a16:creationId xmlns:a16="http://schemas.microsoft.com/office/drawing/2014/main" id="{00329276-9F4F-470B-B96B-D27CB52C33CF}"/>
-              </a:ext>
-            </a:extLst>
-          </p:cNvPr>
-          <p:cNvGrpSpPr/>
-          <p:nvPr/>
-        </p:nvGrpSpPr>
-        <p:grpSpPr>
-          <a:xfrm>
-            <a:off x="4061887" y="4595359"/>
-            <a:ext cx="4891361" cy="1521723"/>
-            <a:chOff x="1318670" y="1876349"/>
-            <a:chExt cx="5567160" cy="1996929"/>
-          </a:xfrm>
-        </p:grpSpPr>
-        <p:pic>
-          <p:nvPicPr>
-            <p:cNvPr id="21" name="그림 20">
-              <a:extLst>
-                <a:ext uri="{FF2B5EF4-FFF2-40B4-BE49-F238E27FC236}">
-                  <a16:creationId xmlns:a16="http://schemas.microsoft.com/office/drawing/2014/main" id="{A3D63FF4-929F-4739-8736-A56646F4AD94}"/>
-                </a:ext>
-              </a:extLst>
-            </p:cNvPr>
-            <p:cNvPicPr>
-              <a:picLocks noChangeAspect="1"/>
-            </p:cNvPicPr>
-            <p:nvPr/>
-          </p:nvPicPr>
-          <p:blipFill>
-            <a:blip r:embed="rId2"/>
-            <a:stretch>
-              <a:fillRect/>
-            </a:stretch>
-          </p:blipFill>
-          <p:spPr>
-            <a:xfrm>
-              <a:off x="1318670" y="1876349"/>
-              <a:ext cx="1075311" cy="1450980"/>
-            </a:xfrm>
-            <a:prstGeom prst="rect">
-              <a:avLst/>
-            </a:prstGeom>
-          </p:spPr>
-        </p:pic>
-        <p:pic>
-          <p:nvPicPr>
-            <p:cNvPr id="22" name="그림 21">
-              <a:extLst>
-                <a:ext uri="{FF2B5EF4-FFF2-40B4-BE49-F238E27FC236}">
-                  <a16:creationId xmlns:a16="http://schemas.microsoft.com/office/drawing/2014/main" id="{47C53ABE-9F8D-40DA-ACAE-2C2368623431}"/>
-                </a:ext>
-              </a:extLst>
-            </p:cNvPr>
-            <p:cNvPicPr>
-              <a:picLocks noChangeAspect="1"/>
-            </p:cNvPicPr>
-            <p:nvPr/>
-          </p:nvPicPr>
-          <p:blipFill>
-            <a:blip r:embed="rId2"/>
-            <a:stretch>
-              <a:fillRect/>
-            </a:stretch>
-          </p:blipFill>
-          <p:spPr>
-            <a:xfrm>
-              <a:off x="4930191" y="1876349"/>
-              <a:ext cx="1075311" cy="1450980"/>
-            </a:xfrm>
-            <a:prstGeom prst="rect">
-              <a:avLst/>
-            </a:prstGeom>
-          </p:spPr>
-        </p:pic>
-        <p:cxnSp>
-          <p:nvCxnSpPr>
-            <p:cNvPr id="23" name="연결선: 구부러짐 22">
-              <a:extLst>
-                <a:ext uri="{FF2B5EF4-FFF2-40B4-BE49-F238E27FC236}">
-                  <a16:creationId xmlns:a16="http://schemas.microsoft.com/office/drawing/2014/main" id="{A1332609-8075-4286-B35B-03765DD0B422}"/>
-                </a:ext>
-              </a:extLst>
-            </p:cNvPr>
-            <p:cNvCxnSpPr/>
-            <p:nvPr/>
-          </p:nvCxnSpPr>
-          <p:spPr>
-            <a:xfrm>
-              <a:off x="2393981" y="2321781"/>
-              <a:ext cx="2536210" cy="548640"/>
-            </a:xfrm>
-            <a:prstGeom prst="curvedConnector3">
-              <a:avLst/>
-            </a:prstGeom>
-            <a:ln>
-              <a:headEnd type="triangle"/>
-              <a:tailEnd type="triangle"/>
-            </a:ln>
-          </p:spPr>
-          <p:style>
-            <a:lnRef idx="1">
-              <a:schemeClr val="accent1"/>
-            </a:lnRef>
-            <a:fillRef idx="0">
-              <a:schemeClr val="accent1"/>
-            </a:fillRef>
-            <a:effectRef idx="0">
-              <a:schemeClr val="accent1"/>
-            </a:effectRef>
-            <a:fontRef idx="minor">
-              <a:schemeClr val="tx1"/>
-            </a:fontRef>
-          </p:style>
-        </p:cxnSp>
-        <p:cxnSp>
-          <p:nvCxnSpPr>
-            <p:cNvPr id="24" name="연결선: 구부러짐 23">
-              <a:extLst>
-                <a:ext uri="{FF2B5EF4-FFF2-40B4-BE49-F238E27FC236}">
-                  <a16:creationId xmlns:a16="http://schemas.microsoft.com/office/drawing/2014/main" id="{814A5956-AC9C-4EAF-87E6-CC10E3FF1AA5}"/>
-                </a:ext>
-              </a:extLst>
-            </p:cNvPr>
-            <p:cNvCxnSpPr/>
-            <p:nvPr/>
-          </p:nvCxnSpPr>
-          <p:spPr>
-            <a:xfrm flipV="1">
-              <a:off x="2401932" y="2369487"/>
-              <a:ext cx="2536210" cy="490485"/>
-            </a:xfrm>
-            <a:prstGeom prst="curvedConnector3">
-              <a:avLst/>
-            </a:prstGeom>
-            <a:ln>
-              <a:headEnd type="triangle"/>
-              <a:tailEnd type="triangle"/>
-            </a:ln>
-          </p:spPr>
-          <p:style>
-            <a:lnRef idx="1">
-              <a:schemeClr val="accent1"/>
-            </a:lnRef>
-            <a:fillRef idx="0">
-              <a:schemeClr val="accent1"/>
-            </a:fillRef>
-            <a:effectRef idx="0">
-              <a:schemeClr val="accent1"/>
-            </a:effectRef>
-            <a:fontRef idx="minor">
-              <a:schemeClr val="tx1"/>
-            </a:fontRef>
-          </p:style>
-        </p:cxnSp>
-        <p:sp>
-          <p:nvSpPr>
-            <p:cNvPr id="25" name="TextBox 24">
-              <a:extLst>
-                <a:ext uri="{FF2B5EF4-FFF2-40B4-BE49-F238E27FC236}">
-                  <a16:creationId xmlns:a16="http://schemas.microsoft.com/office/drawing/2014/main" id="{EB9DF861-AD10-4B5C-BC70-6B20403CBC0E}"/>
-                </a:ext>
-              </a:extLst>
-            </p:cNvPr>
-            <p:cNvSpPr txBox="1"/>
-            <p:nvPr/>
-          </p:nvSpPr>
-          <p:spPr>
-            <a:xfrm>
-              <a:off x="1486894" y="3429000"/>
-              <a:ext cx="5398936" cy="444278"/>
-            </a:xfrm>
-            <a:prstGeom prst="rect">
-              <a:avLst/>
-            </a:prstGeom>
-            <a:noFill/>
-          </p:spPr>
-          <p:txBody>
-            <a:bodyPr wrap="square" rtlCol="0">
-              <a:spAutoFit/>
-            </a:bodyPr>
-            <a:lstStyle/>
-            <a:p>
-              <a:r>
-                <a:rPr lang="ko-KR" altLang="en-US" sz="1600" dirty="0"/>
-                <a:t>관측</a:t>
-              </a:r>
-              <a:r>
-                <a:rPr lang="en-US" altLang="ko-KR" sz="1600" dirty="0"/>
-                <a:t>!</a:t>
-              </a:r>
-              <a:r>
-                <a:rPr lang="ko-KR" altLang="en-US" sz="1600" dirty="0"/>
-                <a:t>                                           영향을 받음</a:t>
-              </a:r>
-            </a:p>
-          </p:txBody>
-        </p:sp>
-      </p:grpSp>
-      <p:sp>
-        <p:nvSpPr>
-          <p:cNvPr id="26" name="화살표: 오른쪽 25">
-            <a:extLst>
-              <a:ext uri="{FF2B5EF4-FFF2-40B4-BE49-F238E27FC236}">
-                <a16:creationId xmlns:a16="http://schemas.microsoft.com/office/drawing/2014/main" id="{08205595-27F8-4E15-A0F7-3A7EE8641E9D}"/>
-              </a:ext>
-            </a:extLst>
-          </p:cNvPr>
-          <p:cNvSpPr/>
-          <p:nvPr/>
-        </p:nvSpPr>
-        <p:spPr>
-          <a:xfrm>
-            <a:off x="1473692" y="4028139"/>
-            <a:ext cx="426129" cy="292447"/>
-          </a:xfrm>
-          <a:prstGeom prst="rightArrow">
-            <a:avLst/>
-          </a:prstGeom>
-        </p:spPr>
-        <p:style>
-          <a:lnRef idx="2">
-            <a:schemeClr val="accent1">
-              <a:shade val="50000"/>
-            </a:schemeClr>
-          </a:lnRef>
-          <a:fillRef idx="1">
-            <a:schemeClr val="accent1"/>
-          </a:fillRef>
-          <a:effectRef idx="0">
-            <a:schemeClr val="accent1"/>
-          </a:effectRef>
-          <a:fontRef idx="minor">
-            <a:schemeClr val="lt1"/>
-          </a:fontRef>
-        </p:style>
-        <p:txBody>
-          <a:bodyPr rtlCol="0" anchor="ctr"/>
-          <a:lstStyle/>
-          <a:p>
-            <a:pPr algn="ctr"/>
-            <a:endParaRPr lang="ko-KR" altLang="en-US"/>
-          </a:p>
-        </p:txBody>
-      </p:sp>
-    </p:spTree>
-    <p:extLst>
-      <p:ext uri="{BB962C8B-B14F-4D97-AF65-F5344CB8AC3E}">
-        <p14:creationId xmlns:p14="http://schemas.microsoft.com/office/powerpoint/2010/main" val="2808319010"/>
-      </p:ext>
-    </p:extLst>
-  </p:cSld>
-  <p:clrMapOvr>
-    <a:masterClrMapping/>
-  </p:clrMapOvr>
-</p:sld>
-</file>
-
-<file path=ppt/slides/slide7.xml><?xml version="1.0" encoding="utf-8"?>
+<file path=ppt/slides/slide5.xml><?xml version="1.0" encoding="utf-8"?>
 <p:sld xmlns:a="http://schemas.openxmlformats.org/drawingml/2006/main" xmlns:r="http://schemas.openxmlformats.org/officeDocument/2006/relationships" xmlns:p="http://schemas.openxmlformats.org/presentationml/2006/main">
   <p:cSld>
     <p:spTree>
@@ -20751,7 +18695,7 @@
 </p:sld>
 </file>
 
-<file path=ppt/slides/slide8.xml><?xml version="1.0" encoding="utf-8"?>
+<file path=ppt/slides/slide6.xml><?xml version="1.0" encoding="utf-8"?>
 <p:sld xmlns:a="http://schemas.openxmlformats.org/drawingml/2006/main" xmlns:r="http://schemas.openxmlformats.org/officeDocument/2006/relationships" xmlns:p="http://schemas.openxmlformats.org/presentationml/2006/main">
   <p:cSld>
     <p:spTree>
@@ -20835,7 +18779,7 @@
 </p:sld>
 </file>
 
-<file path=ppt/slides/slide9.xml><?xml version="1.0" encoding="utf-8"?>
+<file path=ppt/slides/slide7.xml><?xml version="1.0" encoding="utf-8"?>
 <p:sld xmlns:a="http://schemas.openxmlformats.org/drawingml/2006/main" xmlns:r="http://schemas.openxmlformats.org/officeDocument/2006/relationships" xmlns:p="http://schemas.openxmlformats.org/presentationml/2006/main">
   <p:cSld>
     <p:spTree>
@@ -20910,6 +18854,878 @@
     <p:extLst>
       <p:ext uri="{BB962C8B-B14F-4D97-AF65-F5344CB8AC3E}">
         <p14:creationId xmlns:p14="http://schemas.microsoft.com/office/powerpoint/2010/main" val="1894358417"/>
+      </p:ext>
+    </p:extLst>
+  </p:cSld>
+  <p:clrMapOvr>
+    <a:masterClrMapping/>
+  </p:clrMapOvr>
+</p:sld>
+</file>
+
+<file path=ppt/slides/slide8.xml><?xml version="1.0" encoding="utf-8"?>
+<p:sld xmlns:a="http://schemas.openxmlformats.org/drawingml/2006/main" xmlns:r="http://schemas.openxmlformats.org/officeDocument/2006/relationships" xmlns:p="http://schemas.openxmlformats.org/presentationml/2006/main">
+  <p:cSld>
+    <p:spTree>
+      <p:nvGrpSpPr>
+        <p:cNvPr id="1" name=""/>
+        <p:cNvGrpSpPr/>
+        <p:nvPr/>
+      </p:nvGrpSpPr>
+      <p:grpSpPr>
+        <a:xfrm>
+          <a:off x="0" y="0"/>
+          <a:ext cx="0" cy="0"/>
+          <a:chOff x="0" y="0"/>
+          <a:chExt cx="0" cy="0"/>
+        </a:xfrm>
+      </p:grpSpPr>
+      <p:sp>
+        <p:nvSpPr>
+          <p:cNvPr id="2" name="제목 1"/>
+          <p:cNvSpPr>
+            <a:spLocks noGrp="1"/>
+          </p:cNvSpPr>
+          <p:nvPr>
+            <p:ph type="title"/>
+          </p:nvPr>
+        </p:nvSpPr>
+        <p:spPr/>
+        <p:txBody>
+          <a:bodyPr>
+            <a:normAutofit/>
+          </a:bodyPr>
+          <a:lstStyle/>
+          <a:p>
+            <a:r>
+              <a:rPr lang="ko-KR" altLang="en-US" sz="3000" dirty="0"/>
+              <a:t> 양자 컴퓨터</a:t>
+            </a:r>
+          </a:p>
+        </p:txBody>
+      </p:sp>
+      <p:sp>
+        <p:nvSpPr>
+          <p:cNvPr id="3" name="TextBox 2">
+            <a:extLst>
+              <a:ext uri="{FF2B5EF4-FFF2-40B4-BE49-F238E27FC236}">
+                <a16:creationId xmlns:a16="http://schemas.microsoft.com/office/drawing/2014/main" id="{F4F6CE13-665F-46AF-8516-D572F8163F2F}"/>
+              </a:ext>
+            </a:extLst>
+          </p:cNvPr>
+          <p:cNvSpPr txBox="1"/>
+          <p:nvPr/>
+        </p:nvSpPr>
+        <p:spPr>
+          <a:xfrm>
+            <a:off x="505439" y="1577048"/>
+            <a:ext cx="4436919" cy="430887"/>
+          </a:xfrm>
+          <a:prstGeom prst="rect">
+            <a:avLst/>
+          </a:prstGeom>
+          <a:noFill/>
+        </p:spPr>
+        <p:txBody>
+          <a:bodyPr wrap="square" rtlCol="0">
+            <a:spAutoFit/>
+          </a:bodyPr>
+          <a:lstStyle/>
+          <a:p>
+            <a:r>
+              <a:rPr lang="ko-KR" altLang="en-US" sz="2200" b="1" dirty="0"/>
+              <a:t>양자 컴퓨터가 중요한 이유</a:t>
+            </a:r>
+          </a:p>
+        </p:txBody>
+      </p:sp>
+      <p:sp>
+        <p:nvSpPr>
+          <p:cNvPr id="6" name="TextBox 5">
+            <a:extLst>
+              <a:ext uri="{FF2B5EF4-FFF2-40B4-BE49-F238E27FC236}">
+                <a16:creationId xmlns:a16="http://schemas.microsoft.com/office/drawing/2014/main" id="{0AA6961E-333B-4C10-BD4D-F757C438805B}"/>
+              </a:ext>
+            </a:extLst>
+          </p:cNvPr>
+          <p:cNvSpPr txBox="1"/>
+          <p:nvPr/>
+        </p:nvSpPr>
+        <p:spPr>
+          <a:xfrm>
+            <a:off x="770657" y="2148343"/>
+            <a:ext cx="10754593" cy="707886"/>
+          </a:xfrm>
+          <a:prstGeom prst="rect">
+            <a:avLst/>
+          </a:prstGeom>
+          <a:noFill/>
+        </p:spPr>
+        <p:txBody>
+          <a:bodyPr wrap="square" rtlCol="0">
+            <a:spAutoFit/>
+          </a:bodyPr>
+          <a:lstStyle/>
+          <a:p>
+            <a:r>
+              <a:rPr lang="ko-KR" altLang="en-US" sz="2000" dirty="0"/>
+              <a:t>기존 컴퓨터에서 연산속도의 한계로 수행 불가능했던 </a:t>
+            </a:r>
+            <a:endParaRPr lang="en-US" altLang="ko-KR" sz="2000" dirty="0"/>
+          </a:p>
+          <a:p>
+            <a:r>
+              <a:rPr lang="ko-KR" altLang="en-US" sz="2000" dirty="0"/>
+              <a:t>문제에 대하여</a:t>
+            </a:r>
+            <a:r>
+              <a:rPr lang="en-US" altLang="ko-KR" sz="2000" dirty="0"/>
+              <a:t> </a:t>
+            </a:r>
+            <a:r>
+              <a:rPr lang="ko-KR" altLang="en-US" sz="2000" dirty="0"/>
+              <a:t>뛰어난 해결능력을 가지고 있다</a:t>
+            </a:r>
+            <a:r>
+              <a:rPr lang="en-US" altLang="ko-KR" sz="2000" dirty="0"/>
+              <a:t>.</a:t>
+            </a:r>
+            <a:endParaRPr lang="ko-KR" altLang="en-US" sz="2000" dirty="0"/>
+          </a:p>
+        </p:txBody>
+      </p:sp>
+      <p:sp>
+        <p:nvSpPr>
+          <p:cNvPr id="7" name="TextBox 6">
+            <a:extLst>
+              <a:ext uri="{FF2B5EF4-FFF2-40B4-BE49-F238E27FC236}">
+                <a16:creationId xmlns:a16="http://schemas.microsoft.com/office/drawing/2014/main" id="{03A617F9-D659-416F-AE0D-0A0F99145121}"/>
+              </a:ext>
+            </a:extLst>
+          </p:cNvPr>
+          <p:cNvSpPr txBox="1"/>
+          <p:nvPr/>
+        </p:nvSpPr>
+        <p:spPr>
+          <a:xfrm>
+            <a:off x="578175" y="3314701"/>
+            <a:ext cx="6924061" cy="430887"/>
+          </a:xfrm>
+          <a:prstGeom prst="rect">
+            <a:avLst/>
+          </a:prstGeom>
+          <a:noFill/>
+        </p:spPr>
+        <p:txBody>
+          <a:bodyPr wrap="square" rtlCol="0">
+            <a:spAutoFit/>
+          </a:bodyPr>
+          <a:lstStyle/>
+          <a:p>
+            <a:r>
+              <a:rPr lang="ko-KR" altLang="en-US" sz="2200" b="1" dirty="0"/>
+              <a:t>양자 컴퓨터가 끼친 영향</a:t>
+            </a:r>
+          </a:p>
+        </p:txBody>
+      </p:sp>
+      <p:sp>
+        <p:nvSpPr>
+          <p:cNvPr id="8" name="TextBox 7">
+            <a:extLst>
+              <a:ext uri="{FF2B5EF4-FFF2-40B4-BE49-F238E27FC236}">
+                <a16:creationId xmlns:a16="http://schemas.microsoft.com/office/drawing/2014/main" id="{30A1109B-4132-4087-869D-60E8F9E22AB5}"/>
+              </a:ext>
+            </a:extLst>
+          </p:cNvPr>
+          <p:cNvSpPr txBox="1"/>
+          <p:nvPr/>
+        </p:nvSpPr>
+        <p:spPr>
+          <a:xfrm>
+            <a:off x="801830" y="3850117"/>
+            <a:ext cx="10642023" cy="707886"/>
+          </a:xfrm>
+          <a:prstGeom prst="rect">
+            <a:avLst/>
+          </a:prstGeom>
+          <a:noFill/>
+        </p:spPr>
+        <p:txBody>
+          <a:bodyPr wrap="square" rtlCol="0">
+            <a:spAutoFit/>
+          </a:bodyPr>
+          <a:lstStyle/>
+          <a:p>
+            <a:r>
+              <a:rPr lang="ko-KR" altLang="en-US" sz="2000" dirty="0"/>
+              <a:t>현재 사용되는 수학적 난제에 기반한 암호시스템들은 기존 컴퓨터가 풀어내기 매우 어렵다</a:t>
+            </a:r>
+            <a:r>
+              <a:rPr lang="en-US" altLang="ko-KR" sz="2000" dirty="0"/>
+              <a:t>. </a:t>
+            </a:r>
+            <a:r>
+              <a:rPr lang="ko-KR" altLang="en-US" sz="2000" dirty="0"/>
+              <a:t>하지만 양자 컴퓨터가 등장한다면  빠른 시간안에 풀어낼 수 있다</a:t>
+            </a:r>
+            <a:r>
+              <a:rPr lang="en-US" altLang="ko-KR" sz="2000" dirty="0"/>
+              <a:t>.</a:t>
+            </a:r>
+          </a:p>
+        </p:txBody>
+      </p:sp>
+      <p:grpSp>
+        <p:nvGrpSpPr>
+          <p:cNvPr id="14" name="그룹 13">
+            <a:extLst>
+              <a:ext uri="{FF2B5EF4-FFF2-40B4-BE49-F238E27FC236}">
+                <a16:creationId xmlns:a16="http://schemas.microsoft.com/office/drawing/2014/main" id="{812EAA98-E4ED-49B3-9192-A3818199B206}"/>
+              </a:ext>
+            </a:extLst>
+          </p:cNvPr>
+          <p:cNvGrpSpPr/>
+          <p:nvPr/>
+        </p:nvGrpSpPr>
+        <p:grpSpPr>
+          <a:xfrm>
+            <a:off x="4208319" y="5045109"/>
+            <a:ext cx="3084117" cy="430887"/>
+            <a:chOff x="4208319" y="5045109"/>
+            <a:chExt cx="3084117" cy="430887"/>
+          </a:xfrm>
+        </p:grpSpPr>
+        <p:sp>
+          <p:nvSpPr>
+            <p:cNvPr id="9" name="TextBox 8">
+              <a:extLst>
+                <a:ext uri="{FF2B5EF4-FFF2-40B4-BE49-F238E27FC236}">
+                  <a16:creationId xmlns:a16="http://schemas.microsoft.com/office/drawing/2014/main" id="{5ADFE88D-A34D-4F75-8FA9-6082D52F3A7C}"/>
+                </a:ext>
+              </a:extLst>
+            </p:cNvPr>
+            <p:cNvSpPr txBox="1"/>
+            <p:nvPr/>
+          </p:nvSpPr>
+          <p:spPr>
+            <a:xfrm>
+              <a:off x="4656609" y="5045109"/>
+              <a:ext cx="2533900" cy="430887"/>
+            </a:xfrm>
+            <a:prstGeom prst="rect">
+              <a:avLst/>
+            </a:prstGeom>
+            <a:noFill/>
+          </p:spPr>
+          <p:txBody>
+            <a:bodyPr wrap="square" rtlCol="0">
+              <a:spAutoFit/>
+            </a:bodyPr>
+            <a:lstStyle/>
+            <a:p>
+              <a:r>
+                <a:rPr lang="ko-KR" altLang="en-US" sz="2200" b="1" dirty="0"/>
+                <a:t>암호체계의 붕괴</a:t>
+              </a:r>
+            </a:p>
+          </p:txBody>
+        </p:sp>
+        <p:sp>
+          <p:nvSpPr>
+            <p:cNvPr id="12" name="곱하기 기호 11">
+              <a:extLst>
+                <a:ext uri="{FF2B5EF4-FFF2-40B4-BE49-F238E27FC236}">
+                  <a16:creationId xmlns:a16="http://schemas.microsoft.com/office/drawing/2014/main" id="{AAE1D429-029C-4BF2-B088-2B024EC1D472}"/>
+                </a:ext>
+              </a:extLst>
+            </p:cNvPr>
+            <p:cNvSpPr/>
+            <p:nvPr/>
+          </p:nvSpPr>
+          <p:spPr>
+            <a:xfrm>
+              <a:off x="4208319" y="5062745"/>
+              <a:ext cx="552200" cy="369332"/>
+            </a:xfrm>
+            <a:prstGeom prst="mathMultiply">
+              <a:avLst/>
+            </a:prstGeom>
+            <a:solidFill>
+              <a:srgbClr val="FF0000"/>
+            </a:solidFill>
+          </p:spPr>
+          <p:style>
+            <a:lnRef idx="2">
+              <a:schemeClr val="accent1">
+                <a:shade val="50000"/>
+              </a:schemeClr>
+            </a:lnRef>
+            <a:fillRef idx="1">
+              <a:schemeClr val="accent1"/>
+            </a:fillRef>
+            <a:effectRef idx="0">
+              <a:schemeClr val="accent1"/>
+            </a:effectRef>
+            <a:fontRef idx="minor">
+              <a:schemeClr val="lt1"/>
+            </a:fontRef>
+          </p:style>
+          <p:txBody>
+            <a:bodyPr rtlCol="0" anchor="ctr"/>
+            <a:lstStyle/>
+            <a:p>
+              <a:pPr algn="ctr"/>
+              <a:endParaRPr lang="ko-KR" altLang="en-US"/>
+            </a:p>
+          </p:txBody>
+        </p:sp>
+        <p:sp>
+          <p:nvSpPr>
+            <p:cNvPr id="13" name="곱하기 기호 12">
+              <a:extLst>
+                <a:ext uri="{FF2B5EF4-FFF2-40B4-BE49-F238E27FC236}">
+                  <a16:creationId xmlns:a16="http://schemas.microsoft.com/office/drawing/2014/main" id="{9C49F47F-756D-4545-834E-D1FC9847609B}"/>
+                </a:ext>
+              </a:extLst>
+            </p:cNvPr>
+            <p:cNvSpPr/>
+            <p:nvPr/>
+          </p:nvSpPr>
+          <p:spPr>
+            <a:xfrm>
+              <a:off x="6740236" y="5052355"/>
+              <a:ext cx="552200" cy="369332"/>
+            </a:xfrm>
+            <a:prstGeom prst="mathMultiply">
+              <a:avLst/>
+            </a:prstGeom>
+            <a:solidFill>
+              <a:srgbClr val="FF0000"/>
+            </a:solidFill>
+          </p:spPr>
+          <p:style>
+            <a:lnRef idx="2">
+              <a:schemeClr val="accent1">
+                <a:shade val="50000"/>
+              </a:schemeClr>
+            </a:lnRef>
+            <a:fillRef idx="1">
+              <a:schemeClr val="accent1"/>
+            </a:fillRef>
+            <a:effectRef idx="0">
+              <a:schemeClr val="accent1"/>
+            </a:effectRef>
+            <a:fontRef idx="minor">
+              <a:schemeClr val="lt1"/>
+            </a:fontRef>
+          </p:style>
+          <p:txBody>
+            <a:bodyPr rtlCol="0" anchor="ctr"/>
+            <a:lstStyle/>
+            <a:p>
+              <a:pPr algn="ctr"/>
+              <a:endParaRPr lang="ko-KR" altLang="en-US"/>
+            </a:p>
+          </p:txBody>
+        </p:sp>
+      </p:grpSp>
+    </p:spTree>
+    <p:extLst>
+      <p:ext uri="{BB962C8B-B14F-4D97-AF65-F5344CB8AC3E}">
+        <p14:creationId xmlns:p14="http://schemas.microsoft.com/office/powerpoint/2010/main" val="4030687276"/>
+      </p:ext>
+    </p:extLst>
+  </p:cSld>
+  <p:clrMapOvr>
+    <a:masterClrMapping/>
+  </p:clrMapOvr>
+  <p:timing>
+    <p:tnLst>
+      <p:par>
+        <p:cTn id="1" dur="indefinite" restart="never" nodeType="tmRoot">
+          <p:childTnLst>
+            <p:seq concurrent="1" nextAc="seek">
+              <p:cTn id="2" dur="indefinite" nodeType="mainSeq">
+                <p:childTnLst>
+                  <p:par>
+                    <p:cTn id="3" fill="hold">
+                      <p:stCondLst>
+                        <p:cond delay="indefinite"/>
+                      </p:stCondLst>
+                      <p:childTnLst>
+                        <p:par>
+                          <p:cTn id="4" fill="hold">
+                            <p:stCondLst>
+                              <p:cond delay="0"/>
+                            </p:stCondLst>
+                            <p:childTnLst>
+                              <p:par>
+                                <p:cTn id="5" presetID="10" presetClass="entr" presetSubtype="0" fill="hold" nodeType="clickEffect">
+                                  <p:stCondLst>
+                                    <p:cond delay="0"/>
+                                  </p:stCondLst>
+                                  <p:childTnLst>
+                                    <p:set>
+                                      <p:cBhvr>
+                                        <p:cTn id="6" dur="1" fill="hold">
+                                          <p:stCondLst>
+                                            <p:cond delay="0"/>
+                                          </p:stCondLst>
+                                        </p:cTn>
+                                        <p:tgtEl>
+                                          <p:spTgt spid="14"/>
+                                        </p:tgtEl>
+                                        <p:attrNameLst>
+                                          <p:attrName>style.visibility</p:attrName>
+                                        </p:attrNameLst>
+                                      </p:cBhvr>
+                                      <p:to>
+                                        <p:strVal val="visible"/>
+                                      </p:to>
+                                    </p:set>
+                                    <p:animEffect transition="in" filter="fade">
+                                      <p:cBhvr>
+                                        <p:cTn id="7" dur="500"/>
+                                        <p:tgtEl>
+                                          <p:spTgt spid="14"/>
+                                        </p:tgtEl>
+                                      </p:cBhvr>
+                                    </p:animEffect>
+                                  </p:childTnLst>
+                                </p:cTn>
+                              </p:par>
+                            </p:childTnLst>
+                          </p:cTn>
+                        </p:par>
+                      </p:childTnLst>
+                    </p:cTn>
+                  </p:par>
+                </p:childTnLst>
+              </p:cTn>
+              <p:prevCondLst>
+                <p:cond evt="onPrev" delay="0">
+                  <p:tgtEl>
+                    <p:sldTgt/>
+                  </p:tgtEl>
+                </p:cond>
+              </p:prevCondLst>
+              <p:nextCondLst>
+                <p:cond evt="onNext" delay="0">
+                  <p:tgtEl>
+                    <p:sldTgt/>
+                  </p:tgtEl>
+                </p:cond>
+              </p:nextCondLst>
+            </p:seq>
+          </p:childTnLst>
+        </p:cTn>
+      </p:par>
+    </p:tnLst>
+  </p:timing>
+</p:sld>
+</file>
+
+<file path=ppt/slides/slide9.xml><?xml version="1.0" encoding="utf-8"?>
+<p:sld xmlns:a="http://schemas.openxmlformats.org/drawingml/2006/main" xmlns:r="http://schemas.openxmlformats.org/officeDocument/2006/relationships" xmlns:p="http://schemas.openxmlformats.org/presentationml/2006/main">
+  <p:cSld>
+    <p:spTree>
+      <p:nvGrpSpPr>
+        <p:cNvPr id="1" name=""/>
+        <p:cNvGrpSpPr/>
+        <p:nvPr/>
+      </p:nvGrpSpPr>
+      <p:grpSpPr>
+        <a:xfrm>
+          <a:off x="0" y="0"/>
+          <a:ext cx="0" cy="0"/>
+          <a:chOff x="0" y="0"/>
+          <a:chExt cx="0" cy="0"/>
+        </a:xfrm>
+      </p:grpSpPr>
+      <p:sp>
+        <p:nvSpPr>
+          <p:cNvPr id="2" name="제목 1"/>
+          <p:cNvSpPr>
+            <a:spLocks noGrp="1"/>
+          </p:cNvSpPr>
+          <p:nvPr>
+            <p:ph type="title"/>
+          </p:nvPr>
+        </p:nvSpPr>
+        <p:spPr/>
+        <p:txBody>
+          <a:bodyPr>
+            <a:normAutofit/>
+          </a:bodyPr>
+          <a:lstStyle/>
+          <a:p>
+            <a:r>
+              <a:rPr lang="ko-KR" altLang="en-US" sz="3000" dirty="0"/>
+              <a:t> 양자 알고리즘 </a:t>
+            </a:r>
+            <a:r>
+              <a:rPr lang="en-US" altLang="ko-KR" sz="3000" dirty="0"/>
+              <a:t>: Shor</a:t>
+            </a:r>
+            <a:endParaRPr lang="ko-KR" altLang="en-US" sz="3000" dirty="0"/>
+          </a:p>
+        </p:txBody>
+      </p:sp>
+      <p:sp>
+        <p:nvSpPr>
+          <p:cNvPr id="5" name="TextBox 4">
+            <a:extLst>
+              <a:ext uri="{FF2B5EF4-FFF2-40B4-BE49-F238E27FC236}">
+                <a16:creationId xmlns:a16="http://schemas.microsoft.com/office/drawing/2014/main" id="{0E8E6D9D-E45D-446D-AC9A-00D2CA2B9C06}"/>
+              </a:ext>
+            </a:extLst>
+          </p:cNvPr>
+          <p:cNvSpPr txBox="1"/>
+          <p:nvPr/>
+        </p:nvSpPr>
+        <p:spPr>
+          <a:xfrm>
+            <a:off x="950118" y="1553234"/>
+            <a:ext cx="10291763" cy="2246769"/>
+          </a:xfrm>
+          <a:prstGeom prst="rect">
+            <a:avLst/>
+          </a:prstGeom>
+          <a:noFill/>
+        </p:spPr>
+        <p:txBody>
+          <a:bodyPr wrap="square" rtlCol="0">
+            <a:spAutoFit/>
+          </a:bodyPr>
+          <a:lstStyle/>
+          <a:p>
+            <a:r>
+              <a:rPr lang="en-US" altLang="ko-KR" sz="2000" dirty="0"/>
+              <a:t>1994</a:t>
+            </a:r>
+            <a:r>
+              <a:rPr lang="ko-KR" altLang="en-US" sz="2000" dirty="0"/>
+              <a:t>년 수학자 </a:t>
+            </a:r>
+            <a:r>
+              <a:rPr lang="en-US" altLang="ko-KR" sz="2000" dirty="0"/>
+              <a:t>Shor</a:t>
+            </a:r>
+            <a:r>
+              <a:rPr lang="ko-KR" altLang="en-US" sz="2000" dirty="0"/>
+              <a:t>는 기존 컴퓨터에서의 난제인 </a:t>
+            </a:r>
+            <a:r>
+              <a:rPr lang="ko-KR" altLang="en-US" sz="2000" b="1" dirty="0"/>
+              <a:t>소인수분해 문제</a:t>
+            </a:r>
+            <a:r>
+              <a:rPr lang="ko-KR" altLang="en-US" sz="2000" dirty="0"/>
+              <a:t>를 </a:t>
+            </a:r>
+            <a:endParaRPr lang="en-US" altLang="ko-KR" sz="2000" dirty="0"/>
+          </a:p>
+          <a:p>
+            <a:endParaRPr lang="en-US" altLang="ko-KR" sz="2000" dirty="0"/>
+          </a:p>
+          <a:p>
+            <a:r>
+              <a:rPr lang="ko-KR" altLang="en-US" sz="2000" dirty="0"/>
+              <a:t>효율적으로 풀어낼 수 있는</a:t>
+            </a:r>
+            <a:r>
+              <a:rPr lang="en-US" altLang="ko-KR" sz="2000" dirty="0"/>
+              <a:t> </a:t>
+            </a:r>
+            <a:r>
+              <a:rPr lang="ko-KR" altLang="en-US" sz="2000" dirty="0"/>
+              <a:t>양자 알고리즘을 제안</a:t>
+            </a:r>
+            <a:endParaRPr lang="en-US" altLang="ko-KR" sz="2000" dirty="0"/>
+          </a:p>
+          <a:p>
+            <a:endParaRPr lang="en-US" altLang="ko-KR" sz="2000" dirty="0"/>
+          </a:p>
+          <a:p>
+            <a:r>
+              <a:rPr lang="ko-KR" altLang="en-US" sz="2000" dirty="0"/>
+              <a:t>커다란 두 소수를 곱하는 것은 쉽지만 이렇게 곱해진 매우 커다란 정수를 두 소수로 다시 분해하는 것</a:t>
+            </a:r>
+            <a:r>
+              <a:rPr lang="en-US" altLang="ko-KR" sz="2000" dirty="0"/>
+              <a:t> </a:t>
+            </a:r>
+            <a:r>
+              <a:rPr lang="ko-KR" altLang="en-US" sz="2000" dirty="0"/>
+              <a:t>은</a:t>
+            </a:r>
+            <a:r>
+              <a:rPr lang="en-US" altLang="ko-KR" sz="2000" dirty="0"/>
+              <a:t>,</a:t>
+            </a:r>
+            <a:r>
+              <a:rPr lang="ko-KR" altLang="en-US" sz="2000" dirty="0"/>
+              <a:t>두 소수 중 하나를 모른다면 매우 어려운 일 </a:t>
+            </a:r>
+            <a:endParaRPr lang="en-US" altLang="ko-KR" sz="2000" dirty="0"/>
+          </a:p>
+          <a:p>
+            <a:endParaRPr lang="en-US" altLang="ko-KR" sz="2000" dirty="0"/>
+          </a:p>
+        </p:txBody>
+      </p:sp>
+      <p:sp>
+        <p:nvSpPr>
+          <p:cNvPr id="7" name="TextBox 6">
+            <a:extLst>
+              <a:ext uri="{FF2B5EF4-FFF2-40B4-BE49-F238E27FC236}">
+                <a16:creationId xmlns:a16="http://schemas.microsoft.com/office/drawing/2014/main" id="{DCD06440-94E1-4CF0-B6A0-9513E681292B}"/>
+              </a:ext>
+            </a:extLst>
+          </p:cNvPr>
+          <p:cNvSpPr txBox="1"/>
+          <p:nvPr/>
+        </p:nvSpPr>
+        <p:spPr>
+          <a:xfrm>
+            <a:off x="7794732" y="3151549"/>
+            <a:ext cx="1627632" cy="369332"/>
+          </a:xfrm>
+          <a:prstGeom prst="rect">
+            <a:avLst/>
+          </a:prstGeom>
+          <a:noFill/>
+        </p:spPr>
+        <p:txBody>
+          <a:bodyPr wrap="square" rtlCol="0">
+            <a:spAutoFit/>
+          </a:bodyPr>
+          <a:lstStyle/>
+          <a:p>
+            <a:r>
+              <a:rPr lang="ko-KR" altLang="en-US" dirty="0"/>
+              <a:t>예제</a:t>
+            </a:r>
+            <a:r>
+              <a:rPr lang="en-US" altLang="ko-KR" dirty="0"/>
+              <a:t> ) N = </a:t>
+            </a:r>
+            <a:r>
+              <a:rPr lang="en-US" altLang="ko-KR" dirty="0" err="1"/>
+              <a:t>pq</a:t>
+            </a:r>
+            <a:endParaRPr lang="ko-KR" altLang="en-US" dirty="0"/>
+          </a:p>
+        </p:txBody>
+      </p:sp>
+      <p:sp>
+        <p:nvSpPr>
+          <p:cNvPr id="9" name="TextBox 8">
+            <a:extLst>
+              <a:ext uri="{FF2B5EF4-FFF2-40B4-BE49-F238E27FC236}">
+                <a16:creationId xmlns:a16="http://schemas.microsoft.com/office/drawing/2014/main" id="{D341566D-637C-4012-8D44-25E51C7BEA68}"/>
+              </a:ext>
+            </a:extLst>
+          </p:cNvPr>
+          <p:cNvSpPr txBox="1"/>
+          <p:nvPr/>
+        </p:nvSpPr>
+        <p:spPr>
+          <a:xfrm>
+            <a:off x="2278871" y="4426699"/>
+            <a:ext cx="8346180" cy="692497"/>
+          </a:xfrm>
+          <a:prstGeom prst="rect">
+            <a:avLst/>
+          </a:prstGeom>
+          <a:noFill/>
+        </p:spPr>
+        <p:txBody>
+          <a:bodyPr wrap="square" rtlCol="0">
+            <a:spAutoFit/>
+          </a:bodyPr>
+          <a:lstStyle/>
+          <a:p>
+            <a:r>
+              <a:rPr lang="ko-KR" altLang="en-US" dirty="0"/>
+              <a:t>지수 차원의 복잡도                    </a:t>
+            </a:r>
+            <a:r>
+              <a:rPr lang="en-US" altLang="ko-KR" dirty="0">
+                <a:sym typeface="Wingdings" panose="05000000000000000000" pitchFamily="2" charset="2"/>
+              </a:rPr>
+              <a:t></a:t>
+            </a:r>
+            <a:r>
+              <a:rPr lang="en-US" altLang="ko-KR" dirty="0"/>
+              <a:t>                            </a:t>
+            </a:r>
+            <a:r>
+              <a:rPr lang="ko-KR" altLang="en-US" dirty="0"/>
+              <a:t>다항시간내에 해결</a:t>
+            </a:r>
+            <a:endParaRPr lang="en-US" altLang="ko-KR" dirty="0"/>
+          </a:p>
+          <a:p>
+            <a:endParaRPr lang="ko-KR" altLang="en-US" sz="300" dirty="0"/>
+          </a:p>
+          <a:p>
+            <a:r>
+              <a:rPr lang="en-US" altLang="ko-KR" dirty="0"/>
+              <a:t>         </a:t>
+            </a:r>
+            <a:r>
+              <a:rPr lang="en-US" altLang="ko-KR" i="1" dirty="0">
+                <a:solidFill>
+                  <a:srgbClr val="FF0000"/>
+                </a:solidFill>
+              </a:rPr>
+              <a:t>Before					       After</a:t>
+            </a:r>
+            <a:endParaRPr lang="ko-KR" altLang="en-US" i="1" dirty="0">
+              <a:solidFill>
+                <a:srgbClr val="FF0000"/>
+              </a:solidFill>
+            </a:endParaRPr>
+          </a:p>
+        </p:txBody>
+      </p:sp>
+      <p:pic>
+        <p:nvPicPr>
+          <p:cNvPr id="10" name="Picture 2" descr="&lt;math xmlns=&quot;http://www.w3.org/1998/Math/MathML&quot;&gt;&lt;mi&gt;O&lt;/mi&gt;&lt;mfenced&gt;&lt;msup&gt;&lt;mi&gt;e&lt;/mi&gt;&lt;mrow&gt;&lt;mn&gt;1&lt;/mn&gt;&lt;mo&gt;.&lt;/mo&gt;&lt;mn&gt;9&lt;/mn&gt;&lt;msup&gt;&lt;mfenced&gt;&lt;mrow&gt;&lt;mi&gt;log&lt;/mi&gt;&lt;mi&gt;N&lt;/mi&gt;&lt;/mrow&gt;&lt;/mfenced&gt;&lt;mrow&gt;&lt;mn&gt;1&lt;/mn&gt;&lt;mo&gt;/&lt;/mo&gt;&lt;mn&gt;3&lt;/mn&gt;&lt;/mrow&gt;&lt;/msup&gt;&lt;msup&gt;&lt;mfenced&gt;&lt;mrow&gt;&lt;mi&gt;log&lt;/mi&gt;&lt;mi&gt;log&lt;/mi&gt;&lt;mi&gt;N&lt;/mi&gt;&lt;/mrow&gt;&lt;/mfenced&gt;&lt;mrow&gt;&lt;mn&gt;2&lt;/mn&gt;&lt;mo&gt;/&lt;/mo&gt;&lt;mn&gt;3&lt;/mn&gt;&lt;/mrow&gt;&lt;/msup&gt;&lt;/mrow&gt;&lt;/msup&gt;&lt;/mfenced&gt;&lt;mo&gt;&amp;#xA0;&lt;/mo&gt;&lt;munder&gt;&lt;mo&gt;&amp;#x2192;&lt;/mo&gt;&lt;mrow&gt;&lt;mi&gt;u&lt;/mi&gt;&lt;mi&gt;s&lt;/mi&gt;&lt;mi&gt;e&lt;/mi&gt;&lt;mo&gt;&amp;#xA0;&lt;/mo&gt;&lt;mi&gt;S&lt;/mi&gt;&lt;mi&gt;h&lt;/mi&gt;&lt;mi&gt;o&lt;/mi&gt;&lt;mi&gt;r&lt;/mi&gt;&lt;mo&gt;'&lt;/mo&gt;&lt;mi&gt;s&lt;/mi&gt;&lt;mo&gt;&amp;#xA0;&lt;/mo&gt;&lt;mi&gt;A&lt;/mi&gt;&lt;mi&gt;l&lt;/mi&gt;&lt;mi&gt;g&lt;/mi&gt;&lt;mi&gt;o&lt;/mi&gt;&lt;mi&gt;r&lt;/mi&gt;&lt;mi&gt;i&lt;/mi&gt;&lt;mi&gt;t&lt;/mi&gt;&lt;mi&gt;t&lt;/mi&gt;&lt;mi&gt;h&lt;/mi&gt;&lt;mi&gt;m&lt;/mi&gt;&lt;/mrow&gt;&lt;/munder&gt;&lt;mo&gt;&amp;#xA0;&lt;/mo&gt;&lt;mi&gt;O&lt;/mi&gt;&lt;mfenced&gt;&lt;mrow&gt;&lt;msup&gt;&lt;mfenced&gt;&lt;mrow&gt;&lt;mi&gt;log&lt;/mi&gt;&lt;mi&gt;N&lt;/mi&gt;&lt;/mrow&gt;&lt;/mfenced&gt;&lt;mn&gt;2&lt;/mn&gt;&lt;/msup&gt;&lt;mfenced&gt;&lt;mrow&gt;&lt;mi&gt;log&lt;/mi&gt;&lt;mi&gt;log&lt;/mi&gt;&lt;mi&gt;N&lt;/mi&gt;&lt;/mrow&gt;&lt;/mfenced&gt;&lt;mfenced&gt;&lt;mrow&gt;&lt;mi&gt;log&lt;/mi&gt;&lt;mi&gt;log&lt;/mi&gt;&lt;mi&gt;log&lt;/mi&gt;&lt;mi&gt;N&lt;/mi&gt;&lt;/mrow&gt;&lt;/mfenced&gt;&lt;/mrow&gt;&lt;/mfenced&gt;&lt;/math&gt;">
+            <a:extLst>
+              <a:ext uri="{FF2B5EF4-FFF2-40B4-BE49-F238E27FC236}">
+                <a16:creationId xmlns:a16="http://schemas.microsoft.com/office/drawing/2014/main" id="{0FEF2D85-D339-43F1-A99E-B5FCAD6B1208}"/>
+              </a:ext>
+            </a:extLst>
+          </p:cNvPr>
+          <p:cNvPicPr>
+            <a:picLocks noChangeAspect="1" noChangeArrowheads="1"/>
+          </p:cNvPicPr>
+          <p:nvPr/>
+        </p:nvPicPr>
+        <p:blipFill>
+          <a:blip r:embed="rId3">
+            <a:extLst>
+              <a:ext uri="{28A0092B-C50C-407E-A947-70E740481C1C}">
+                <a14:useLocalDpi xmlns:a14="http://schemas.microsoft.com/office/drawing/2010/main" val="0"/>
+              </a:ext>
+            </a:extLst>
+          </a:blip>
+          <a:srcRect/>
+          <a:stretch>
+            <a:fillRect/>
+          </a:stretch>
+        </p:blipFill>
+        <p:spPr bwMode="auto">
+          <a:xfrm>
+            <a:off x="1975970" y="3793026"/>
+            <a:ext cx="8649081" cy="490728"/>
+          </a:xfrm>
+          <a:prstGeom prst="rect">
+            <a:avLst/>
+          </a:prstGeom>
+          <a:noFill/>
+          <a:extLst>
+            <a:ext uri="{909E8E84-426E-40DD-AFC4-6F175D3DCCD1}">
+              <a14:hiddenFill xmlns:a14="http://schemas.microsoft.com/office/drawing/2010/main">
+                <a:solidFill>
+                  <a:srgbClr val="FFFFFF"/>
+                </a:solidFill>
+              </a14:hiddenFill>
+            </a:ext>
+          </a:extLst>
+        </p:spPr>
+      </p:pic>
+      <p:sp>
+        <p:nvSpPr>
+          <p:cNvPr id="13" name="직사각형 12">
+            <a:extLst>
+              <a:ext uri="{FF2B5EF4-FFF2-40B4-BE49-F238E27FC236}">
+                <a16:creationId xmlns:a16="http://schemas.microsoft.com/office/drawing/2014/main" id="{674E9725-1EA3-4EFC-B90A-11B53DB42E7B}"/>
+              </a:ext>
+            </a:extLst>
+          </p:cNvPr>
+          <p:cNvSpPr/>
+          <p:nvPr/>
+        </p:nvSpPr>
+        <p:spPr>
+          <a:xfrm>
+            <a:off x="1779190" y="5398318"/>
+            <a:ext cx="9345541" cy="369332"/>
+          </a:xfrm>
+          <a:prstGeom prst="rect">
+            <a:avLst/>
+          </a:prstGeom>
+        </p:spPr>
+        <p:txBody>
+          <a:bodyPr wrap="square">
+            <a:spAutoFit/>
+          </a:bodyPr>
+          <a:lstStyle/>
+          <a:p>
+            <a:r>
+              <a:rPr lang="ko-KR" altLang="en-US" dirty="0"/>
+              <a:t>결과 </a:t>
+            </a:r>
+            <a:r>
+              <a:rPr lang="en-US" altLang="ko-KR" dirty="0"/>
+              <a:t>:</a:t>
+            </a:r>
+            <a:r>
+              <a:rPr lang="ko-KR" altLang="en-US" dirty="0"/>
+              <a:t> 소인수 분해의 어려움에 기반한 암호시스템들을 무너뜨릴 수 있다</a:t>
+            </a:r>
+            <a:r>
+              <a:rPr lang="en-US" altLang="ko-KR" dirty="0"/>
+              <a:t>.  </a:t>
+            </a:r>
+            <a:r>
+              <a:rPr lang="ko-KR" altLang="en-US" dirty="0"/>
+              <a:t>예시</a:t>
+            </a:r>
+            <a:r>
+              <a:rPr lang="en-US" altLang="ko-KR" dirty="0"/>
+              <a:t>) RSA</a:t>
+            </a:r>
+          </a:p>
+        </p:txBody>
+      </p:sp>
+      <p:pic>
+        <p:nvPicPr>
+          <p:cNvPr id="3" name="그림 2">
+            <a:extLst>
+              <a:ext uri="{FF2B5EF4-FFF2-40B4-BE49-F238E27FC236}">
+                <a16:creationId xmlns:a16="http://schemas.microsoft.com/office/drawing/2014/main" id="{55311F65-F744-BC4A-8570-5B6FBBEDB306}"/>
+              </a:ext>
+            </a:extLst>
+          </p:cNvPr>
+          <p:cNvPicPr>
+            <a:picLocks noChangeAspect="1"/>
+          </p:cNvPicPr>
+          <p:nvPr/>
+        </p:nvPicPr>
+        <p:blipFill>
+          <a:blip r:embed="rId4"/>
+          <a:stretch>
+            <a:fillRect/>
+          </a:stretch>
+        </p:blipFill>
+        <p:spPr>
+          <a:xfrm>
+            <a:off x="9864860" y="5376767"/>
+            <a:ext cx="551346" cy="391278"/>
+          </a:xfrm>
+          <a:prstGeom prst="rect">
+            <a:avLst/>
+          </a:prstGeom>
+        </p:spPr>
+      </p:pic>
+    </p:spTree>
+    <p:extLst>
+      <p:ext uri="{BB962C8B-B14F-4D97-AF65-F5344CB8AC3E}">
+        <p14:creationId xmlns:p14="http://schemas.microsoft.com/office/powerpoint/2010/main" val="4153338935"/>
       </p:ext>
     </p:extLst>
   </p:cSld>
